--- a/spring - 학습자료/코드로 배우는 스프링 웹 프로젝트 (개정판) 학습자료/PART6.pptx
+++ b/spring - 학습자료/코드로 배우는 스프링 웹 프로젝트 (개정판) 학습자료/PART6.pptx
@@ -2495,7 +2495,7 @@
           <a:p>
             <a:fld id="{48A87A34-81AB-432B-8DAE-1953F412C126}" type="datetimeFigureOut">
               <a:rPr lang="en-US" smtClean="0"/>
-              <a:t>5/10/2023</a:t>
+              <a:t>5/15/2023</a:t>
             </a:fld>
             <a:endParaRPr lang="en-US"/>
           </a:p>
@@ -2693,7 +2693,7 @@
           <a:p>
             <a:fld id="{48A87A34-81AB-432B-8DAE-1953F412C126}" type="datetimeFigureOut">
               <a:rPr lang="en-US" smtClean="0"/>
-              <a:t>5/10/2023</a:t>
+              <a:t>5/15/2023</a:t>
             </a:fld>
             <a:endParaRPr lang="en-US"/>
           </a:p>
@@ -2901,7 +2901,7 @@
           <a:p>
             <a:fld id="{48A87A34-81AB-432B-8DAE-1953F412C126}" type="datetimeFigureOut">
               <a:rPr lang="en-US" smtClean="0"/>
-              <a:t>5/10/2023</a:t>
+              <a:t>5/15/2023</a:t>
             </a:fld>
             <a:endParaRPr lang="en-US"/>
           </a:p>
@@ -3109,7 +3109,7 @@
           <a:p>
             <a:fld id="{48A87A34-81AB-432B-8DAE-1953F412C126}" type="datetimeFigureOut">
               <a:rPr lang="en-US" smtClean="0"/>
-              <a:t>5/10/2023</a:t>
+              <a:t>5/15/2023</a:t>
             </a:fld>
             <a:endParaRPr lang="en-US"/>
           </a:p>
@@ -3384,7 +3384,7 @@
           <a:p>
             <a:fld id="{48A87A34-81AB-432B-8DAE-1953F412C126}" type="datetimeFigureOut">
               <a:rPr lang="en-US" smtClean="0"/>
-              <a:t>5/10/2023</a:t>
+              <a:t>5/15/2023</a:t>
             </a:fld>
             <a:endParaRPr lang="en-US"/>
           </a:p>
@@ -3650,7 +3650,7 @@
             <a:fld id="{48A87A34-81AB-432B-8DAE-1953F412C126}" type="datetimeFigureOut">
               <a:rPr lang="en-US" smtClean="0"/>
               <a:pPr/>
-              <a:t>5/10/2023</a:t>
+              <a:t>5/15/2023</a:t>
             </a:fld>
             <a:endParaRPr lang="en-US"/>
           </a:p>
@@ -4063,7 +4063,7 @@
           <a:p>
             <a:fld id="{48A87A34-81AB-432B-8DAE-1953F412C126}" type="datetimeFigureOut">
               <a:rPr lang="en-US" smtClean="0"/>
-              <a:t>5/10/2023</a:t>
+              <a:t>5/15/2023</a:t>
             </a:fld>
             <a:endParaRPr lang="en-US"/>
           </a:p>
@@ -4204,7 +4204,7 @@
           <a:p>
             <a:fld id="{48A87A34-81AB-432B-8DAE-1953F412C126}" type="datetimeFigureOut">
               <a:rPr lang="en-US" smtClean="0"/>
-              <a:t>5/10/2023</a:t>
+              <a:t>5/15/2023</a:t>
             </a:fld>
             <a:endParaRPr lang="en-US"/>
           </a:p>
@@ -4317,7 +4317,7 @@
           <a:p>
             <a:fld id="{48A87A34-81AB-432B-8DAE-1953F412C126}" type="datetimeFigureOut">
               <a:rPr lang="en-US" smtClean="0"/>
-              <a:t>5/10/2023</a:t>
+              <a:t>5/15/2023</a:t>
             </a:fld>
             <a:endParaRPr lang="en-US"/>
           </a:p>
@@ -4628,7 +4628,7 @@
           <a:p>
             <a:fld id="{48A87A34-81AB-432B-8DAE-1953F412C126}" type="datetimeFigureOut">
               <a:rPr lang="en-US" smtClean="0"/>
-              <a:t>5/10/2023</a:t>
+              <a:t>5/15/2023</a:t>
             </a:fld>
             <a:endParaRPr lang="en-US"/>
           </a:p>
@@ -4917,7 +4917,7 @@
             <a:fld id="{48A87A34-81AB-432B-8DAE-1953F412C126}" type="datetimeFigureOut">
               <a:rPr lang="en-US" smtClean="0"/>
               <a:pPr/>
-              <a:t>5/10/2023</a:t>
+              <a:t>5/15/2023</a:t>
             </a:fld>
             <a:endParaRPr lang="en-US"/>
           </a:p>
@@ -5160,7 +5160,7 @@
             <a:fld id="{48A87A34-81AB-432B-8DAE-1953F412C126}" type="datetimeFigureOut">
               <a:rPr lang="en-US" smtClean="0"/>
               <a:pPr/>
-              <a:t>5/10/2023</a:t>
+              <a:t>5/15/2023</a:t>
             </a:fld>
             <a:endParaRPr lang="en-US"/>
           </a:p>
@@ -16143,37 +16143,53 @@
               <a:buNone/>
             </a:pPr>
             <a:r>
-              <a:rPr lang="ko-KR" altLang="en-US" smtClean="0"/>
+              <a:rPr lang="ko-KR" altLang="en-US" dirty="0" smtClean="0"/>
               <a:t>서버 처리</a:t>
             </a:r>
             <a:r>
-              <a:rPr lang="en-US" altLang="ko-KR" smtClean="0"/>
+              <a:rPr lang="en-US" altLang="ko-KR" dirty="0" smtClean="0"/>
               <a:t/>
             </a:r>
             <a:br>
-              <a:rPr lang="en-US" altLang="ko-KR" smtClean="0"/>
+              <a:rPr lang="en-US" altLang="ko-KR" dirty="0" smtClean="0"/>
             </a:br>
             <a:r>
-              <a:rPr lang="en-US" altLang="ko-KR" smtClean="0"/>
+              <a:rPr lang="en-US" altLang="ko-KR" dirty="0" smtClean="0"/>
               <a:t/>
             </a:r>
             <a:br>
-              <a:rPr lang="en-US" altLang="ko-KR" smtClean="0"/>
+              <a:rPr lang="en-US" altLang="ko-KR" dirty="0" smtClean="0"/>
             </a:br>
             <a:r>
-              <a:rPr lang="en-US" altLang="ko-KR"/>
-              <a:t>@PostMapping(value = "/uploadAjaxAction", produces = </a:t>
-            </a:r>
-            <a:r>
-              <a:rPr lang="en-US" altLang="ko-KR" smtClean="0"/>
+              <a:rPr lang="en-US" altLang="ko-KR" dirty="0"/>
+              <a:t>@</a:t>
+            </a:r>
+            <a:r>
+              <a:rPr lang="en-US" altLang="ko-KR" dirty="0" err="1"/>
+              <a:t>PostMapping</a:t>
+            </a:r>
+            <a:r>
+              <a:rPr lang="en-US" altLang="ko-KR" dirty="0"/>
+              <a:t>(value = "/</a:t>
+            </a:r>
+            <a:r>
+              <a:rPr lang="en-US" altLang="ko-KR" dirty="0" err="1"/>
+              <a:t>uploadAjaxAction</a:t>
+            </a:r>
+            <a:r>
+              <a:rPr lang="en-US" altLang="ko-KR" dirty="0"/>
+              <a:t>", produces = </a:t>
+            </a:r>
+            <a:r>
+              <a:rPr lang="en-US" altLang="ko-KR" dirty="0" err="1" smtClean="0"/>
               <a:t>MediaType.</a:t>
             </a:r>
             <a:r>
-              <a:rPr lang="en-US" altLang="ko-KR" b="1" i="1" smtClean="0"/>
+              <a:rPr lang="en-US" altLang="ko-KR" b="1" i="1" dirty="0" err="1" smtClean="0"/>
               <a:t>APPLICATION_JSON_VALUE</a:t>
             </a:r>
             <a:r>
-              <a:rPr lang="en-US" altLang="ko-KR" b="1" i="1"/>
+              <a:rPr lang="en-US" altLang="ko-KR" b="1" i="1" dirty="0"/>
               <a:t>)</a:t>
             </a:r>
           </a:p>
@@ -16182,43 +16198,92 @@
               <a:buNone/>
             </a:pPr>
             <a:r>
-              <a:rPr lang="en-US" altLang="ko-KR"/>
-              <a:t>@ResponseBody</a:t>
-            </a:r>
+              <a:rPr lang="en-US" altLang="ko-KR" dirty="0"/>
+              <a:t>@</a:t>
+            </a:r>
+            <a:r>
+              <a:rPr lang="en-US" altLang="ko-KR" dirty="0" err="1"/>
+              <a:t>ResponseBody</a:t>
+            </a:r>
+            <a:endParaRPr lang="en-US" altLang="ko-KR" dirty="0"/>
           </a:p>
           <a:p>
             <a:pPr marL="0" indent="0">
               <a:buNone/>
             </a:pPr>
             <a:r>
-              <a:rPr lang="en-US" altLang="ko-KR" b="1"/>
+              <a:rPr lang="en-US" altLang="ko-KR" b="1" dirty="0"/>
               <a:t>public </a:t>
             </a:r>
             <a:r>
-              <a:rPr lang="en-US" altLang="ko-KR" b="1" smtClean="0"/>
-              <a:t>ResponseEntity&lt;List&lt;AttachFileDTO</a:t>
-            </a:r>
-            <a:r>
-              <a:rPr lang="en-US" altLang="ko-KR" b="1"/>
-              <a:t>&gt;&gt; uploadAjaxPost(MultipartFile[] uploadFile</a:t>
-            </a:r>
-            <a:r>
-              <a:rPr lang="en-US" altLang="ko-KR" b="1" smtClean="0"/>
+              <a:rPr lang="en-US" altLang="ko-KR" b="1" dirty="0" err="1" smtClean="0"/>
+              <a:t>ResponseEntity</a:t>
+            </a:r>
+            <a:r>
+              <a:rPr lang="en-US" altLang="ko-KR" b="1" dirty="0" smtClean="0"/>
+              <a:t>&lt;List&lt;</a:t>
+            </a:r>
+            <a:r>
+              <a:rPr lang="en-US" altLang="ko-KR" b="1" dirty="0" err="1" smtClean="0"/>
+              <a:t>AttachFileDTO</a:t>
+            </a:r>
+            <a:r>
+              <a:rPr lang="en-US" altLang="ko-KR" b="1" dirty="0"/>
+              <a:t>&gt;&gt; </a:t>
+            </a:r>
+            <a:r>
+              <a:rPr lang="en-US" altLang="ko-KR" b="1" dirty="0" err="1"/>
+              <a:t>uploadAjaxPost</a:t>
+            </a:r>
+            <a:r>
+              <a:rPr lang="en-US" altLang="ko-KR" b="1" dirty="0"/>
+              <a:t>(</a:t>
+            </a:r>
+            <a:r>
+              <a:rPr lang="en-US" altLang="ko-KR" b="1" dirty="0" err="1"/>
+              <a:t>MultipartFile</a:t>
+            </a:r>
+            <a:r>
+              <a:rPr lang="en-US" altLang="ko-KR" b="1" dirty="0"/>
+              <a:t>[] </a:t>
+            </a:r>
+            <a:r>
+              <a:rPr lang="en-US" altLang="ko-KR" b="1" dirty="0" err="1"/>
+              <a:t>uploadFile</a:t>
+            </a:r>
+            <a:r>
+              <a:rPr lang="en-US" altLang="ko-KR" b="1" dirty="0" smtClean="0"/>
               <a:t>) {</a:t>
             </a:r>
             <a:br>
-              <a:rPr lang="en-US" altLang="ko-KR" b="1" smtClean="0"/>
+              <a:rPr lang="en-US" altLang="ko-KR" b="1" dirty="0" smtClean="0"/>
             </a:br>
             <a:r>
-              <a:rPr lang="en-US" altLang="ko-KR"/>
+              <a:rPr lang="en-US" altLang="ko-KR" dirty="0"/>
               <a:t/>
             </a:r>
             <a:br>
-              <a:rPr lang="en-US" altLang="ko-KR"/>
+              <a:rPr lang="en-US" altLang="ko-KR" dirty="0"/>
             </a:br>
             <a:r>
-              <a:rPr lang="en-US" altLang="ko-KR"/>
-              <a:t>List&lt;AttachFileDTO&gt; list = new ArrayList&lt;&gt;();</a:t>
+              <a:rPr lang="en-US" altLang="ko-KR" dirty="0"/>
+              <a:t>List&lt;</a:t>
+            </a:r>
+            <a:r>
+              <a:rPr lang="en-US" altLang="ko-KR" dirty="0" err="1"/>
+              <a:t>AttachFileDTO</a:t>
+            </a:r>
+            <a:r>
+              <a:rPr lang="en-US" altLang="ko-KR" dirty="0"/>
+              <a:t>&gt; list = new </a:t>
+            </a:r>
+            <a:r>
+              <a:rPr lang="en-US" altLang="ko-KR" dirty="0" err="1"/>
+              <a:t>ArrayList</a:t>
+            </a:r>
+            <a:r>
+              <a:rPr lang="en-US" altLang="ko-KR" dirty="0"/>
+              <a:t>&lt;&gt;();</a:t>
             </a:r>
           </a:p>
           <a:p>
@@ -16226,26 +16291,54 @@
               <a:buNone/>
             </a:pPr>
             <a:r>
-              <a:rPr lang="en-US" altLang="ko-KR" smtClean="0"/>
-              <a:t>AttachFileDTO </a:t>
-            </a:r>
-            <a:r>
-              <a:rPr lang="en-US" altLang="ko-KR"/>
-              <a:t>attachDTO = new AttachFileDTO();</a:t>
+              <a:rPr lang="en-US" altLang="ko-KR" dirty="0" err="1" smtClean="0"/>
+              <a:t>AttachFileDTO</a:t>
+            </a:r>
+            <a:r>
+              <a:rPr lang="en-US" altLang="ko-KR" dirty="0" smtClean="0"/>
+              <a:t> </a:t>
+            </a:r>
+            <a:r>
+              <a:rPr lang="en-US" altLang="ko-KR" dirty="0" err="1"/>
+              <a:t>attachDTO</a:t>
+            </a:r>
+            <a:r>
+              <a:rPr lang="en-US" altLang="ko-KR" dirty="0"/>
+              <a:t> = new </a:t>
+            </a:r>
+            <a:r>
+              <a:rPr lang="en-US" altLang="ko-KR" dirty="0" err="1"/>
+              <a:t>AttachFileDTO</a:t>
+            </a:r>
+            <a:r>
+              <a:rPr lang="en-US" altLang="ko-KR" dirty="0"/>
+              <a:t>();</a:t>
             </a:r>
             <a:br>
-              <a:rPr lang="en-US" altLang="ko-KR"/>
+              <a:rPr lang="en-US" altLang="ko-KR" dirty="0"/>
             </a:br>
             <a:r>
-              <a:rPr lang="en-US" altLang="ko-KR"/>
+              <a:rPr lang="en-US" altLang="ko-KR" dirty="0"/>
               <a:t/>
             </a:r>
             <a:br>
-              <a:rPr lang="en-US" altLang="ko-KR"/>
+              <a:rPr lang="en-US" altLang="ko-KR" dirty="0"/>
             </a:br>
             <a:r>
-              <a:rPr lang="en-US" altLang="ko-KR"/>
-              <a:t>attachDTO.setUuid(uuid.toString());</a:t>
+              <a:rPr lang="en-US" altLang="ko-KR" dirty="0" err="1"/>
+              <a:t>attachDTO.setUuid</a:t>
+            </a:r>
+            <a:r>
+              <a:rPr lang="en-US" altLang="ko-KR" dirty="0"/>
+              <a:t>(</a:t>
+            </a:r>
+            <a:r>
+              <a:rPr lang="en-US" altLang="ko-KR" dirty="0" err="1"/>
+              <a:t>uuid.toString</a:t>
+            </a:r>
+            <a:r>
+              <a:rPr lang="en-US" altLang="ko-KR" dirty="0"/>
+              <a:t>());</a:t>
             </a:r>
           </a:p>
           <a:p>
@@ -16253,60 +16346,100 @@
               <a:buNone/>
             </a:pPr>
             <a:r>
-              <a:rPr lang="en-US" altLang="ko-KR"/>
-              <a:t>attachDTO.setUploadPath(uploadFolderPath);</a:t>
+              <a:rPr lang="en-US" altLang="ko-KR" dirty="0" err="1"/>
+              <a:t>attachDTO.setUploadPath</a:t>
+            </a:r>
+            <a:r>
+              <a:rPr lang="en-US" altLang="ko-KR" dirty="0"/>
+              <a:t>(</a:t>
+            </a:r>
+            <a:r>
+              <a:rPr lang="en-US" altLang="ko-KR" dirty="0" err="1"/>
+              <a:t>uploadFolderPath</a:t>
+            </a:r>
+            <a:r>
+              <a:rPr lang="en-US" altLang="ko-KR" dirty="0"/>
+              <a:t>);</a:t>
             </a:r>
             <a:br>
-              <a:rPr lang="en-US" altLang="ko-KR"/>
+              <a:rPr lang="en-US" altLang="ko-KR" dirty="0"/>
             </a:br>
             <a:r>
-              <a:rPr lang="en-US" altLang="ko-KR"/>
+              <a:rPr lang="en-US" altLang="ko-KR" dirty="0"/>
               <a:t/>
             </a:r>
             <a:br>
-              <a:rPr lang="en-US" altLang="ko-KR"/>
+              <a:rPr lang="en-US" altLang="ko-KR" dirty="0"/>
             </a:br>
             <a:r>
-              <a:rPr lang="en-US" altLang="ko-KR"/>
-              <a:t>attachDTO.setImage(true);</a:t>
+              <a:rPr lang="en-US" altLang="ko-KR" dirty="0" err="1"/>
+              <a:t>attachDTO.setImage</a:t>
+            </a:r>
+            <a:r>
+              <a:rPr lang="en-US" altLang="ko-KR" dirty="0"/>
+              <a:t>(true);</a:t>
             </a:r>
             <a:br>
-              <a:rPr lang="en-US" altLang="ko-KR"/>
+              <a:rPr lang="en-US" altLang="ko-KR" dirty="0"/>
             </a:br>
             <a:r>
-              <a:rPr lang="en-US" altLang="ko-KR"/>
+              <a:rPr lang="en-US" altLang="ko-KR" dirty="0"/>
               <a:t/>
             </a:r>
             <a:br>
-              <a:rPr lang="en-US" altLang="ko-KR"/>
+              <a:rPr lang="en-US" altLang="ko-KR" dirty="0"/>
             </a:br>
             <a:r>
-              <a:rPr lang="en-US" altLang="ko-KR"/>
-              <a:t>list.add(attachDTO</a:t>
-            </a:r>
-            <a:r>
-              <a:rPr lang="en-US" altLang="ko-KR" smtClean="0"/>
+              <a:rPr lang="en-US" altLang="ko-KR" dirty="0" err="1"/>
+              <a:t>list.add</a:t>
+            </a:r>
+            <a:r>
+              <a:rPr lang="en-US" altLang="ko-KR" dirty="0"/>
+              <a:t>(</a:t>
+            </a:r>
+            <a:r>
+              <a:rPr lang="en-US" altLang="ko-KR" dirty="0" err="1"/>
+              <a:t>attachDTO</a:t>
+            </a:r>
+            <a:r>
+              <a:rPr lang="en-US" altLang="ko-KR" dirty="0" smtClean="0"/>
               <a:t>);</a:t>
             </a:r>
             <a:br>
-              <a:rPr lang="en-US" altLang="ko-KR" smtClean="0"/>
+              <a:rPr lang="en-US" altLang="ko-KR" dirty="0" smtClean="0"/>
             </a:br>
             <a:r>
-              <a:rPr lang="en-US" altLang="ko-KR" smtClean="0"/>
+              <a:rPr lang="en-US" altLang="ko-KR" dirty="0" smtClean="0"/>
               <a:t/>
             </a:r>
             <a:br>
-              <a:rPr lang="en-US" altLang="ko-KR" smtClean="0"/>
+              <a:rPr lang="en-US" altLang="ko-KR" dirty="0" smtClean="0"/>
             </a:br>
             <a:r>
-              <a:rPr lang="en-US" altLang="ko-KR" b="1"/>
-              <a:t>return new ResponseEntity&lt;&gt;(list, HttpStatus.</a:t>
-            </a:r>
-            <a:r>
-              <a:rPr lang="en-US" altLang="ko-KR" b="1" i="1"/>
-              <a:t>OK);</a:t>
-            </a:r>
-            <a:endParaRPr lang="ko-KR" altLang="en-US"/>
+              <a:rPr lang="en-US" altLang="ko-KR" b="1" dirty="0"/>
+              <a:t>return new </a:t>
+            </a:r>
+            <a:r>
+              <a:rPr lang="en-US" altLang="ko-KR" b="1" dirty="0" err="1"/>
+              <a:t>ResponseEntity</a:t>
+            </a:r>
+            <a:r>
+              <a:rPr lang="en-US" altLang="ko-KR" b="1" dirty="0"/>
+              <a:t>&lt;&gt;(list, </a:t>
+            </a:r>
+            <a:r>
+              <a:rPr lang="en-US" altLang="ko-KR" b="1" dirty="0" err="1"/>
+              <a:t>HttpStatus.</a:t>
+            </a:r>
+            <a:r>
+              <a:rPr lang="en-US" altLang="ko-KR" b="1" i="1" dirty="0" err="1"/>
+              <a:t>OK</a:t>
+            </a:r>
+            <a:r>
+              <a:rPr lang="en-US" altLang="ko-KR" b="1" i="1" dirty="0"/>
+              <a:t>);</a:t>
+            </a:r>
+            <a:endParaRPr lang="ko-KR" altLang="en-US" dirty="0"/>
           </a:p>
         </p:txBody>
       </p:sp>
@@ -18499,7 +18632,7 @@
         <p:spPr>
           <a:xfrm>
             <a:off x="430687" y="791564"/>
-            <a:ext cx="7886700" cy="3393937"/>
+            <a:ext cx="8239588" cy="3393937"/>
           </a:xfrm>
           <a:prstGeom prst="rect">
             <a:avLst/>
@@ -18589,7 +18722,7 @@
         </p:nvSpPr>
         <p:spPr>
           <a:xfrm>
-            <a:off x="772998" y="1263192"/>
+            <a:off x="772998" y="1219124"/>
             <a:ext cx="7797327" cy="1754326"/>
           </a:xfrm>
           <a:prstGeom prst="rect">
@@ -18604,77 +18737,109 @@
           <a:lstStyle/>
           <a:p>
             <a:r>
-              <a:rPr lang="ko-KR" altLang="en-US" smtClean="0"/>
-              <a:t>이미지 파일 경우에는 섬네일 이미지를 보여줌</a:t>
-            </a:r>
-            <a:endParaRPr lang="en-US" altLang="ko-KR" smtClean="0"/>
-          </a:p>
-          <a:p>
-            <a:r>
-              <a:rPr lang="ko-KR" altLang="en-US" smtClean="0"/>
+              <a:rPr lang="ko-KR" altLang="en-US" dirty="0" smtClean="0"/>
+              <a:t>이미지 파일 경우에는 </a:t>
+            </a:r>
+            <a:r>
+              <a:rPr lang="ko-KR" altLang="en-US" dirty="0" err="1" smtClean="0"/>
+              <a:t>섬네일</a:t>
+            </a:r>
+            <a:r>
+              <a:rPr lang="ko-KR" altLang="en-US" dirty="0" smtClean="0"/>
+              <a:t> 이미지를 보여줌</a:t>
+            </a:r>
+            <a:endParaRPr lang="en-US" altLang="ko-KR" dirty="0" smtClean="0"/>
+          </a:p>
+          <a:p>
+            <a:r>
+              <a:rPr lang="ko-KR" altLang="en-US" dirty="0" smtClean="0"/>
               <a:t>해당 파일의 경로와 </a:t>
             </a:r>
             <a:r>
-              <a:rPr lang="en-US" altLang="ko-KR" smtClean="0"/>
+              <a:rPr lang="en-US" altLang="ko-KR" dirty="0" smtClean="0"/>
               <a:t>UUID</a:t>
             </a:r>
             <a:r>
-              <a:rPr lang="ko-KR" altLang="en-US" smtClean="0"/>
+              <a:rPr lang="ko-KR" altLang="en-US" dirty="0" smtClean="0"/>
               <a:t>가 붙은 파일 이름 필요</a:t>
             </a:r>
-            <a:endParaRPr lang="en-US" altLang="ko-KR" smtClean="0"/>
-          </a:p>
-          <a:p>
-            <a:r>
-              <a:rPr lang="ko-KR" altLang="en-US" smtClean="0"/>
-              <a:t>섬네일은 </a:t>
-            </a:r>
-            <a:r>
-              <a:rPr lang="en-US" altLang="ko-KR" smtClean="0"/>
+            <a:endParaRPr lang="en-US" altLang="ko-KR" dirty="0" smtClean="0"/>
+          </a:p>
+          <a:p>
+            <a:r>
+              <a:rPr lang="ko-KR" altLang="en-US" dirty="0" err="1" smtClean="0"/>
+              <a:t>섬네일은</a:t>
+            </a:r>
+            <a:r>
+              <a:rPr lang="ko-KR" altLang="en-US" dirty="0" smtClean="0"/>
+              <a:t> </a:t>
+            </a:r>
+            <a:r>
+              <a:rPr lang="en-US" altLang="ko-KR" dirty="0" smtClean="0"/>
               <a:t>GET</a:t>
             </a:r>
             <a:r>
-              <a:rPr lang="ko-KR" altLang="en-US" smtClean="0"/>
+              <a:rPr lang="ko-KR" altLang="en-US" dirty="0" smtClean="0"/>
               <a:t>방식으로 가져옴</a:t>
             </a:r>
-            <a:endParaRPr lang="en-US" altLang="ko-KR" smtClean="0"/>
-          </a:p>
-          <a:p>
-            <a:r>
-              <a:rPr lang="ko-KR" altLang="en-US" smtClean="0"/>
-              <a:t>서버에 전송하는 데이터는 파일경로 </a:t>
-            </a:r>
-            <a:r>
-              <a:rPr lang="en-US" altLang="ko-KR" smtClean="0"/>
+            <a:endParaRPr lang="en-US" altLang="ko-KR" dirty="0" smtClean="0"/>
+          </a:p>
+          <a:p>
+            <a:r>
+              <a:rPr lang="ko-KR" altLang="en-US" dirty="0" smtClean="0"/>
+              <a:t>서버에 전송하는 데이터는 </a:t>
+            </a:r>
+            <a:r>
+              <a:rPr lang="ko-KR" altLang="en-US" dirty="0" err="1" smtClean="0"/>
+              <a:t>파일경로</a:t>
+            </a:r>
+            <a:r>
+              <a:rPr lang="ko-KR" altLang="en-US" dirty="0" smtClean="0"/>
+              <a:t> </a:t>
+            </a:r>
+            <a:r>
+              <a:rPr lang="en-US" altLang="ko-KR" dirty="0" smtClean="0"/>
               <a:t>+ s_ + UUID + </a:t>
             </a:r>
             <a:r>
-              <a:rPr lang="ko-KR" altLang="en-US" smtClean="0"/>
+              <a:rPr lang="ko-KR" altLang="en-US" dirty="0" smtClean="0"/>
               <a:t>파일이름</a:t>
             </a:r>
             <a:r>
-              <a:rPr lang="en-US" altLang="ko-KR" smtClean="0"/>
+              <a:rPr lang="en-US" altLang="ko-KR" dirty="0" smtClean="0"/>
               <a:t/>
             </a:r>
             <a:br>
-              <a:rPr lang="en-US" altLang="ko-KR" smtClean="0"/>
+              <a:rPr lang="en-US" altLang="ko-KR" dirty="0" smtClean="0"/>
             </a:br>
-            <a:endParaRPr lang="en-US" altLang="ko-KR" smtClean="0"/>
-          </a:p>
-          <a:p>
-            <a:r>
-              <a:rPr lang="ko-KR" altLang="en-US" smtClean="0"/>
-              <a:t>한글과 공백 포함시에 문제가 발생하므로 </a:t>
-            </a:r>
-            <a:r>
-              <a:rPr lang="en-US" altLang="ko-KR" smtClean="0"/>
-              <a:t>encodeURIComponent()</a:t>
-            </a:r>
-            <a:r>
-              <a:rPr lang="ko-KR" altLang="en-US" smtClean="0"/>
+            <a:endParaRPr lang="en-US" altLang="ko-KR" dirty="0" smtClean="0"/>
+          </a:p>
+          <a:p>
+            <a:r>
+              <a:rPr lang="ko-KR" altLang="en-US" dirty="0" smtClean="0"/>
+              <a:t>한글과 공백 </a:t>
+            </a:r>
+            <a:r>
+              <a:rPr lang="ko-KR" altLang="en-US" dirty="0" err="1" smtClean="0"/>
+              <a:t>포함시에</a:t>
+            </a:r>
+            <a:r>
+              <a:rPr lang="ko-KR" altLang="en-US" dirty="0" smtClean="0"/>
+              <a:t> 문제가 발생하므로 </a:t>
+            </a:r>
+            <a:r>
+              <a:rPr lang="en-US" altLang="ko-KR" dirty="0" err="1" smtClean="0"/>
+              <a:t>encodeURIComponent</a:t>
+            </a:r>
+            <a:r>
+              <a:rPr lang="en-US" altLang="ko-KR" dirty="0" smtClean="0"/>
+              <a:t>()</a:t>
+            </a:r>
+            <a:r>
+              <a:rPr lang="ko-KR" altLang="en-US" dirty="0" smtClean="0"/>
               <a:t>를 이용</a:t>
             </a:r>
-            <a:endParaRPr lang="ko-KR" altLang="en-US"/>
+            <a:endParaRPr lang="ko-KR" altLang="en-US" dirty="0"/>
           </a:p>
         </p:txBody>
       </p:sp>
@@ -28837,15 +29002,7 @@
             </a:r>
             <a:r>
               <a:rPr lang="de-DE" altLang="ko-KR" dirty="0" smtClean="0"/>
-              <a:t>=„</a:t>
-            </a:r>
-            <a:r>
-              <a:rPr lang="de-DE" altLang="ko-KR" dirty="0" smtClean="0"/>
-              <a:t>3.1</a:t>
-            </a:r>
-            <a:r>
-              <a:rPr lang="de-DE" altLang="ko-KR" dirty="0" smtClean="0"/>
-              <a:t>"&gt;  </a:t>
+              <a:t>=„3.1"&gt;  </a:t>
             </a:r>
             <a:r>
               <a:rPr lang="ko-KR" altLang="en-US" dirty="0" smtClean="0"/>
@@ -28857,11 +29014,7 @@
             </a:r>
             <a:r>
               <a:rPr lang="ko-KR" altLang="en-US" dirty="0" smtClean="0"/>
-              <a:t>로 </a:t>
-            </a:r>
-            <a:r>
-              <a:rPr lang="ko-KR" altLang="en-US" dirty="0" smtClean="0"/>
-              <a:t>수정</a:t>
+              <a:t>로 수정</a:t>
             </a:r>
             <a:endParaRPr lang="ko-KR" altLang="en-US" dirty="0"/>
           </a:p>

--- a/spring - 학습자료/코드로 배우는 스프링 웹 프로젝트 (개정판) 학습자료/PART6.pptx
+++ b/spring - 학습자료/코드로 배우는 스프링 웹 프로젝트 (개정판) 학습자료/PART6.pptx
@@ -2495,7 +2495,7 @@
           <a:p>
             <a:fld id="{48A87A34-81AB-432B-8DAE-1953F412C126}" type="datetimeFigureOut">
               <a:rPr lang="en-US" smtClean="0"/>
-              <a:t>5/15/2023</a:t>
+              <a:t>5/16/2023</a:t>
             </a:fld>
             <a:endParaRPr lang="en-US"/>
           </a:p>
@@ -2693,7 +2693,7 @@
           <a:p>
             <a:fld id="{48A87A34-81AB-432B-8DAE-1953F412C126}" type="datetimeFigureOut">
               <a:rPr lang="en-US" smtClean="0"/>
-              <a:t>5/15/2023</a:t>
+              <a:t>5/16/2023</a:t>
             </a:fld>
             <a:endParaRPr lang="en-US"/>
           </a:p>
@@ -2901,7 +2901,7 @@
           <a:p>
             <a:fld id="{48A87A34-81AB-432B-8DAE-1953F412C126}" type="datetimeFigureOut">
               <a:rPr lang="en-US" smtClean="0"/>
-              <a:t>5/15/2023</a:t>
+              <a:t>5/16/2023</a:t>
             </a:fld>
             <a:endParaRPr lang="en-US"/>
           </a:p>
@@ -3109,7 +3109,7 @@
           <a:p>
             <a:fld id="{48A87A34-81AB-432B-8DAE-1953F412C126}" type="datetimeFigureOut">
               <a:rPr lang="en-US" smtClean="0"/>
-              <a:t>5/15/2023</a:t>
+              <a:t>5/16/2023</a:t>
             </a:fld>
             <a:endParaRPr lang="en-US"/>
           </a:p>
@@ -3384,7 +3384,7 @@
           <a:p>
             <a:fld id="{48A87A34-81AB-432B-8DAE-1953F412C126}" type="datetimeFigureOut">
               <a:rPr lang="en-US" smtClean="0"/>
-              <a:t>5/15/2023</a:t>
+              <a:t>5/16/2023</a:t>
             </a:fld>
             <a:endParaRPr lang="en-US"/>
           </a:p>
@@ -3650,7 +3650,7 @@
             <a:fld id="{48A87A34-81AB-432B-8DAE-1953F412C126}" type="datetimeFigureOut">
               <a:rPr lang="en-US" smtClean="0"/>
               <a:pPr/>
-              <a:t>5/15/2023</a:t>
+              <a:t>5/16/2023</a:t>
             </a:fld>
             <a:endParaRPr lang="en-US"/>
           </a:p>
@@ -4063,7 +4063,7 @@
           <a:p>
             <a:fld id="{48A87A34-81AB-432B-8DAE-1953F412C126}" type="datetimeFigureOut">
               <a:rPr lang="en-US" smtClean="0"/>
-              <a:t>5/15/2023</a:t>
+              <a:t>5/16/2023</a:t>
             </a:fld>
             <a:endParaRPr lang="en-US"/>
           </a:p>
@@ -4204,7 +4204,7 @@
           <a:p>
             <a:fld id="{48A87A34-81AB-432B-8DAE-1953F412C126}" type="datetimeFigureOut">
               <a:rPr lang="en-US" smtClean="0"/>
-              <a:t>5/15/2023</a:t>
+              <a:t>5/16/2023</a:t>
             </a:fld>
             <a:endParaRPr lang="en-US"/>
           </a:p>
@@ -4317,7 +4317,7 @@
           <a:p>
             <a:fld id="{48A87A34-81AB-432B-8DAE-1953F412C126}" type="datetimeFigureOut">
               <a:rPr lang="en-US" smtClean="0"/>
-              <a:t>5/15/2023</a:t>
+              <a:t>5/16/2023</a:t>
             </a:fld>
             <a:endParaRPr lang="en-US"/>
           </a:p>
@@ -4628,7 +4628,7 @@
           <a:p>
             <a:fld id="{48A87A34-81AB-432B-8DAE-1953F412C126}" type="datetimeFigureOut">
               <a:rPr lang="en-US" smtClean="0"/>
-              <a:t>5/15/2023</a:t>
+              <a:t>5/16/2023</a:t>
             </a:fld>
             <a:endParaRPr lang="en-US"/>
           </a:p>
@@ -4917,7 +4917,7 @@
             <a:fld id="{48A87A34-81AB-432B-8DAE-1953F412C126}" type="datetimeFigureOut">
               <a:rPr lang="en-US" smtClean="0"/>
               <a:pPr/>
-              <a:t>5/15/2023</a:t>
+              <a:t>5/16/2023</a:t>
             </a:fld>
             <a:endParaRPr lang="en-US"/>
           </a:p>
@@ -5160,7 +5160,7 @@
             <a:fld id="{48A87A34-81AB-432B-8DAE-1953F412C126}" type="datetimeFigureOut">
               <a:rPr lang="en-US" smtClean="0"/>
               <a:pPr/>
-              <a:t>5/15/2023</a:t>
+              <a:t>5/16/2023</a:t>
             </a:fld>
             <a:endParaRPr lang="en-US"/>
           </a:p>
@@ -24477,14 +24477,30 @@
               </a:spcAft>
             </a:pPr>
             <a:r>
-              <a:rPr lang="en-US" altLang="ko-KR" sz="1200">
+              <a:rPr lang="en-US" altLang="ko-KR" sz="1200" dirty="0">
                 <a:latin typeface="Consolas" panose="020B0609020204030204" pitchFamily="49" charset="0"/>
                 <a:ea typeface="나눔고딕코딩"/>
                 <a:cs typeface="나눔고딕코딩"/>
               </a:rPr>
-              <a:t>create table tbl_attach ( </a:t>
-            </a:r>
-            <a:endParaRPr lang="ko-KR" altLang="ko-KR" sz="1200">
+              <a:t>create table </a:t>
+            </a:r>
+            <a:r>
+              <a:rPr lang="en-US" altLang="ko-KR" sz="1200" dirty="0" err="1">
+                <a:latin typeface="Consolas" panose="020B0609020204030204" pitchFamily="49" charset="0"/>
+                <a:ea typeface="나눔고딕코딩"/>
+                <a:cs typeface="나눔고딕코딩"/>
+              </a:rPr>
+              <a:t>tbl_attach</a:t>
+            </a:r>
+            <a:r>
+              <a:rPr lang="en-US" altLang="ko-KR" sz="1200" dirty="0">
+                <a:latin typeface="Consolas" panose="020B0609020204030204" pitchFamily="49" charset="0"/>
+                <a:ea typeface="나눔고딕코딩"/>
+                <a:cs typeface="나눔고딕코딩"/>
+              </a:rPr>
+              <a:t> ( </a:t>
+            </a:r>
+            <a:endParaRPr lang="ko-KR" altLang="ko-KR" sz="1200" dirty="0">
               <a:latin typeface="Consolas" panose="020B0609020204030204" pitchFamily="49" charset="0"/>
               <a:ea typeface="나눔고딕코딩"/>
               <a:cs typeface="나눔고딕코딩"/>
@@ -24500,14 +24516,30 @@
               </a:spcAft>
             </a:pPr>
             <a:r>
-              <a:rPr lang="en-US" altLang="ko-KR" sz="1200">
+              <a:rPr lang="en-US" altLang="ko-KR" sz="1200" dirty="0">
                 <a:latin typeface="Consolas" panose="020B0609020204030204" pitchFamily="49" charset="0"/>
                 <a:ea typeface="나눔고딕코딩"/>
                 <a:cs typeface="나눔고딕코딩"/>
               </a:rPr>
-              <a:t>  uuid varchar2(100) not null,</a:t>
-            </a:r>
-            <a:endParaRPr lang="ko-KR" altLang="ko-KR" sz="1200">
+              <a:t>  </a:t>
+            </a:r>
+            <a:r>
+              <a:rPr lang="en-US" altLang="ko-KR" sz="1200" dirty="0" err="1">
+                <a:latin typeface="Consolas" panose="020B0609020204030204" pitchFamily="49" charset="0"/>
+                <a:ea typeface="나눔고딕코딩"/>
+                <a:cs typeface="나눔고딕코딩"/>
+              </a:rPr>
+              <a:t>uuid</a:t>
+            </a:r>
+            <a:r>
+              <a:rPr lang="en-US" altLang="ko-KR" sz="1200" dirty="0">
+                <a:latin typeface="Consolas" panose="020B0609020204030204" pitchFamily="49" charset="0"/>
+                <a:ea typeface="나눔고딕코딩"/>
+                <a:cs typeface="나눔고딕코딩"/>
+              </a:rPr>
+              <a:t> varchar2(100) not null,</a:t>
+            </a:r>
+            <a:endParaRPr lang="ko-KR" altLang="ko-KR" sz="1200" dirty="0">
               <a:latin typeface="Consolas" panose="020B0609020204030204" pitchFamily="49" charset="0"/>
               <a:ea typeface="나눔고딕코딩"/>
               <a:cs typeface="나눔고딕코딩"/>
@@ -24523,14 +24555,30 @@
               </a:spcAft>
             </a:pPr>
             <a:r>
-              <a:rPr lang="en-US" altLang="ko-KR" sz="1200">
+              <a:rPr lang="en-US" altLang="ko-KR" sz="1200" dirty="0">
                 <a:latin typeface="Consolas" panose="020B0609020204030204" pitchFamily="49" charset="0"/>
                 <a:ea typeface="나눔고딕코딩"/>
                 <a:cs typeface="나눔고딕코딩"/>
               </a:rPr>
-              <a:t>  uploadPath varchar2(200) not null,</a:t>
-            </a:r>
-            <a:endParaRPr lang="ko-KR" altLang="ko-KR" sz="1200">
+              <a:t>  </a:t>
+            </a:r>
+            <a:r>
+              <a:rPr lang="en-US" altLang="ko-KR" sz="1200" dirty="0" err="1">
+                <a:latin typeface="Consolas" panose="020B0609020204030204" pitchFamily="49" charset="0"/>
+                <a:ea typeface="나눔고딕코딩"/>
+                <a:cs typeface="나눔고딕코딩"/>
+              </a:rPr>
+              <a:t>uploadPath</a:t>
+            </a:r>
+            <a:r>
+              <a:rPr lang="en-US" altLang="ko-KR" sz="1200" dirty="0">
+                <a:latin typeface="Consolas" panose="020B0609020204030204" pitchFamily="49" charset="0"/>
+                <a:ea typeface="나눔고딕코딩"/>
+                <a:cs typeface="나눔고딕코딩"/>
+              </a:rPr>
+              <a:t> varchar2(200) not null,</a:t>
+            </a:r>
+            <a:endParaRPr lang="ko-KR" altLang="ko-KR" sz="1200" dirty="0">
               <a:latin typeface="Consolas" panose="020B0609020204030204" pitchFamily="49" charset="0"/>
               <a:ea typeface="나눔고딕코딩"/>
               <a:cs typeface="나눔고딕코딩"/>
@@ -24546,14 +24594,30 @@
               </a:spcAft>
             </a:pPr>
             <a:r>
-              <a:rPr lang="en-US" altLang="ko-KR" sz="1200">
+              <a:rPr lang="en-US" altLang="ko-KR" sz="1200" dirty="0">
                 <a:latin typeface="Consolas" panose="020B0609020204030204" pitchFamily="49" charset="0"/>
                 <a:ea typeface="나눔고딕코딩"/>
                 <a:cs typeface="나눔고딕코딩"/>
               </a:rPr>
-              <a:t>  fileName varchar2(100) not null, </a:t>
-            </a:r>
-            <a:endParaRPr lang="ko-KR" altLang="ko-KR" sz="1200">
+              <a:t>  </a:t>
+            </a:r>
+            <a:r>
+              <a:rPr lang="en-US" altLang="ko-KR" sz="1200" dirty="0" err="1">
+                <a:latin typeface="Consolas" panose="020B0609020204030204" pitchFamily="49" charset="0"/>
+                <a:ea typeface="나눔고딕코딩"/>
+                <a:cs typeface="나눔고딕코딩"/>
+              </a:rPr>
+              <a:t>fileName</a:t>
+            </a:r>
+            <a:r>
+              <a:rPr lang="en-US" altLang="ko-KR" sz="1200" dirty="0">
+                <a:latin typeface="Consolas" panose="020B0609020204030204" pitchFamily="49" charset="0"/>
+                <a:ea typeface="나눔고딕코딩"/>
+                <a:cs typeface="나눔고딕코딩"/>
+              </a:rPr>
+              <a:t> varchar2(100) not null, </a:t>
+            </a:r>
+            <a:endParaRPr lang="ko-KR" altLang="ko-KR" sz="1200" dirty="0">
               <a:latin typeface="Consolas" panose="020B0609020204030204" pitchFamily="49" charset="0"/>
               <a:ea typeface="나눔고딕코딩"/>
               <a:cs typeface="나눔고딕코딩"/>
@@ -24569,14 +24633,30 @@
               </a:spcAft>
             </a:pPr>
             <a:r>
-              <a:rPr lang="en-US" altLang="ko-KR" sz="1200">
+              <a:rPr lang="en-US" altLang="ko-KR" sz="1200" dirty="0">
                 <a:latin typeface="Consolas" panose="020B0609020204030204" pitchFamily="49" charset="0"/>
                 <a:ea typeface="나눔고딕코딩"/>
                 <a:cs typeface="나눔고딕코딩"/>
               </a:rPr>
-              <a:t>  filetype char(1) default 'I',</a:t>
-            </a:r>
-            <a:endParaRPr lang="ko-KR" altLang="ko-KR" sz="1200">
+              <a:t>  </a:t>
+            </a:r>
+            <a:r>
+              <a:rPr lang="en-US" altLang="ko-KR" sz="1200" dirty="0" err="1">
+                <a:latin typeface="Consolas" panose="020B0609020204030204" pitchFamily="49" charset="0"/>
+                <a:ea typeface="나눔고딕코딩"/>
+                <a:cs typeface="나눔고딕코딩"/>
+              </a:rPr>
+              <a:t>filetype</a:t>
+            </a:r>
+            <a:r>
+              <a:rPr lang="en-US" altLang="ko-KR" sz="1200" dirty="0">
+                <a:latin typeface="Consolas" panose="020B0609020204030204" pitchFamily="49" charset="0"/>
+                <a:ea typeface="나눔고딕코딩"/>
+                <a:cs typeface="나눔고딕코딩"/>
+              </a:rPr>
+              <a:t> char(1) default 'I',</a:t>
+            </a:r>
+            <a:endParaRPr lang="ko-KR" altLang="ko-KR" sz="1200" dirty="0">
               <a:latin typeface="Consolas" panose="020B0609020204030204" pitchFamily="49" charset="0"/>
               <a:ea typeface="나눔고딕코딩"/>
               <a:cs typeface="나눔고딕코딩"/>
@@ -24592,14 +24672,30 @@
               </a:spcAft>
             </a:pPr>
             <a:r>
-              <a:rPr lang="en-US" altLang="ko-KR" sz="1200">
+              <a:rPr lang="en-US" altLang="ko-KR" sz="1200" dirty="0">
                 <a:latin typeface="Consolas" panose="020B0609020204030204" pitchFamily="49" charset="0"/>
                 <a:ea typeface="나눔고딕코딩"/>
                 <a:cs typeface="나눔고딕코딩"/>
               </a:rPr>
-              <a:t>  bno number(10,0)</a:t>
-            </a:r>
-            <a:endParaRPr lang="ko-KR" altLang="ko-KR" sz="1200">
+              <a:t>  </a:t>
+            </a:r>
+            <a:r>
+              <a:rPr lang="en-US" altLang="ko-KR" sz="1200" dirty="0" err="1">
+                <a:latin typeface="Consolas" panose="020B0609020204030204" pitchFamily="49" charset="0"/>
+                <a:ea typeface="나눔고딕코딩"/>
+                <a:cs typeface="나눔고딕코딩"/>
+              </a:rPr>
+              <a:t>bno</a:t>
+            </a:r>
+            <a:r>
+              <a:rPr lang="en-US" altLang="ko-KR" sz="1200" dirty="0">
+                <a:latin typeface="Consolas" panose="020B0609020204030204" pitchFamily="49" charset="0"/>
+                <a:ea typeface="나눔고딕코딩"/>
+                <a:cs typeface="나눔고딕코딩"/>
+              </a:rPr>
+              <a:t> number(10,0)</a:t>
+            </a:r>
+            <a:endParaRPr lang="ko-KR" altLang="ko-KR" sz="1200" dirty="0">
               <a:latin typeface="Consolas" panose="020B0609020204030204" pitchFamily="49" charset="0"/>
               <a:ea typeface="나눔고딕코딩"/>
               <a:cs typeface="나눔고딕코딩"/>
@@ -24615,14 +24711,14 @@
               </a:spcAft>
             </a:pPr>
             <a:r>
-              <a:rPr lang="en-US" altLang="ko-KR" sz="1200">
+              <a:rPr lang="en-US" altLang="ko-KR" sz="1200" dirty="0">
                 <a:latin typeface="Consolas" panose="020B0609020204030204" pitchFamily="49" charset="0"/>
                 <a:ea typeface="나눔고딕코딩"/>
                 <a:cs typeface="나눔고딕코딩"/>
               </a:rPr>
               <a:t>);</a:t>
             </a:r>
-            <a:endParaRPr lang="ko-KR" altLang="ko-KR" sz="1200">
+            <a:endParaRPr lang="ko-KR" altLang="ko-KR" sz="1200" dirty="0">
               <a:latin typeface="Consolas" panose="020B0609020204030204" pitchFamily="49" charset="0"/>
               <a:ea typeface="나눔고딕코딩"/>
               <a:cs typeface="나눔고딕코딩"/>
@@ -24638,14 +24734,14 @@
               </a:spcAft>
             </a:pPr>
             <a:r>
-              <a:rPr lang="en-US" altLang="ko-KR" sz="1200">
+              <a:rPr lang="en-US" altLang="ko-KR" sz="1200" dirty="0">
                 <a:latin typeface="Consolas" panose="020B0609020204030204" pitchFamily="49" charset="0"/>
                 <a:ea typeface="나눔고딕코딩"/>
                 <a:cs typeface="나눔고딕코딩"/>
               </a:rPr>
               <a:t> </a:t>
             </a:r>
-            <a:endParaRPr lang="ko-KR" altLang="ko-KR" sz="1200">
+            <a:endParaRPr lang="ko-KR" altLang="ko-KR" sz="1200" dirty="0">
               <a:latin typeface="Consolas" panose="020B0609020204030204" pitchFamily="49" charset="0"/>
               <a:ea typeface="나눔고딕코딩"/>
               <a:cs typeface="나눔고딕코딩"/>
@@ -24661,14 +24757,62 @@
               </a:spcAft>
             </a:pPr>
             <a:r>
-              <a:rPr lang="en-US" altLang="ko-KR" sz="1200">
+              <a:rPr lang="en-US" altLang="ko-KR" sz="1200" dirty="0">
                 <a:latin typeface="Consolas" panose="020B0609020204030204" pitchFamily="49" charset="0"/>
                 <a:ea typeface="나눔고딕코딩"/>
                 <a:cs typeface="나눔고딕코딩"/>
               </a:rPr>
-              <a:t>alter table tbl_attach add constraint pk_attach primary key (uuid); </a:t>
-            </a:r>
-            <a:endParaRPr lang="ko-KR" altLang="ko-KR" sz="1200">
+              <a:t>alter table </a:t>
+            </a:r>
+            <a:r>
+              <a:rPr lang="en-US" altLang="ko-KR" sz="1200" dirty="0" err="1">
+                <a:latin typeface="Consolas" panose="020B0609020204030204" pitchFamily="49" charset="0"/>
+                <a:ea typeface="나눔고딕코딩"/>
+                <a:cs typeface="나눔고딕코딩"/>
+              </a:rPr>
+              <a:t>tbl_attach</a:t>
+            </a:r>
+            <a:r>
+              <a:rPr lang="en-US" altLang="ko-KR" sz="1200" dirty="0">
+                <a:latin typeface="Consolas" panose="020B0609020204030204" pitchFamily="49" charset="0"/>
+                <a:ea typeface="나눔고딕코딩"/>
+                <a:cs typeface="나눔고딕코딩"/>
+              </a:rPr>
+              <a:t> add constraint </a:t>
+            </a:r>
+            <a:r>
+              <a:rPr lang="en-US" altLang="ko-KR" sz="1200" dirty="0" err="1">
+                <a:latin typeface="Consolas" panose="020B0609020204030204" pitchFamily="49" charset="0"/>
+                <a:ea typeface="나눔고딕코딩"/>
+                <a:cs typeface="나눔고딕코딩"/>
+              </a:rPr>
+              <a:t>pk_attach</a:t>
+            </a:r>
+            <a:r>
+              <a:rPr lang="en-US" altLang="ko-KR" sz="1200" dirty="0">
+                <a:latin typeface="Consolas" panose="020B0609020204030204" pitchFamily="49" charset="0"/>
+                <a:ea typeface="나눔고딕코딩"/>
+                <a:cs typeface="나눔고딕코딩"/>
+              </a:rPr>
+              <a:t> primary key (</a:t>
+            </a:r>
+            <a:r>
+              <a:rPr lang="en-US" altLang="ko-KR" sz="1200" dirty="0" err="1">
+                <a:latin typeface="Consolas" panose="020B0609020204030204" pitchFamily="49" charset="0"/>
+                <a:ea typeface="나눔고딕코딩"/>
+                <a:cs typeface="나눔고딕코딩"/>
+              </a:rPr>
+              <a:t>uuid</a:t>
+            </a:r>
+            <a:r>
+              <a:rPr lang="en-US" altLang="ko-KR" sz="1200" dirty="0">
+                <a:latin typeface="Consolas" panose="020B0609020204030204" pitchFamily="49" charset="0"/>
+                <a:ea typeface="나눔고딕코딩"/>
+                <a:cs typeface="나눔고딕코딩"/>
+              </a:rPr>
+              <a:t>); </a:t>
+            </a:r>
+            <a:endParaRPr lang="ko-KR" altLang="ko-KR" sz="1200" dirty="0">
               <a:latin typeface="Consolas" panose="020B0609020204030204" pitchFamily="49" charset="0"/>
               <a:ea typeface="나눔고딕코딩"/>
               <a:cs typeface="나눔고딕코딩"/>
@@ -24684,14 +24828,14 @@
               </a:spcAft>
             </a:pPr>
             <a:r>
-              <a:rPr lang="en-US" altLang="ko-KR" sz="1200">
+              <a:rPr lang="en-US" altLang="ko-KR" sz="1200" dirty="0">
                 <a:latin typeface="Consolas" panose="020B0609020204030204" pitchFamily="49" charset="0"/>
                 <a:ea typeface="나눔고딕코딩"/>
                 <a:cs typeface="나눔고딕코딩"/>
               </a:rPr>
               <a:t> </a:t>
             </a:r>
-            <a:endParaRPr lang="ko-KR" altLang="ko-KR" sz="1200">
+            <a:endParaRPr lang="ko-KR" altLang="ko-KR" sz="1200" dirty="0">
               <a:latin typeface="Consolas" panose="020B0609020204030204" pitchFamily="49" charset="0"/>
               <a:ea typeface="나눔고딕코딩"/>
               <a:cs typeface="나눔고딕코딩"/>
@@ -24699,14 +24843,94 @@
           </a:p>
           <a:p>
             <a:r>
-              <a:rPr lang="en-US" altLang="ko-KR" sz="1400">
+              <a:rPr lang="en-US" altLang="ko-KR" sz="1400" dirty="0">
                 <a:latin typeface="맑은 고딕" panose="020B0503020000020004" pitchFamily="50" charset="-127"/>
                 <a:ea typeface="나눔명조"/>
                 <a:cs typeface="Arial" panose="020B0604020202020204" pitchFamily="34" charset="0"/>
               </a:rPr>
-              <a:t>alter table tbl_attach add constraint fk_board_attach foreign key (bno) references tbl_board(bno);</a:t>
-            </a:r>
-            <a:endParaRPr lang="ko-KR" altLang="en-US" sz="1200"/>
+              <a:t>alter table </a:t>
+            </a:r>
+            <a:r>
+              <a:rPr lang="en-US" altLang="ko-KR" sz="1400" dirty="0" err="1">
+                <a:latin typeface="맑은 고딕" panose="020B0503020000020004" pitchFamily="50" charset="-127"/>
+                <a:ea typeface="나눔명조"/>
+                <a:cs typeface="Arial" panose="020B0604020202020204" pitchFamily="34" charset="0"/>
+              </a:rPr>
+              <a:t>tbl_attach</a:t>
+            </a:r>
+            <a:r>
+              <a:rPr lang="en-US" altLang="ko-KR" sz="1400" dirty="0">
+                <a:latin typeface="맑은 고딕" panose="020B0503020000020004" pitchFamily="50" charset="-127"/>
+                <a:ea typeface="나눔명조"/>
+                <a:cs typeface="Arial" panose="020B0604020202020204" pitchFamily="34" charset="0"/>
+              </a:rPr>
+              <a:t> add constraint </a:t>
+            </a:r>
+            <a:r>
+              <a:rPr lang="en-US" altLang="ko-KR" sz="1400" dirty="0" err="1">
+                <a:latin typeface="맑은 고딕" panose="020B0503020000020004" pitchFamily="50" charset="-127"/>
+                <a:ea typeface="나눔명조"/>
+                <a:cs typeface="Arial" panose="020B0604020202020204" pitchFamily="34" charset="0"/>
+              </a:rPr>
+              <a:t>fk_board_attach</a:t>
+            </a:r>
+            <a:r>
+              <a:rPr lang="en-US" altLang="ko-KR" sz="1400" dirty="0">
+                <a:latin typeface="맑은 고딕" panose="020B0503020000020004" pitchFamily="50" charset="-127"/>
+                <a:ea typeface="나눔명조"/>
+                <a:cs typeface="Arial" panose="020B0604020202020204" pitchFamily="34" charset="0"/>
+              </a:rPr>
+              <a:t> foreign key (</a:t>
+            </a:r>
+            <a:r>
+              <a:rPr lang="en-US" altLang="ko-KR" sz="1400" dirty="0" err="1">
+                <a:latin typeface="맑은 고딕" panose="020B0503020000020004" pitchFamily="50" charset="-127"/>
+                <a:ea typeface="나눔명조"/>
+                <a:cs typeface="Arial" panose="020B0604020202020204" pitchFamily="34" charset="0"/>
+              </a:rPr>
+              <a:t>bno</a:t>
+            </a:r>
+            <a:r>
+              <a:rPr lang="en-US" altLang="ko-KR" sz="1400" dirty="0">
+                <a:latin typeface="맑은 고딕" panose="020B0503020000020004" pitchFamily="50" charset="-127"/>
+                <a:ea typeface="나눔명조"/>
+                <a:cs typeface="Arial" panose="020B0604020202020204" pitchFamily="34" charset="0"/>
+              </a:rPr>
+              <a:t>) references </a:t>
+            </a:r>
+            <a:r>
+              <a:rPr lang="en-US" altLang="ko-KR" sz="1400" dirty="0" err="1">
+                <a:latin typeface="맑은 고딕" panose="020B0503020000020004" pitchFamily="50" charset="-127"/>
+                <a:ea typeface="나눔명조"/>
+                <a:cs typeface="Arial" panose="020B0604020202020204" pitchFamily="34" charset="0"/>
+              </a:rPr>
+              <a:t>tbl_board</a:t>
+            </a:r>
+            <a:r>
+              <a:rPr lang="en-US" altLang="ko-KR" sz="1400" dirty="0">
+                <a:latin typeface="맑은 고딕" panose="020B0503020000020004" pitchFamily="50" charset="-127"/>
+                <a:ea typeface="나눔명조"/>
+                <a:cs typeface="Arial" panose="020B0604020202020204" pitchFamily="34" charset="0"/>
+              </a:rPr>
+              <a:t>(</a:t>
+            </a:r>
+            <a:r>
+              <a:rPr lang="en-US" altLang="ko-KR" sz="1400" dirty="0" err="1">
+                <a:latin typeface="맑은 고딕" panose="020B0503020000020004" pitchFamily="50" charset="-127"/>
+                <a:ea typeface="나눔명조"/>
+                <a:cs typeface="Arial" panose="020B0604020202020204" pitchFamily="34" charset="0"/>
+              </a:rPr>
+              <a:t>bno</a:t>
+            </a:r>
+            <a:r>
+              <a:rPr lang="en-US" altLang="ko-KR" sz="1400" dirty="0">
+                <a:latin typeface="맑은 고딕" panose="020B0503020000020004" pitchFamily="50" charset="-127"/>
+                <a:ea typeface="나눔명조"/>
+                <a:cs typeface="Arial" panose="020B0604020202020204" pitchFamily="34" charset="0"/>
+              </a:rPr>
+              <a:t>);</a:t>
+            </a:r>
+            <a:endParaRPr lang="ko-KR" altLang="en-US" sz="1200" dirty="0"/>
           </a:p>
         </p:txBody>
       </p:sp>
@@ -24884,32 +25108,6 @@
           </a:p>
         </p:txBody>
       </p:sp>
-      <p:pic>
-        <p:nvPicPr>
-          <p:cNvPr id="4" name="내용 개체 틀 3"/>
-          <p:cNvPicPr>
-            <a:picLocks noGrp="1" noChangeAspect="1"/>
-          </p:cNvPicPr>
-          <p:nvPr>
-            <p:ph idx="1"/>
-          </p:nvPr>
-        </p:nvPicPr>
-        <p:blipFill>
-          <a:blip r:embed="rId2"/>
-          <a:stretch>
-            <a:fillRect/>
-          </a:stretch>
-        </p:blipFill>
-        <p:spPr>
-          <a:xfrm>
-            <a:off x="757900" y="1273255"/>
-            <a:ext cx="7401958" cy="3315163"/>
-          </a:xfrm>
-          <a:prstGeom prst="rect">
-            <a:avLst/>
-          </a:prstGeom>
-        </p:spPr>
-      </p:pic>
       <p:sp>
         <p:nvSpPr>
           <p:cNvPr id="5" name="TextBox 4"/>
@@ -24933,35 +25131,77 @@
           <a:lstStyle/>
           <a:p>
             <a:r>
-              <a:rPr lang="en-US" altLang="ko-KR" smtClean="0"/>
+              <a:rPr lang="en-US" altLang="ko-KR" dirty="0" err="1" smtClean="0"/>
               <a:t>BoardVO</a:t>
             </a:r>
             <a:r>
-              <a:rPr lang="ko-KR" altLang="en-US" smtClean="0"/>
+              <a:rPr lang="ko-KR" altLang="en-US" dirty="0" smtClean="0"/>
               <a:t>에 위의 클래스를 인스턴스변수로 추가</a:t>
             </a:r>
             <a:r>
-              <a:rPr lang="en-US" altLang="ko-KR" smtClean="0"/>
+              <a:rPr lang="en-US" altLang="ko-KR" dirty="0" smtClean="0"/>
               <a:t/>
             </a:r>
             <a:br>
-              <a:rPr lang="en-US" altLang="ko-KR" smtClean="0"/>
+              <a:rPr lang="en-US" altLang="ko-KR" dirty="0" smtClean="0"/>
             </a:br>
             <a:r>
-              <a:rPr lang="en-US" altLang="ko-KR" smtClean="0"/>
+              <a:rPr lang="en-US" altLang="ko-KR" dirty="0" smtClean="0"/>
               <a:t/>
             </a:r>
             <a:br>
-              <a:rPr lang="en-US" altLang="ko-KR" smtClean="0"/>
+              <a:rPr lang="en-US" altLang="ko-KR" dirty="0" smtClean="0"/>
             </a:br>
             <a:r>
-              <a:rPr lang="en-US" altLang="ko-KR" b="1"/>
-              <a:t>private List&lt;BoardAttachVO&gt; attachList;</a:t>
-            </a:r>
-            <a:endParaRPr lang="ko-KR" altLang="en-US"/>
+              <a:rPr lang="en-US" altLang="ko-KR" b="1" dirty="0"/>
+              <a:t>private List&lt;</a:t>
+            </a:r>
+            <a:r>
+              <a:rPr lang="en-US" altLang="ko-KR" b="1" dirty="0" err="1"/>
+              <a:t>BoardAttachVO</a:t>
+            </a:r>
+            <a:r>
+              <a:rPr lang="en-US" altLang="ko-KR" b="1" dirty="0"/>
+              <a:t>&gt; </a:t>
+            </a:r>
+            <a:r>
+              <a:rPr lang="en-US" altLang="ko-KR" b="1" dirty="0" err="1"/>
+              <a:t>attachList</a:t>
+            </a:r>
+            <a:r>
+              <a:rPr lang="en-US" altLang="ko-KR" b="1" dirty="0"/>
+              <a:t>;</a:t>
+            </a:r>
+            <a:endParaRPr lang="ko-KR" altLang="en-US" dirty="0"/>
           </a:p>
         </p:txBody>
       </p:sp>
+      <p:pic>
+        <p:nvPicPr>
+          <p:cNvPr id="7" name="내용 개체 틀 6"/>
+          <p:cNvPicPr>
+            <a:picLocks noGrp="1" noChangeAspect="1"/>
+          </p:cNvPicPr>
+          <p:nvPr>
+            <p:ph idx="1"/>
+          </p:nvPr>
+        </p:nvPicPr>
+        <p:blipFill>
+          <a:blip r:embed="rId2"/>
+          <a:stretch>
+            <a:fillRect/>
+          </a:stretch>
+        </p:blipFill>
+        <p:spPr>
+          <a:xfrm>
+            <a:off x="628649" y="1292048"/>
+            <a:ext cx="6610363" cy="2783241"/>
+          </a:xfrm>
+          <a:prstGeom prst="rect">
+            <a:avLst/>
+          </a:prstGeom>
+        </p:spPr>
+      </p:pic>
     </p:spTree>
     <p:extLst>
       <p:ext uri="{BB962C8B-B14F-4D97-AF65-F5344CB8AC3E}">

--- a/spring - 학습자료/코드로 배우는 스프링 웹 프로젝트 (개정판) 학습자료/PART6.pptx
+++ b/spring - 학습자료/코드로 배우는 스프링 웹 프로젝트 (개정판) 학습자료/PART6.pptx
@@ -2495,7 +2495,7 @@
           <a:p>
             <a:fld id="{48A87A34-81AB-432B-8DAE-1953F412C126}" type="datetimeFigureOut">
               <a:rPr lang="en-US" smtClean="0"/>
-              <a:t>5/16/2023</a:t>
+              <a:t>5/17/2023</a:t>
             </a:fld>
             <a:endParaRPr lang="en-US"/>
           </a:p>
@@ -2693,7 +2693,7 @@
           <a:p>
             <a:fld id="{48A87A34-81AB-432B-8DAE-1953F412C126}" type="datetimeFigureOut">
               <a:rPr lang="en-US" smtClean="0"/>
-              <a:t>5/16/2023</a:t>
+              <a:t>5/17/2023</a:t>
             </a:fld>
             <a:endParaRPr lang="en-US"/>
           </a:p>
@@ -2901,7 +2901,7 @@
           <a:p>
             <a:fld id="{48A87A34-81AB-432B-8DAE-1953F412C126}" type="datetimeFigureOut">
               <a:rPr lang="en-US" smtClean="0"/>
-              <a:t>5/16/2023</a:t>
+              <a:t>5/17/2023</a:t>
             </a:fld>
             <a:endParaRPr lang="en-US"/>
           </a:p>
@@ -3109,7 +3109,7 @@
           <a:p>
             <a:fld id="{48A87A34-81AB-432B-8DAE-1953F412C126}" type="datetimeFigureOut">
               <a:rPr lang="en-US" smtClean="0"/>
-              <a:t>5/16/2023</a:t>
+              <a:t>5/17/2023</a:t>
             </a:fld>
             <a:endParaRPr lang="en-US"/>
           </a:p>
@@ -3384,7 +3384,7 @@
           <a:p>
             <a:fld id="{48A87A34-81AB-432B-8DAE-1953F412C126}" type="datetimeFigureOut">
               <a:rPr lang="en-US" smtClean="0"/>
-              <a:t>5/16/2023</a:t>
+              <a:t>5/17/2023</a:t>
             </a:fld>
             <a:endParaRPr lang="en-US"/>
           </a:p>
@@ -3650,7 +3650,7 @@
             <a:fld id="{48A87A34-81AB-432B-8DAE-1953F412C126}" type="datetimeFigureOut">
               <a:rPr lang="en-US" smtClean="0"/>
               <a:pPr/>
-              <a:t>5/16/2023</a:t>
+              <a:t>5/17/2023</a:t>
             </a:fld>
             <a:endParaRPr lang="en-US"/>
           </a:p>
@@ -4063,7 +4063,7 @@
           <a:p>
             <a:fld id="{48A87A34-81AB-432B-8DAE-1953F412C126}" type="datetimeFigureOut">
               <a:rPr lang="en-US" smtClean="0"/>
-              <a:t>5/16/2023</a:t>
+              <a:t>5/17/2023</a:t>
             </a:fld>
             <a:endParaRPr lang="en-US"/>
           </a:p>
@@ -4204,7 +4204,7 @@
           <a:p>
             <a:fld id="{48A87A34-81AB-432B-8DAE-1953F412C126}" type="datetimeFigureOut">
               <a:rPr lang="en-US" smtClean="0"/>
-              <a:t>5/16/2023</a:t>
+              <a:t>5/17/2023</a:t>
             </a:fld>
             <a:endParaRPr lang="en-US"/>
           </a:p>
@@ -4317,7 +4317,7 @@
           <a:p>
             <a:fld id="{48A87A34-81AB-432B-8DAE-1953F412C126}" type="datetimeFigureOut">
               <a:rPr lang="en-US" smtClean="0"/>
-              <a:t>5/16/2023</a:t>
+              <a:t>5/17/2023</a:t>
             </a:fld>
             <a:endParaRPr lang="en-US"/>
           </a:p>
@@ -4628,7 +4628,7 @@
           <a:p>
             <a:fld id="{48A87A34-81AB-432B-8DAE-1953F412C126}" type="datetimeFigureOut">
               <a:rPr lang="en-US" smtClean="0"/>
-              <a:t>5/16/2023</a:t>
+              <a:t>5/17/2023</a:t>
             </a:fld>
             <a:endParaRPr lang="en-US"/>
           </a:p>
@@ -4917,7 +4917,7 @@
             <a:fld id="{48A87A34-81AB-432B-8DAE-1953F412C126}" type="datetimeFigureOut">
               <a:rPr lang="en-US" smtClean="0"/>
               <a:pPr/>
-              <a:t>5/16/2023</a:t>
+              <a:t>5/17/2023</a:t>
             </a:fld>
             <a:endParaRPr lang="en-US"/>
           </a:p>
@@ -5160,7 +5160,7 @@
             <a:fld id="{48A87A34-81AB-432B-8DAE-1953F412C126}" type="datetimeFigureOut">
               <a:rPr lang="en-US" smtClean="0"/>
               <a:pPr/>
-              <a:t>5/16/2023</a:t>
+              <a:t>5/17/2023</a:t>
             </a:fld>
             <a:endParaRPr lang="en-US"/>
           </a:p>
@@ -25532,32 +25532,36 @@
           <a:lstStyle/>
           <a:p>
             <a:r>
-              <a:rPr lang="ko-KR" altLang="en-US"/>
+              <a:rPr lang="ko-KR" altLang="en-US" dirty="0"/>
               <a:t>추가된 첨부파일은 이미 업로드가 완료된 상황</a:t>
             </a:r>
-            <a:endParaRPr lang="en-US" altLang="ko-KR"/>
-          </a:p>
-          <a:p>
-            <a:r>
-              <a:rPr lang="en-US" altLang="ko-KR"/>
+            <a:endParaRPr lang="en-US" altLang="ko-KR" dirty="0"/>
+          </a:p>
+          <a:p>
+            <a:r>
+              <a:rPr lang="en-US" altLang="ko-KR" dirty="0"/>
               <a:t>&lt;form&gt; </a:t>
             </a:r>
             <a:r>
-              <a:rPr lang="ko-KR" altLang="en-US"/>
-              <a:t>전송시 </a:t>
-            </a:r>
-            <a:r>
-              <a:rPr lang="en-US" altLang="ko-KR"/>
+              <a:rPr lang="ko-KR" altLang="en-US" dirty="0" err="1"/>
+              <a:t>전송시</a:t>
+            </a:r>
+            <a:r>
+              <a:rPr lang="ko-KR" altLang="en-US" dirty="0"/>
+              <a:t> </a:t>
+            </a:r>
+            <a:r>
+              <a:rPr lang="en-US" altLang="ko-KR" dirty="0"/>
               <a:t>&lt;input type=‘hidden’&gt; </a:t>
             </a:r>
             <a:r>
-              <a:rPr lang="ko-KR" altLang="en-US"/>
+              <a:rPr lang="ko-KR" altLang="en-US" dirty="0"/>
               <a:t>태그들을 첨부된 파일의 수 만큼 생성해서 같이 전송 </a:t>
             </a:r>
-            <a:endParaRPr lang="en-US" altLang="ko-KR"/>
-          </a:p>
-          <a:p>
-            <a:endParaRPr lang="en-US" altLang="ko-KR"/>
+            <a:endParaRPr lang="en-US" altLang="ko-KR" dirty="0"/>
+          </a:p>
+          <a:p>
+            <a:endParaRPr lang="en-US" altLang="ko-KR" dirty="0"/>
           </a:p>
         </p:txBody>
       </p:sp>
@@ -25755,26 +25759,26 @@
           <a:lstStyle/>
           <a:p>
             <a:r>
-              <a:rPr lang="en-US" altLang="ko-KR"/>
+              <a:rPr lang="en-US" altLang="ko-KR" dirty="0"/>
               <a:t>&lt;input type=‘hidden’&gt;</a:t>
             </a:r>
             <a:r>
-              <a:rPr lang="ko-KR" altLang="en-US"/>
+              <a:rPr lang="ko-KR" altLang="en-US" dirty="0"/>
               <a:t>으로 만들어진 </a:t>
             </a:r>
-            <a:endParaRPr lang="en-US" altLang="ko-KR"/>
-          </a:p>
-          <a:p>
-            <a:r>
-              <a:rPr lang="ko-KR" altLang="en-US"/>
+            <a:endParaRPr lang="en-US" altLang="ko-KR" dirty="0"/>
+          </a:p>
+          <a:p>
+            <a:r>
+              <a:rPr lang="ko-KR" altLang="en-US" dirty="0"/>
               <a:t>파일 정보들을 </a:t>
             </a:r>
             <a:r>
-              <a:rPr lang="en-US" altLang="ko-KR"/>
+              <a:rPr lang="en-US" altLang="ko-KR" dirty="0" err="1"/>
               <a:t>BoardAttachVO</a:t>
             </a:r>
             <a:r>
-              <a:rPr lang="ko-KR" altLang="en-US"/>
+              <a:rPr lang="ko-KR" altLang="en-US" dirty="0"/>
               <a:t>로 변환</a:t>
             </a:r>
           </a:p>
@@ -25927,21 +25931,41 @@
           <a:lstStyle/>
           <a:p>
             <a:r>
-              <a:rPr lang="en-US" altLang="ko-KR" smtClean="0"/>
+              <a:rPr lang="en-US" altLang="ko-KR" dirty="0" err="1" smtClean="0"/>
               <a:t>register.jsp</a:t>
             </a:r>
             <a:r>
-              <a:rPr lang="ko-KR" altLang="en-US" smtClean="0"/>
-              <a:t>에 첨부물 추가 부분 엘리먼트를 만듬</a:t>
-            </a:r>
-            <a:r>
-              <a:rPr lang="en-US" altLang="ko-KR" smtClean="0"/>
+              <a:rPr lang="ko-KR" altLang="en-US" dirty="0" smtClean="0"/>
+              <a:t>에 </a:t>
+            </a:r>
+            <a:r>
+              <a:rPr lang="ko-KR" altLang="en-US" dirty="0" err="1" smtClean="0"/>
+              <a:t>첨부물</a:t>
+            </a:r>
+            <a:r>
+              <a:rPr lang="ko-KR" altLang="en-US" dirty="0" smtClean="0"/>
+              <a:t> 추가 부분 </a:t>
+            </a:r>
+            <a:r>
+              <a:rPr lang="ko-KR" altLang="en-US" dirty="0" err="1" smtClean="0"/>
+              <a:t>엘리먼트를</a:t>
+            </a:r>
+            <a:r>
+              <a:rPr lang="ko-KR" altLang="en-US" dirty="0" smtClean="0"/>
+              <a:t> </a:t>
+            </a:r>
+            <a:r>
+              <a:rPr lang="ko-KR" altLang="en-US" dirty="0" err="1" smtClean="0"/>
+              <a:t>만듬</a:t>
+            </a:r>
+            <a:r>
+              <a:rPr lang="en-US" altLang="ko-KR" dirty="0" smtClean="0"/>
               <a:t/>
             </a:r>
             <a:br>
-              <a:rPr lang="en-US" altLang="ko-KR" smtClean="0"/>
+              <a:rPr lang="en-US" altLang="ko-KR" dirty="0" smtClean="0"/>
             </a:br>
-            <a:endParaRPr lang="ko-KR" altLang="en-US"/>
+            <a:endParaRPr lang="ko-KR" altLang="en-US" dirty="0"/>
           </a:p>
         </p:txBody>
       </p:sp>
@@ -25985,7 +26009,7 @@
         </p:blipFill>
         <p:spPr>
           <a:xfrm>
-            <a:off x="500602" y="4736267"/>
+            <a:off x="500602" y="4909962"/>
             <a:ext cx="7030431" cy="1267002"/>
           </a:xfrm>
           <a:prstGeom prst="rect">
@@ -26485,16 +26509,21 @@
             <p:ph idx="1"/>
           </p:nvPr>
         </p:nvSpPr>
-        <p:spPr/>
+        <p:spPr>
+          <a:xfrm>
+            <a:off x="479335" y="1345848"/>
+            <a:ext cx="7886700" cy="4908233"/>
+          </a:xfrm>
+        </p:spPr>
         <p:txBody>
           <a:bodyPr/>
           <a:lstStyle/>
           <a:p>
             <a:r>
-              <a:rPr lang="ko-KR" altLang="en-US" smtClean="0"/>
+              <a:rPr lang="ko-KR" altLang="en-US" dirty="0" smtClean="0"/>
               <a:t>파일 삭제 처리 이벤트</a:t>
             </a:r>
-            <a:endParaRPr lang="ko-KR" altLang="en-US"/>
+            <a:endParaRPr lang="ko-KR" altLang="en-US" dirty="0"/>
           </a:p>
         </p:txBody>
       </p:sp>
@@ -26514,7 +26543,7 @@
         </p:blipFill>
         <p:spPr>
           <a:xfrm>
-            <a:off x="330020" y="1869296"/>
+            <a:off x="451207" y="1869296"/>
             <a:ext cx="8185330" cy="3707099"/>
           </a:xfrm>
           <a:prstGeom prst="rect">
@@ -27258,7 +27287,7 @@
               </a:spcAft>
             </a:pPr>
             <a:r>
-              <a:rPr lang="en-US" altLang="ko-KR" sz="1100">
+              <a:rPr lang="en-US" altLang="ko-KR" sz="1100" dirty="0">
                 <a:solidFill>
                   <a:srgbClr val="000000"/>
                 </a:solidFill>
@@ -27268,7 +27297,7 @@
               <a:t> </a:t>
             </a:r>
             <a:r>
-              <a:rPr lang="en-US" altLang="ko-KR" sz="1100">
+              <a:rPr lang="en-US" altLang="ko-KR" sz="1100" dirty="0">
                 <a:solidFill>
                   <a:srgbClr val="646464"/>
                 </a:solidFill>
@@ -27277,7 +27306,7 @@
               </a:rPr>
               <a:t>@Transactional</a:t>
             </a:r>
-            <a:endParaRPr lang="ko-KR" altLang="ko-KR" sz="1200">
+            <a:endParaRPr lang="ko-KR" altLang="ko-KR" sz="1200" dirty="0">
               <a:latin typeface="맑은 고딕" panose="020B0503020000020004" pitchFamily="50" charset="-127"/>
               <a:cs typeface="Arial" panose="020B0604020202020204" pitchFamily="34" charset="0"/>
             </a:endParaRPr>
@@ -27292,7 +27321,7 @@
               </a:spcAft>
             </a:pPr>
             <a:r>
-              <a:rPr lang="en-US" altLang="ko-KR" sz="1100">
+              <a:rPr lang="en-US" altLang="ko-KR" sz="1100" dirty="0">
                 <a:solidFill>
                   <a:srgbClr val="000000"/>
                 </a:solidFill>
@@ -27302,7 +27331,7 @@
               <a:t>  </a:t>
             </a:r>
             <a:r>
-              <a:rPr lang="en-US" altLang="ko-KR" sz="1100">
+              <a:rPr lang="en-US" altLang="ko-KR" sz="1100" dirty="0">
                 <a:solidFill>
                   <a:srgbClr val="646464"/>
                 </a:solidFill>
@@ -27311,7 +27340,7 @@
               </a:rPr>
               <a:t>@Override</a:t>
             </a:r>
-            <a:endParaRPr lang="ko-KR" altLang="ko-KR" sz="1200">
+            <a:endParaRPr lang="ko-KR" altLang="ko-KR" sz="1200" dirty="0">
               <a:latin typeface="맑은 고딕" panose="020B0503020000020004" pitchFamily="50" charset="-127"/>
               <a:cs typeface="Arial" panose="020B0604020202020204" pitchFamily="34" charset="0"/>
             </a:endParaRPr>
@@ -27326,7 +27355,7 @@
               </a:spcAft>
             </a:pPr>
             <a:r>
-              <a:rPr lang="en-US" altLang="ko-KR" sz="1100">
+              <a:rPr lang="en-US" altLang="ko-KR" sz="1100" dirty="0">
                 <a:solidFill>
                   <a:srgbClr val="000000"/>
                 </a:solidFill>
@@ -27336,7 +27365,7 @@
               <a:t>  </a:t>
             </a:r>
             <a:r>
-              <a:rPr lang="en-US" altLang="ko-KR" sz="1100" b="1">
+              <a:rPr lang="en-US" altLang="ko-KR" sz="1100" b="1" dirty="0">
                 <a:solidFill>
                   <a:srgbClr val="7F0055"/>
                 </a:solidFill>
@@ -27346,7 +27375,7 @@
               <a:t>public</a:t>
             </a:r>
             <a:r>
-              <a:rPr lang="en-US" altLang="ko-KR" sz="1100">
+              <a:rPr lang="en-US" altLang="ko-KR" sz="1100" dirty="0">
                 <a:solidFill>
                   <a:srgbClr val="000000"/>
                 </a:solidFill>
@@ -27356,7 +27385,7 @@
               <a:t> </a:t>
             </a:r>
             <a:r>
-              <a:rPr lang="en-US" altLang="ko-KR" sz="1100" b="1">
+              <a:rPr lang="en-US" altLang="ko-KR" sz="1100" b="1" dirty="0">
                 <a:solidFill>
                   <a:srgbClr val="7F0055"/>
                 </a:solidFill>
@@ -27366,17 +27395,37 @@
               <a:t>void</a:t>
             </a:r>
             <a:r>
-              <a:rPr lang="en-US" altLang="ko-KR" sz="1100">
-                <a:solidFill>
-                  <a:srgbClr val="000000"/>
-                </a:solidFill>
-                <a:latin typeface="Consolas" panose="020B0609020204030204" pitchFamily="49" charset="0"/>
-                <a:cs typeface="Consolas" panose="020B0609020204030204" pitchFamily="49" charset="0"/>
-              </a:rPr>
-              <a:t> register(BoardVO </a:t>
-            </a:r>
-            <a:r>
-              <a:rPr lang="en-US" altLang="ko-KR" sz="1100">
+              <a:rPr lang="en-US" altLang="ko-KR" sz="1100" dirty="0">
+                <a:solidFill>
+                  <a:srgbClr val="000000"/>
+                </a:solidFill>
+                <a:latin typeface="Consolas" panose="020B0609020204030204" pitchFamily="49" charset="0"/>
+                <a:cs typeface="Consolas" panose="020B0609020204030204" pitchFamily="49" charset="0"/>
+              </a:rPr>
+              <a:t> register(</a:t>
+            </a:r>
+            <a:r>
+              <a:rPr lang="en-US" altLang="ko-KR" sz="1100" dirty="0" err="1">
+                <a:solidFill>
+                  <a:srgbClr val="000000"/>
+                </a:solidFill>
+                <a:latin typeface="Consolas" panose="020B0609020204030204" pitchFamily="49" charset="0"/>
+                <a:cs typeface="Consolas" panose="020B0609020204030204" pitchFamily="49" charset="0"/>
+              </a:rPr>
+              <a:t>BoardVO</a:t>
+            </a:r>
+            <a:r>
+              <a:rPr lang="en-US" altLang="ko-KR" sz="1100" dirty="0">
+                <a:solidFill>
+                  <a:srgbClr val="000000"/>
+                </a:solidFill>
+                <a:latin typeface="Consolas" panose="020B0609020204030204" pitchFamily="49" charset="0"/>
+                <a:cs typeface="Consolas" panose="020B0609020204030204" pitchFamily="49" charset="0"/>
+              </a:rPr>
+              <a:t> </a:t>
+            </a:r>
+            <a:r>
+              <a:rPr lang="en-US" altLang="ko-KR" sz="1100" dirty="0">
                 <a:solidFill>
                   <a:srgbClr val="6A3E3E"/>
                 </a:solidFill>
@@ -27386,7 +27435,7 @@
               <a:t>board</a:t>
             </a:r>
             <a:r>
-              <a:rPr lang="en-US" altLang="ko-KR" sz="1100">
+              <a:rPr lang="en-US" altLang="ko-KR" sz="1100" dirty="0">
                 <a:solidFill>
                   <a:srgbClr val="000000"/>
                 </a:solidFill>
@@ -27395,7 +27444,7 @@
               </a:rPr>
               <a:t>) {</a:t>
             </a:r>
-            <a:endParaRPr lang="ko-KR" altLang="ko-KR" sz="1200">
+            <a:endParaRPr lang="ko-KR" altLang="ko-KR" sz="1200" dirty="0">
               <a:latin typeface="맑은 고딕" panose="020B0503020000020004" pitchFamily="50" charset="-127"/>
               <a:cs typeface="Arial" panose="020B0604020202020204" pitchFamily="34" charset="0"/>
             </a:endParaRPr>
@@ -27410,13 +27459,13 @@
               </a:spcAft>
             </a:pPr>
             <a:r>
-              <a:rPr lang="en-US" altLang="ko-KR" sz="1100">
+              <a:rPr lang="en-US" altLang="ko-KR" sz="1100" dirty="0">
                 <a:latin typeface="Consolas" panose="020B0609020204030204" pitchFamily="49" charset="0"/>
                 <a:cs typeface="Consolas" panose="020B0609020204030204" pitchFamily="49" charset="0"/>
               </a:rPr>
               <a:t> </a:t>
             </a:r>
-            <a:endParaRPr lang="ko-KR" altLang="ko-KR" sz="1200">
+            <a:endParaRPr lang="ko-KR" altLang="ko-KR" sz="1200" dirty="0">
               <a:latin typeface="맑은 고딕" panose="020B0503020000020004" pitchFamily="50" charset="-127"/>
               <a:cs typeface="Arial" panose="020B0604020202020204" pitchFamily="34" charset="0"/>
             </a:endParaRPr>
@@ -27431,7 +27480,7 @@
               </a:spcAft>
             </a:pPr>
             <a:r>
-              <a:rPr lang="en-US" altLang="ko-KR" sz="1100">
+              <a:rPr lang="en-US" altLang="ko-KR" sz="1100" dirty="0">
                 <a:solidFill>
                   <a:srgbClr val="000000"/>
                 </a:solidFill>
@@ -27441,7 +27490,7 @@
               <a:t>    </a:t>
             </a:r>
             <a:r>
-              <a:rPr lang="en-US" altLang="ko-KR" sz="1100" b="1" i="1">
+              <a:rPr lang="en-US" altLang="ko-KR" sz="1100" b="1" i="1" dirty="0">
                 <a:solidFill>
                   <a:srgbClr val="0000C0"/>
                 </a:solidFill>
@@ -27451,7 +27500,7 @@
               <a:t>log</a:t>
             </a:r>
             <a:r>
-              <a:rPr lang="en-US" altLang="ko-KR" sz="1100">
+              <a:rPr lang="en-US" altLang="ko-KR" sz="1100" dirty="0">
                 <a:solidFill>
                   <a:srgbClr val="000000"/>
                 </a:solidFill>
@@ -27461,7 +27510,7 @@
               <a:t>.info(</a:t>
             </a:r>
             <a:r>
-              <a:rPr lang="en-US" altLang="ko-KR" sz="1100">
+              <a:rPr lang="en-US" altLang="ko-KR" sz="1100" dirty="0">
                 <a:solidFill>
                   <a:srgbClr val="2A00FF"/>
                 </a:solidFill>
@@ -27471,7 +27520,7 @@
               <a:t>"register......"</a:t>
             </a:r>
             <a:r>
-              <a:rPr lang="en-US" altLang="ko-KR" sz="1100">
+              <a:rPr lang="en-US" altLang="ko-KR" sz="1100" dirty="0">
                 <a:solidFill>
                   <a:srgbClr val="000000"/>
                 </a:solidFill>
@@ -27481,7 +27530,7 @@
               <a:t> + </a:t>
             </a:r>
             <a:r>
-              <a:rPr lang="en-US" altLang="ko-KR" sz="1100">
+              <a:rPr lang="en-US" altLang="ko-KR" sz="1100" dirty="0">
                 <a:solidFill>
                   <a:srgbClr val="6A3E3E"/>
                 </a:solidFill>
@@ -27491,7 +27540,7 @@
               <a:t>board</a:t>
             </a:r>
             <a:r>
-              <a:rPr lang="en-US" altLang="ko-KR" sz="1100">
+              <a:rPr lang="en-US" altLang="ko-KR" sz="1100" dirty="0">
                 <a:solidFill>
                   <a:srgbClr val="000000"/>
                 </a:solidFill>
@@ -27500,7 +27549,7 @@
               </a:rPr>
               <a:t>);</a:t>
             </a:r>
-            <a:endParaRPr lang="ko-KR" altLang="ko-KR" sz="1200">
+            <a:endParaRPr lang="ko-KR" altLang="ko-KR" sz="1200" dirty="0">
               <a:latin typeface="맑은 고딕" panose="020B0503020000020004" pitchFamily="50" charset="-127"/>
               <a:cs typeface="Arial" panose="020B0604020202020204" pitchFamily="34" charset="0"/>
             </a:endParaRPr>
@@ -27515,7 +27564,7 @@
               </a:spcAft>
             </a:pPr>
             <a:r>
-              <a:rPr lang="en-US" altLang="ko-KR" sz="1100">
+              <a:rPr lang="en-US" altLang="ko-KR" sz="1100" dirty="0">
                 <a:solidFill>
                   <a:srgbClr val="000000"/>
                 </a:solidFill>
@@ -27524,7 +27573,7 @@
               </a:rPr>
               <a:t>    </a:t>
             </a:r>
-            <a:endParaRPr lang="ko-KR" altLang="ko-KR" sz="1200">
+            <a:endParaRPr lang="ko-KR" altLang="ko-KR" sz="1200" dirty="0">
               <a:latin typeface="맑은 고딕" panose="020B0503020000020004" pitchFamily="50" charset="-127"/>
               <a:cs typeface="Arial" panose="020B0604020202020204" pitchFamily="34" charset="0"/>
             </a:endParaRPr>
@@ -27539,7 +27588,7 @@
               </a:spcAft>
             </a:pPr>
             <a:r>
-              <a:rPr lang="en-US" altLang="ko-KR" sz="1100">
+              <a:rPr lang="en-US" altLang="ko-KR" sz="1100" dirty="0">
                 <a:solidFill>
                   <a:srgbClr val="000000"/>
                 </a:solidFill>
@@ -27549,7 +27598,7 @@
               <a:t>    </a:t>
             </a:r>
             <a:r>
-              <a:rPr lang="en-US" altLang="ko-KR" sz="1100">
+              <a:rPr lang="en-US" altLang="ko-KR" sz="1100" dirty="0" err="1">
                 <a:solidFill>
                   <a:srgbClr val="0000C0"/>
                 </a:solidFill>
@@ -27559,17 +27608,27 @@
               <a:t>mapper</a:t>
             </a:r>
             <a:r>
-              <a:rPr lang="en-US" altLang="ko-KR" sz="1100">
-                <a:solidFill>
-                  <a:srgbClr val="000000"/>
-                </a:solidFill>
-                <a:latin typeface="Consolas" panose="020B0609020204030204" pitchFamily="49" charset="0"/>
-                <a:cs typeface="Consolas" panose="020B0609020204030204" pitchFamily="49" charset="0"/>
-              </a:rPr>
-              <a:t>.insertSelectKey(</a:t>
-            </a:r>
-            <a:r>
-              <a:rPr lang="en-US" altLang="ko-KR" sz="1100">
+              <a:rPr lang="en-US" altLang="ko-KR" sz="1100" dirty="0" err="1">
+                <a:solidFill>
+                  <a:srgbClr val="000000"/>
+                </a:solidFill>
+                <a:latin typeface="Consolas" panose="020B0609020204030204" pitchFamily="49" charset="0"/>
+                <a:cs typeface="Consolas" panose="020B0609020204030204" pitchFamily="49" charset="0"/>
+              </a:rPr>
+              <a:t>.insertSelectKey</a:t>
+            </a:r>
+            <a:r>
+              <a:rPr lang="en-US" altLang="ko-KR" sz="1100" dirty="0">
+                <a:solidFill>
+                  <a:srgbClr val="000000"/>
+                </a:solidFill>
+                <a:latin typeface="Consolas" panose="020B0609020204030204" pitchFamily="49" charset="0"/>
+                <a:cs typeface="Consolas" panose="020B0609020204030204" pitchFamily="49" charset="0"/>
+              </a:rPr>
+              <a:t>(</a:t>
+            </a:r>
+            <a:r>
+              <a:rPr lang="en-US" altLang="ko-KR" sz="1100" dirty="0">
                 <a:solidFill>
                   <a:srgbClr val="6A3E3E"/>
                 </a:solidFill>
@@ -27579,7 +27638,7 @@
               <a:t>board</a:t>
             </a:r>
             <a:r>
-              <a:rPr lang="en-US" altLang="ko-KR" sz="1100">
+              <a:rPr lang="en-US" altLang="ko-KR" sz="1100" dirty="0">
                 <a:solidFill>
                   <a:srgbClr val="000000"/>
                 </a:solidFill>
@@ -27588,7 +27647,7 @@
               </a:rPr>
               <a:t>);</a:t>
             </a:r>
-            <a:endParaRPr lang="ko-KR" altLang="ko-KR" sz="1200">
+            <a:endParaRPr lang="ko-KR" altLang="ko-KR" sz="1200" dirty="0">
               <a:latin typeface="맑은 고딕" panose="020B0503020000020004" pitchFamily="50" charset="-127"/>
               <a:cs typeface="Arial" panose="020B0604020202020204" pitchFamily="34" charset="0"/>
             </a:endParaRPr>
@@ -27603,7 +27662,7 @@
               </a:spcAft>
             </a:pPr>
             <a:r>
-              <a:rPr lang="en-US" altLang="ko-KR" sz="1100">
+              <a:rPr lang="en-US" altLang="ko-KR" sz="1100" dirty="0">
                 <a:solidFill>
                   <a:srgbClr val="000000"/>
                 </a:solidFill>
@@ -27612,7 +27671,7 @@
               </a:rPr>
               <a:t>    </a:t>
             </a:r>
-            <a:endParaRPr lang="ko-KR" altLang="ko-KR" sz="1200">
+            <a:endParaRPr lang="ko-KR" altLang="ko-KR" sz="1200" dirty="0">
               <a:latin typeface="맑은 고딕" panose="020B0503020000020004" pitchFamily="50" charset="-127"/>
               <a:cs typeface="Arial" panose="020B0604020202020204" pitchFamily="34" charset="0"/>
             </a:endParaRPr>
@@ -27627,7 +27686,7 @@
               </a:spcAft>
             </a:pPr>
             <a:r>
-              <a:rPr lang="en-US" altLang="ko-KR" sz="1100">
+              <a:rPr lang="en-US" altLang="ko-KR" sz="1100" dirty="0">
                 <a:solidFill>
                   <a:srgbClr val="000000"/>
                 </a:solidFill>
@@ -27637,7 +27696,7 @@
               <a:t>    </a:t>
             </a:r>
             <a:r>
-              <a:rPr lang="en-US" altLang="ko-KR" sz="1100" b="1">
+              <a:rPr lang="en-US" altLang="ko-KR" sz="1100" b="1" dirty="0">
                 <a:solidFill>
                   <a:srgbClr val="7F0055"/>
                 </a:solidFill>
@@ -27647,7 +27706,7 @@
               <a:t>if</a:t>
             </a:r>
             <a:r>
-              <a:rPr lang="en-US" altLang="ko-KR" sz="1100">
+              <a:rPr lang="en-US" altLang="ko-KR" sz="1100" dirty="0">
                 <a:solidFill>
                   <a:srgbClr val="000000"/>
                 </a:solidFill>
@@ -27657,7 +27716,7 @@
               <a:t>(</a:t>
             </a:r>
             <a:r>
-              <a:rPr lang="en-US" altLang="ko-KR" sz="1100">
+              <a:rPr lang="en-US" altLang="ko-KR" sz="1100" dirty="0" err="1">
                 <a:solidFill>
                   <a:srgbClr val="6A3E3E"/>
                 </a:solidFill>
@@ -27667,17 +27726,27 @@
               <a:t>board</a:t>
             </a:r>
             <a:r>
-              <a:rPr lang="en-US" altLang="ko-KR" sz="1100">
-                <a:solidFill>
-                  <a:srgbClr val="000000"/>
-                </a:solidFill>
-                <a:latin typeface="Consolas" panose="020B0609020204030204" pitchFamily="49" charset="0"/>
-                <a:cs typeface="Consolas" panose="020B0609020204030204" pitchFamily="49" charset="0"/>
-              </a:rPr>
-              <a:t>.getAttachList() == </a:t>
-            </a:r>
-            <a:r>
-              <a:rPr lang="en-US" altLang="ko-KR" sz="1100" b="1">
+              <a:rPr lang="en-US" altLang="ko-KR" sz="1100" dirty="0" err="1">
+                <a:solidFill>
+                  <a:srgbClr val="000000"/>
+                </a:solidFill>
+                <a:latin typeface="Consolas" panose="020B0609020204030204" pitchFamily="49" charset="0"/>
+                <a:cs typeface="Consolas" panose="020B0609020204030204" pitchFamily="49" charset="0"/>
+              </a:rPr>
+              <a:t>.getAttachList</a:t>
+            </a:r>
+            <a:r>
+              <a:rPr lang="en-US" altLang="ko-KR" sz="1100" dirty="0">
+                <a:solidFill>
+                  <a:srgbClr val="000000"/>
+                </a:solidFill>
+                <a:latin typeface="Consolas" panose="020B0609020204030204" pitchFamily="49" charset="0"/>
+                <a:cs typeface="Consolas" panose="020B0609020204030204" pitchFamily="49" charset="0"/>
+              </a:rPr>
+              <a:t>() == </a:t>
+            </a:r>
+            <a:r>
+              <a:rPr lang="en-US" altLang="ko-KR" sz="1100" b="1" dirty="0">
                 <a:solidFill>
                   <a:srgbClr val="7F0055"/>
                 </a:solidFill>
@@ -27687,7 +27756,7 @@
               <a:t>null</a:t>
             </a:r>
             <a:r>
-              <a:rPr lang="en-US" altLang="ko-KR" sz="1100">
+              <a:rPr lang="en-US" altLang="ko-KR" sz="1100" dirty="0">
                 <a:solidFill>
                   <a:srgbClr val="000000"/>
                 </a:solidFill>
@@ -27697,7 +27766,7 @@
               <a:t> || </a:t>
             </a:r>
             <a:r>
-              <a:rPr lang="en-US" altLang="ko-KR" sz="1100">
+              <a:rPr lang="en-US" altLang="ko-KR" sz="1100" dirty="0" err="1">
                 <a:solidFill>
                   <a:srgbClr val="6A3E3E"/>
                 </a:solidFill>
@@ -27707,16 +27776,26 @@
               <a:t>board</a:t>
             </a:r>
             <a:r>
-              <a:rPr lang="en-US" altLang="ko-KR" sz="1100">
-                <a:solidFill>
-                  <a:srgbClr val="000000"/>
-                </a:solidFill>
-                <a:latin typeface="Consolas" panose="020B0609020204030204" pitchFamily="49" charset="0"/>
-                <a:cs typeface="Consolas" panose="020B0609020204030204" pitchFamily="49" charset="0"/>
-              </a:rPr>
-              <a:t>.getAttachList().size() &lt;= 0) {</a:t>
-            </a:r>
-            <a:endParaRPr lang="ko-KR" altLang="ko-KR" sz="1200">
+              <a:rPr lang="en-US" altLang="ko-KR" sz="1100" dirty="0" err="1">
+                <a:solidFill>
+                  <a:srgbClr val="000000"/>
+                </a:solidFill>
+                <a:latin typeface="Consolas" panose="020B0609020204030204" pitchFamily="49" charset="0"/>
+                <a:cs typeface="Consolas" panose="020B0609020204030204" pitchFamily="49" charset="0"/>
+              </a:rPr>
+              <a:t>.getAttachList</a:t>
+            </a:r>
+            <a:r>
+              <a:rPr lang="en-US" altLang="ko-KR" sz="1100" dirty="0">
+                <a:solidFill>
+                  <a:srgbClr val="000000"/>
+                </a:solidFill>
+                <a:latin typeface="Consolas" panose="020B0609020204030204" pitchFamily="49" charset="0"/>
+                <a:cs typeface="Consolas" panose="020B0609020204030204" pitchFamily="49" charset="0"/>
+              </a:rPr>
+              <a:t>().size() &lt;= 0) {</a:t>
+            </a:r>
+            <a:endParaRPr lang="ko-KR" altLang="ko-KR" sz="1200" dirty="0">
               <a:latin typeface="맑은 고딕" panose="020B0503020000020004" pitchFamily="50" charset="-127"/>
               <a:cs typeface="Arial" panose="020B0604020202020204" pitchFamily="34" charset="0"/>
             </a:endParaRPr>
@@ -27731,7 +27810,7 @@
               </a:spcAft>
             </a:pPr>
             <a:r>
-              <a:rPr lang="en-US" altLang="ko-KR" sz="1100">
+              <a:rPr lang="en-US" altLang="ko-KR" sz="1100" dirty="0">
                 <a:solidFill>
                   <a:srgbClr val="000000"/>
                 </a:solidFill>
@@ -27741,7 +27820,7 @@
               <a:t>      </a:t>
             </a:r>
             <a:r>
-              <a:rPr lang="en-US" altLang="ko-KR" sz="1100" b="1">
+              <a:rPr lang="en-US" altLang="ko-KR" sz="1100" b="1" dirty="0">
                 <a:solidFill>
                   <a:srgbClr val="7F0055"/>
                 </a:solidFill>
@@ -27751,7 +27830,7 @@
               <a:t>return</a:t>
             </a:r>
             <a:r>
-              <a:rPr lang="en-US" altLang="ko-KR" sz="1100">
+              <a:rPr lang="en-US" altLang="ko-KR" sz="1100" dirty="0">
                 <a:solidFill>
                   <a:srgbClr val="000000"/>
                 </a:solidFill>
@@ -27760,7 +27839,7 @@
               </a:rPr>
               <a:t>;</a:t>
             </a:r>
-            <a:endParaRPr lang="ko-KR" altLang="ko-KR" sz="1200">
+            <a:endParaRPr lang="ko-KR" altLang="ko-KR" sz="1200" dirty="0">
               <a:latin typeface="맑은 고딕" panose="020B0503020000020004" pitchFamily="50" charset="-127"/>
               <a:cs typeface="Arial" panose="020B0604020202020204" pitchFamily="34" charset="0"/>
             </a:endParaRPr>
@@ -27775,7 +27854,7 @@
               </a:spcAft>
             </a:pPr>
             <a:r>
-              <a:rPr lang="en-US" altLang="ko-KR" sz="1100">
+              <a:rPr lang="en-US" altLang="ko-KR" sz="1100" dirty="0">
                 <a:solidFill>
                   <a:srgbClr val="000000"/>
                 </a:solidFill>
@@ -27784,7 +27863,7 @@
               </a:rPr>
               <a:t>    }</a:t>
             </a:r>
-            <a:endParaRPr lang="ko-KR" altLang="ko-KR" sz="1200">
+            <a:endParaRPr lang="ko-KR" altLang="ko-KR" sz="1200" dirty="0">
               <a:latin typeface="맑은 고딕" panose="020B0503020000020004" pitchFamily="50" charset="-127"/>
               <a:cs typeface="Arial" panose="020B0604020202020204" pitchFamily="34" charset="0"/>
             </a:endParaRPr>
@@ -27799,7 +27878,7 @@
               </a:spcAft>
             </a:pPr>
             <a:r>
-              <a:rPr lang="en-US" altLang="ko-KR" sz="1100">
+              <a:rPr lang="en-US" altLang="ko-KR" sz="1100" dirty="0">
                 <a:solidFill>
                   <a:srgbClr val="000000"/>
                 </a:solidFill>
@@ -27808,7 +27887,7 @@
               </a:rPr>
               <a:t>    </a:t>
             </a:r>
-            <a:endParaRPr lang="ko-KR" altLang="ko-KR" sz="1200">
+            <a:endParaRPr lang="ko-KR" altLang="ko-KR" sz="1200" dirty="0">
               <a:latin typeface="맑은 고딕" panose="020B0503020000020004" pitchFamily="50" charset="-127"/>
               <a:cs typeface="Arial" panose="020B0604020202020204" pitchFamily="34" charset="0"/>
             </a:endParaRPr>
@@ -27823,7 +27902,7 @@
               </a:spcAft>
             </a:pPr>
             <a:r>
-              <a:rPr lang="en-US" altLang="ko-KR" sz="1100">
+              <a:rPr lang="en-US" altLang="ko-KR" sz="1100" dirty="0">
                 <a:solidFill>
                   <a:srgbClr val="000000"/>
                 </a:solidFill>
@@ -27833,7 +27912,7 @@
               <a:t>    </a:t>
             </a:r>
             <a:r>
-              <a:rPr lang="en-US" altLang="ko-KR" sz="1100">
+              <a:rPr lang="en-US" altLang="ko-KR" sz="1100" dirty="0" err="1">
                 <a:solidFill>
                   <a:srgbClr val="6A3E3E"/>
                 </a:solidFill>
@@ -27843,17 +27922,47 @@
               <a:t>board</a:t>
             </a:r>
             <a:r>
-              <a:rPr lang="en-US" altLang="ko-KR" sz="1100">
-                <a:solidFill>
-                  <a:srgbClr val="000000"/>
-                </a:solidFill>
-                <a:latin typeface="Consolas" panose="020B0609020204030204" pitchFamily="49" charset="0"/>
-                <a:cs typeface="Consolas" panose="020B0609020204030204" pitchFamily="49" charset="0"/>
-              </a:rPr>
-              <a:t>.getAttachList().forEach(</a:t>
-            </a:r>
-            <a:r>
-              <a:rPr lang="en-US" altLang="ko-KR" sz="1100">
+              <a:rPr lang="en-US" altLang="ko-KR" sz="1100" dirty="0" err="1">
+                <a:solidFill>
+                  <a:srgbClr val="000000"/>
+                </a:solidFill>
+                <a:latin typeface="Consolas" panose="020B0609020204030204" pitchFamily="49" charset="0"/>
+                <a:cs typeface="Consolas" panose="020B0609020204030204" pitchFamily="49" charset="0"/>
+              </a:rPr>
+              <a:t>.getAttachList</a:t>
+            </a:r>
+            <a:r>
+              <a:rPr lang="en-US" altLang="ko-KR" sz="1100" dirty="0">
+                <a:solidFill>
+                  <a:srgbClr val="000000"/>
+                </a:solidFill>
+                <a:latin typeface="Consolas" panose="020B0609020204030204" pitchFamily="49" charset="0"/>
+                <a:cs typeface="Consolas" panose="020B0609020204030204" pitchFamily="49" charset="0"/>
+              </a:rPr>
+              <a:t>().</a:t>
+            </a:r>
+            <a:r>
+              <a:rPr lang="en-US" altLang="ko-KR" sz="1100" dirty="0" err="1">
+                <a:solidFill>
+                  <a:srgbClr val="000000"/>
+                </a:solidFill>
+                <a:latin typeface="Consolas" panose="020B0609020204030204" pitchFamily="49" charset="0"/>
+                <a:cs typeface="Consolas" panose="020B0609020204030204" pitchFamily="49" charset="0"/>
+              </a:rPr>
+              <a:t>forEach</a:t>
+            </a:r>
+            <a:r>
+              <a:rPr lang="en-US" altLang="ko-KR" sz="1100" dirty="0">
+                <a:solidFill>
+                  <a:srgbClr val="000000"/>
+                </a:solidFill>
+                <a:latin typeface="Consolas" panose="020B0609020204030204" pitchFamily="49" charset="0"/>
+                <a:cs typeface="Consolas" panose="020B0609020204030204" pitchFamily="49" charset="0"/>
+              </a:rPr>
+              <a:t>(</a:t>
+            </a:r>
+            <a:r>
+              <a:rPr lang="en-US" altLang="ko-KR" sz="1100" dirty="0">
                 <a:solidFill>
                   <a:srgbClr val="6A3E3E"/>
                 </a:solidFill>
@@ -27863,7 +27972,7 @@
               <a:t>attach</a:t>
             </a:r>
             <a:r>
-              <a:rPr lang="en-US" altLang="ko-KR" sz="1100">
+              <a:rPr lang="en-US" altLang="ko-KR" sz="1100" dirty="0">
                 <a:solidFill>
                   <a:srgbClr val="000000"/>
                 </a:solidFill>
@@ -27872,7 +27981,7 @@
               </a:rPr>
               <a:t> -&gt;{</a:t>
             </a:r>
-            <a:endParaRPr lang="ko-KR" altLang="ko-KR" sz="1200">
+            <a:endParaRPr lang="ko-KR" altLang="ko-KR" sz="1200" dirty="0">
               <a:latin typeface="맑은 고딕" panose="020B0503020000020004" pitchFamily="50" charset="-127"/>
               <a:cs typeface="Arial" panose="020B0604020202020204" pitchFamily="34" charset="0"/>
             </a:endParaRPr>
@@ -27887,7 +27996,7 @@
               </a:spcAft>
             </a:pPr>
             <a:r>
-              <a:rPr lang="en-US" altLang="ko-KR" sz="1100">
+              <a:rPr lang="en-US" altLang="ko-KR" sz="1100" dirty="0">
                 <a:solidFill>
                   <a:srgbClr val="000000"/>
                 </a:solidFill>
@@ -27896,7 +28005,7 @@
               </a:rPr>
               <a:t>    </a:t>
             </a:r>
-            <a:endParaRPr lang="ko-KR" altLang="ko-KR" sz="1200">
+            <a:endParaRPr lang="ko-KR" altLang="ko-KR" sz="1200" dirty="0">
               <a:latin typeface="맑은 고딕" panose="020B0503020000020004" pitchFamily="50" charset="-127"/>
               <a:cs typeface="Arial" panose="020B0604020202020204" pitchFamily="34" charset="0"/>
             </a:endParaRPr>
@@ -27911,7 +28020,7 @@
               </a:spcAft>
             </a:pPr>
             <a:r>
-              <a:rPr lang="en-US" altLang="ko-KR" sz="1100">
+              <a:rPr lang="en-US" altLang="ko-KR" sz="1100" dirty="0">
                 <a:solidFill>
                   <a:srgbClr val="000000"/>
                 </a:solidFill>
@@ -27921,7 +28030,7 @@
               <a:t>      </a:t>
             </a:r>
             <a:r>
-              <a:rPr lang="en-US" altLang="ko-KR" sz="1100">
+              <a:rPr lang="en-US" altLang="ko-KR" sz="1100" dirty="0" err="1">
                 <a:solidFill>
                   <a:srgbClr val="6A3E3E"/>
                 </a:solidFill>
@@ -27931,17 +28040,27 @@
               <a:t>attach</a:t>
             </a:r>
             <a:r>
-              <a:rPr lang="en-US" altLang="ko-KR" sz="1100">
-                <a:solidFill>
-                  <a:srgbClr val="000000"/>
-                </a:solidFill>
-                <a:latin typeface="Consolas" panose="020B0609020204030204" pitchFamily="49" charset="0"/>
-                <a:cs typeface="Consolas" panose="020B0609020204030204" pitchFamily="49" charset="0"/>
-              </a:rPr>
-              <a:t>.setBno(</a:t>
-            </a:r>
-            <a:r>
-              <a:rPr lang="en-US" altLang="ko-KR" sz="1100">
+              <a:rPr lang="en-US" altLang="ko-KR" sz="1100" dirty="0" err="1">
+                <a:solidFill>
+                  <a:srgbClr val="000000"/>
+                </a:solidFill>
+                <a:latin typeface="Consolas" panose="020B0609020204030204" pitchFamily="49" charset="0"/>
+                <a:cs typeface="Consolas" panose="020B0609020204030204" pitchFamily="49" charset="0"/>
+              </a:rPr>
+              <a:t>.setBno</a:t>
+            </a:r>
+            <a:r>
+              <a:rPr lang="en-US" altLang="ko-KR" sz="1100" dirty="0">
+                <a:solidFill>
+                  <a:srgbClr val="000000"/>
+                </a:solidFill>
+                <a:latin typeface="Consolas" panose="020B0609020204030204" pitchFamily="49" charset="0"/>
+                <a:cs typeface="Consolas" panose="020B0609020204030204" pitchFamily="49" charset="0"/>
+              </a:rPr>
+              <a:t>(</a:t>
+            </a:r>
+            <a:r>
+              <a:rPr lang="en-US" altLang="ko-KR" sz="1100" dirty="0" err="1">
                 <a:solidFill>
                   <a:srgbClr val="6A3E3E"/>
                 </a:solidFill>
@@ -27951,16 +28070,26 @@
               <a:t>board</a:t>
             </a:r>
             <a:r>
-              <a:rPr lang="en-US" altLang="ko-KR" sz="1100">
-                <a:solidFill>
-                  <a:srgbClr val="000000"/>
-                </a:solidFill>
-                <a:latin typeface="Consolas" panose="020B0609020204030204" pitchFamily="49" charset="0"/>
-                <a:cs typeface="Consolas" panose="020B0609020204030204" pitchFamily="49" charset="0"/>
-              </a:rPr>
-              <a:t>.getBno());</a:t>
-            </a:r>
-            <a:endParaRPr lang="ko-KR" altLang="ko-KR" sz="1200">
+              <a:rPr lang="en-US" altLang="ko-KR" sz="1100" dirty="0" err="1">
+                <a:solidFill>
+                  <a:srgbClr val="000000"/>
+                </a:solidFill>
+                <a:latin typeface="Consolas" panose="020B0609020204030204" pitchFamily="49" charset="0"/>
+                <a:cs typeface="Consolas" panose="020B0609020204030204" pitchFamily="49" charset="0"/>
+              </a:rPr>
+              <a:t>.getBno</a:t>
+            </a:r>
+            <a:r>
+              <a:rPr lang="en-US" altLang="ko-KR" sz="1100" dirty="0">
+                <a:solidFill>
+                  <a:srgbClr val="000000"/>
+                </a:solidFill>
+                <a:latin typeface="Consolas" panose="020B0609020204030204" pitchFamily="49" charset="0"/>
+                <a:cs typeface="Consolas" panose="020B0609020204030204" pitchFamily="49" charset="0"/>
+              </a:rPr>
+              <a:t>());</a:t>
+            </a:r>
+            <a:endParaRPr lang="ko-KR" altLang="ko-KR" sz="1200" dirty="0">
               <a:latin typeface="맑은 고딕" panose="020B0503020000020004" pitchFamily="50" charset="-127"/>
               <a:cs typeface="Arial" panose="020B0604020202020204" pitchFamily="34" charset="0"/>
             </a:endParaRPr>
@@ -27975,7 +28104,7 @@
               </a:spcAft>
             </a:pPr>
             <a:r>
-              <a:rPr lang="en-US" altLang="ko-KR" sz="1100">
+              <a:rPr lang="en-US" altLang="ko-KR" sz="1100" dirty="0">
                 <a:solidFill>
                   <a:srgbClr val="000000"/>
                 </a:solidFill>
@@ -27985,7 +28114,7 @@
               <a:t>      </a:t>
             </a:r>
             <a:r>
-              <a:rPr lang="en-US" altLang="ko-KR" sz="1100">
+              <a:rPr lang="en-US" altLang="ko-KR" sz="1100" dirty="0" err="1">
                 <a:solidFill>
                   <a:srgbClr val="0000C0"/>
                 </a:solidFill>
@@ -27995,17 +28124,27 @@
               <a:t>attachMapper</a:t>
             </a:r>
             <a:r>
-              <a:rPr lang="en-US" altLang="ko-KR" sz="1100">
-                <a:solidFill>
-                  <a:srgbClr val="000000"/>
-                </a:solidFill>
-                <a:latin typeface="Consolas" panose="020B0609020204030204" pitchFamily="49" charset="0"/>
-                <a:cs typeface="Consolas" panose="020B0609020204030204" pitchFamily="49" charset="0"/>
-              </a:rPr>
-              <a:t>.insert(</a:t>
-            </a:r>
-            <a:r>
-              <a:rPr lang="en-US" altLang="ko-KR" sz="1100">
+              <a:rPr lang="en-US" altLang="ko-KR" sz="1100" dirty="0" err="1">
+                <a:solidFill>
+                  <a:srgbClr val="000000"/>
+                </a:solidFill>
+                <a:latin typeface="Consolas" panose="020B0609020204030204" pitchFamily="49" charset="0"/>
+                <a:cs typeface="Consolas" panose="020B0609020204030204" pitchFamily="49" charset="0"/>
+              </a:rPr>
+              <a:t>.insert</a:t>
+            </a:r>
+            <a:r>
+              <a:rPr lang="en-US" altLang="ko-KR" sz="1100" dirty="0">
+                <a:solidFill>
+                  <a:srgbClr val="000000"/>
+                </a:solidFill>
+                <a:latin typeface="Consolas" panose="020B0609020204030204" pitchFamily="49" charset="0"/>
+                <a:cs typeface="Consolas" panose="020B0609020204030204" pitchFamily="49" charset="0"/>
+              </a:rPr>
+              <a:t>(</a:t>
+            </a:r>
+            <a:r>
+              <a:rPr lang="en-US" altLang="ko-KR" sz="1100" dirty="0">
                 <a:solidFill>
                   <a:srgbClr val="6A3E3E"/>
                 </a:solidFill>
@@ -28015,7 +28154,7 @@
               <a:t>attach</a:t>
             </a:r>
             <a:r>
-              <a:rPr lang="en-US" altLang="ko-KR" sz="1100">
+              <a:rPr lang="en-US" altLang="ko-KR" sz="1100" dirty="0">
                 <a:solidFill>
                   <a:srgbClr val="000000"/>
                 </a:solidFill>
@@ -28024,7 +28163,7 @@
               </a:rPr>
               <a:t>);</a:t>
             </a:r>
-            <a:endParaRPr lang="ko-KR" altLang="ko-KR" sz="1200">
+            <a:endParaRPr lang="ko-KR" altLang="ko-KR" sz="1200" dirty="0">
               <a:latin typeface="맑은 고딕" panose="020B0503020000020004" pitchFamily="50" charset="-127"/>
               <a:cs typeface="Arial" panose="020B0604020202020204" pitchFamily="34" charset="0"/>
             </a:endParaRPr>
@@ -28039,7 +28178,7 @@
               </a:spcAft>
             </a:pPr>
             <a:r>
-              <a:rPr lang="en-US" altLang="ko-KR" sz="1100">
+              <a:rPr lang="en-US" altLang="ko-KR" sz="1100" dirty="0">
                 <a:solidFill>
                   <a:srgbClr val="000000"/>
                 </a:solidFill>
@@ -28048,21 +28187,21 @@
               </a:rPr>
               <a:t>    });</a:t>
             </a:r>
-            <a:endParaRPr lang="ko-KR" altLang="ko-KR" sz="1200">
+            <a:endParaRPr lang="ko-KR" altLang="ko-KR" sz="1200" dirty="0">
               <a:latin typeface="맑은 고딕" panose="020B0503020000020004" pitchFamily="50" charset="-127"/>
               <a:cs typeface="Arial" panose="020B0604020202020204" pitchFamily="34" charset="0"/>
             </a:endParaRPr>
           </a:p>
           <a:p>
             <a:r>
-              <a:rPr lang="en-US" altLang="ko-KR" sz="1200">
+              <a:rPr lang="en-US" altLang="ko-KR" sz="1200" dirty="0">
                 <a:latin typeface="맑은 고딕" panose="020B0503020000020004" pitchFamily="50" charset="-127"/>
                 <a:ea typeface="나눔명조"/>
                 <a:cs typeface="Arial" panose="020B0604020202020204" pitchFamily="34" charset="0"/>
               </a:rPr>
               <a:t>  }</a:t>
             </a:r>
-            <a:endParaRPr lang="ko-KR" altLang="en-US" sz="1100"/>
+            <a:endParaRPr lang="ko-KR" altLang="en-US" sz="1100" dirty="0"/>
           </a:p>
         </p:txBody>
       </p:sp>

--- a/spring - 학습자료/코드로 배우는 스프링 웹 프로젝트 (개정판) 학습자료/PART6.pptx
+++ b/spring - 학습자료/코드로 배우는 스프링 웹 프로젝트 (개정판) 학습자료/PART6.pptx
@@ -2495,7 +2495,7 @@
           <a:p>
             <a:fld id="{48A87A34-81AB-432B-8DAE-1953F412C126}" type="datetimeFigureOut">
               <a:rPr lang="en-US" smtClean="0"/>
-              <a:t>5/17/2023</a:t>
+              <a:t>5/18/2023</a:t>
             </a:fld>
             <a:endParaRPr lang="en-US"/>
           </a:p>
@@ -2693,7 +2693,7 @@
           <a:p>
             <a:fld id="{48A87A34-81AB-432B-8DAE-1953F412C126}" type="datetimeFigureOut">
               <a:rPr lang="en-US" smtClean="0"/>
-              <a:t>5/17/2023</a:t>
+              <a:t>5/18/2023</a:t>
             </a:fld>
             <a:endParaRPr lang="en-US"/>
           </a:p>
@@ -2901,7 +2901,7 @@
           <a:p>
             <a:fld id="{48A87A34-81AB-432B-8DAE-1953F412C126}" type="datetimeFigureOut">
               <a:rPr lang="en-US" smtClean="0"/>
-              <a:t>5/17/2023</a:t>
+              <a:t>5/18/2023</a:t>
             </a:fld>
             <a:endParaRPr lang="en-US"/>
           </a:p>
@@ -3109,7 +3109,7 @@
           <a:p>
             <a:fld id="{48A87A34-81AB-432B-8DAE-1953F412C126}" type="datetimeFigureOut">
               <a:rPr lang="en-US" smtClean="0"/>
-              <a:t>5/17/2023</a:t>
+              <a:t>5/18/2023</a:t>
             </a:fld>
             <a:endParaRPr lang="en-US"/>
           </a:p>
@@ -3384,7 +3384,7 @@
           <a:p>
             <a:fld id="{48A87A34-81AB-432B-8DAE-1953F412C126}" type="datetimeFigureOut">
               <a:rPr lang="en-US" smtClean="0"/>
-              <a:t>5/17/2023</a:t>
+              <a:t>5/18/2023</a:t>
             </a:fld>
             <a:endParaRPr lang="en-US"/>
           </a:p>
@@ -3650,7 +3650,7 @@
             <a:fld id="{48A87A34-81AB-432B-8DAE-1953F412C126}" type="datetimeFigureOut">
               <a:rPr lang="en-US" smtClean="0"/>
               <a:pPr/>
-              <a:t>5/17/2023</a:t>
+              <a:t>5/18/2023</a:t>
             </a:fld>
             <a:endParaRPr lang="en-US"/>
           </a:p>
@@ -4063,7 +4063,7 @@
           <a:p>
             <a:fld id="{48A87A34-81AB-432B-8DAE-1953F412C126}" type="datetimeFigureOut">
               <a:rPr lang="en-US" smtClean="0"/>
-              <a:t>5/17/2023</a:t>
+              <a:t>5/18/2023</a:t>
             </a:fld>
             <a:endParaRPr lang="en-US"/>
           </a:p>
@@ -4204,7 +4204,7 @@
           <a:p>
             <a:fld id="{48A87A34-81AB-432B-8DAE-1953F412C126}" type="datetimeFigureOut">
               <a:rPr lang="en-US" smtClean="0"/>
-              <a:t>5/17/2023</a:t>
+              <a:t>5/18/2023</a:t>
             </a:fld>
             <a:endParaRPr lang="en-US"/>
           </a:p>
@@ -4317,7 +4317,7 @@
           <a:p>
             <a:fld id="{48A87A34-81AB-432B-8DAE-1953F412C126}" type="datetimeFigureOut">
               <a:rPr lang="en-US" smtClean="0"/>
-              <a:t>5/17/2023</a:t>
+              <a:t>5/18/2023</a:t>
             </a:fld>
             <a:endParaRPr lang="en-US"/>
           </a:p>
@@ -4628,7 +4628,7 @@
           <a:p>
             <a:fld id="{48A87A34-81AB-432B-8DAE-1953F412C126}" type="datetimeFigureOut">
               <a:rPr lang="en-US" smtClean="0"/>
-              <a:t>5/17/2023</a:t>
+              <a:t>5/18/2023</a:t>
             </a:fld>
             <a:endParaRPr lang="en-US"/>
           </a:p>
@@ -4917,7 +4917,7 @@
             <a:fld id="{48A87A34-81AB-432B-8DAE-1953F412C126}" type="datetimeFigureOut">
               <a:rPr lang="en-US" smtClean="0"/>
               <a:pPr/>
-              <a:t>5/17/2023</a:t>
+              <a:t>5/18/2023</a:t>
             </a:fld>
             <a:endParaRPr lang="en-US"/>
           </a:p>
@@ -5160,7 +5160,7 @@
             <a:fld id="{48A87A34-81AB-432B-8DAE-1953F412C126}" type="datetimeFigureOut">
               <a:rPr lang="en-US" smtClean="0"/>
               <a:pPr/>
-              <a:t>5/17/2023</a:t>
+              <a:t>5/18/2023</a:t>
             </a:fld>
             <a:endParaRPr lang="en-US"/>
           </a:p>
@@ -32636,7 +32636,7 @@
         <p:spPr>
           <a:xfrm>
             <a:off x="644405" y="2291237"/>
-            <a:ext cx="7855190" cy="3794639"/>
+            <a:ext cx="7608946" cy="3794639"/>
           </a:xfrm>
           <a:prstGeom prst="rect">
             <a:avLst/>

--- a/spring - 학습자료/코드로 배우는 스프링 웹 프로젝트 (개정판) 학습자료/PART6.pptx
+++ b/spring - 학습자료/코드로 배우는 스프링 웹 프로젝트 (개정판) 학습자료/PART6.pptx
@@ -2495,7 +2495,7 @@
           <a:p>
             <a:fld id="{48A87A34-81AB-432B-8DAE-1953F412C126}" type="datetimeFigureOut">
               <a:rPr lang="en-US" smtClean="0"/>
-              <a:t>5/18/2023</a:t>
+              <a:t>5/19/2023</a:t>
             </a:fld>
             <a:endParaRPr lang="en-US"/>
           </a:p>
@@ -2693,7 +2693,7 @@
           <a:p>
             <a:fld id="{48A87A34-81AB-432B-8DAE-1953F412C126}" type="datetimeFigureOut">
               <a:rPr lang="en-US" smtClean="0"/>
-              <a:t>5/18/2023</a:t>
+              <a:t>5/19/2023</a:t>
             </a:fld>
             <a:endParaRPr lang="en-US"/>
           </a:p>
@@ -2901,7 +2901,7 @@
           <a:p>
             <a:fld id="{48A87A34-81AB-432B-8DAE-1953F412C126}" type="datetimeFigureOut">
               <a:rPr lang="en-US" smtClean="0"/>
-              <a:t>5/18/2023</a:t>
+              <a:t>5/19/2023</a:t>
             </a:fld>
             <a:endParaRPr lang="en-US"/>
           </a:p>
@@ -3109,7 +3109,7 @@
           <a:p>
             <a:fld id="{48A87A34-81AB-432B-8DAE-1953F412C126}" type="datetimeFigureOut">
               <a:rPr lang="en-US" smtClean="0"/>
-              <a:t>5/18/2023</a:t>
+              <a:t>5/19/2023</a:t>
             </a:fld>
             <a:endParaRPr lang="en-US"/>
           </a:p>
@@ -3384,7 +3384,7 @@
           <a:p>
             <a:fld id="{48A87A34-81AB-432B-8DAE-1953F412C126}" type="datetimeFigureOut">
               <a:rPr lang="en-US" smtClean="0"/>
-              <a:t>5/18/2023</a:t>
+              <a:t>5/19/2023</a:t>
             </a:fld>
             <a:endParaRPr lang="en-US"/>
           </a:p>
@@ -3650,7 +3650,7 @@
             <a:fld id="{48A87A34-81AB-432B-8DAE-1953F412C126}" type="datetimeFigureOut">
               <a:rPr lang="en-US" smtClean="0"/>
               <a:pPr/>
-              <a:t>5/18/2023</a:t>
+              <a:t>5/19/2023</a:t>
             </a:fld>
             <a:endParaRPr lang="en-US"/>
           </a:p>
@@ -4063,7 +4063,7 @@
           <a:p>
             <a:fld id="{48A87A34-81AB-432B-8DAE-1953F412C126}" type="datetimeFigureOut">
               <a:rPr lang="en-US" smtClean="0"/>
-              <a:t>5/18/2023</a:t>
+              <a:t>5/19/2023</a:t>
             </a:fld>
             <a:endParaRPr lang="en-US"/>
           </a:p>
@@ -4204,7 +4204,7 @@
           <a:p>
             <a:fld id="{48A87A34-81AB-432B-8DAE-1953F412C126}" type="datetimeFigureOut">
               <a:rPr lang="en-US" smtClean="0"/>
-              <a:t>5/18/2023</a:t>
+              <a:t>5/19/2023</a:t>
             </a:fld>
             <a:endParaRPr lang="en-US"/>
           </a:p>
@@ -4317,7 +4317,7 @@
           <a:p>
             <a:fld id="{48A87A34-81AB-432B-8DAE-1953F412C126}" type="datetimeFigureOut">
               <a:rPr lang="en-US" smtClean="0"/>
-              <a:t>5/18/2023</a:t>
+              <a:t>5/19/2023</a:t>
             </a:fld>
             <a:endParaRPr lang="en-US"/>
           </a:p>
@@ -4628,7 +4628,7 @@
           <a:p>
             <a:fld id="{48A87A34-81AB-432B-8DAE-1953F412C126}" type="datetimeFigureOut">
               <a:rPr lang="en-US" smtClean="0"/>
-              <a:t>5/18/2023</a:t>
+              <a:t>5/19/2023</a:t>
             </a:fld>
             <a:endParaRPr lang="en-US"/>
           </a:p>
@@ -4917,7 +4917,7 @@
             <a:fld id="{48A87A34-81AB-432B-8DAE-1953F412C126}" type="datetimeFigureOut">
               <a:rPr lang="en-US" smtClean="0"/>
               <a:pPr/>
-              <a:t>5/18/2023</a:t>
+              <a:t>5/19/2023</a:t>
             </a:fld>
             <a:endParaRPr lang="en-US"/>
           </a:p>
@@ -5160,7 +5160,7 @@
             <a:fld id="{48A87A34-81AB-432B-8DAE-1953F412C126}" type="datetimeFigureOut">
               <a:rPr lang="en-US" smtClean="0"/>
               <a:pPr/>
-              <a:t>5/18/2023</a:t>
+              <a:t>5/19/2023</a:t>
             </a:fld>
             <a:endParaRPr lang="en-US"/>
           </a:p>
@@ -32392,80 +32392,108 @@
           <a:lstStyle/>
           <a:p>
             <a:r>
-              <a:rPr lang="ko-KR" altLang="en-US" smtClean="0"/>
+              <a:rPr lang="ko-KR" altLang="en-US" dirty="0" smtClean="0"/>
               <a:t>데이터베이스 삭제를 먼저호출하고 이후 파일 삭제</a:t>
             </a:r>
             <a:r>
-              <a:rPr lang="en-US" altLang="ko-KR" smtClean="0"/>
+              <a:rPr lang="en-US" altLang="ko-KR" dirty="0" smtClean="0"/>
               <a:t/>
             </a:r>
             <a:br>
-              <a:rPr lang="en-US" altLang="ko-KR" smtClean="0"/>
+              <a:rPr lang="en-US" altLang="ko-KR" dirty="0" smtClean="0"/>
             </a:br>
             <a:r>
-              <a:rPr lang="ko-KR" altLang="en-US" smtClean="0"/>
-              <a:t>해당 게시물의 첨부물 정보 미리 준비</a:t>
-            </a:r>
-            <a:r>
-              <a:rPr lang="en-US" altLang="ko-KR" smtClean="0"/>
+              <a:rPr lang="ko-KR" altLang="en-US" dirty="0" smtClean="0"/>
+              <a:t>해당 게시물의 </a:t>
+            </a:r>
+            <a:r>
+              <a:rPr lang="ko-KR" altLang="en-US" dirty="0" err="1" smtClean="0"/>
+              <a:t>첨부물</a:t>
+            </a:r>
+            <a:r>
+              <a:rPr lang="ko-KR" altLang="en-US" dirty="0" smtClean="0"/>
+              <a:t> 정보 미리 준비</a:t>
+            </a:r>
+            <a:r>
+              <a:rPr lang="en-US" altLang="ko-KR" dirty="0" smtClean="0"/>
               <a:t/>
             </a:r>
             <a:br>
-              <a:rPr lang="en-US" altLang="ko-KR" smtClean="0"/>
+              <a:rPr lang="en-US" altLang="ko-KR" dirty="0" smtClean="0"/>
             </a:br>
             <a:r>
-              <a:rPr lang="ko-KR" altLang="en-US" smtClean="0"/>
+              <a:rPr lang="ko-KR" altLang="en-US" dirty="0" smtClean="0"/>
               <a:t>데이터베이스에서 게시물과 첨부파일 삭제</a:t>
             </a:r>
             <a:r>
-              <a:rPr lang="en-US" altLang="ko-KR" smtClean="0"/>
+              <a:rPr lang="en-US" altLang="ko-KR" dirty="0" smtClean="0"/>
               <a:t/>
             </a:r>
             <a:br>
-              <a:rPr lang="en-US" altLang="ko-KR" smtClean="0"/>
+              <a:rPr lang="en-US" altLang="ko-KR" dirty="0" smtClean="0"/>
             </a:br>
             <a:r>
-              <a:rPr lang="ko-KR" altLang="en-US" smtClean="0"/>
-              <a:t>첨부물 저장폴더에서 섬네일과 일반파일 같이 삭제</a:t>
-            </a:r>
-            <a:endParaRPr lang="en-US" altLang="ko-KR" smtClean="0"/>
-          </a:p>
-          <a:p>
-            <a:r>
-              <a:rPr lang="en-US" altLang="ko-KR" smtClean="0"/>
+              <a:rPr lang="ko-KR" altLang="en-US" dirty="0" err="1" smtClean="0"/>
+              <a:t>첨부물</a:t>
+            </a:r>
+            <a:r>
+              <a:rPr lang="ko-KR" altLang="en-US" dirty="0" smtClean="0"/>
+              <a:t> 저장폴더에서 </a:t>
+            </a:r>
+            <a:r>
+              <a:rPr lang="ko-KR" altLang="en-US" dirty="0" err="1" smtClean="0"/>
+              <a:t>섬네일과</a:t>
+            </a:r>
+            <a:r>
+              <a:rPr lang="ko-KR" altLang="en-US" dirty="0" smtClean="0"/>
+              <a:t> </a:t>
+            </a:r>
+            <a:r>
+              <a:rPr lang="ko-KR" altLang="en-US" dirty="0" err="1" smtClean="0"/>
+              <a:t>일반파일</a:t>
+            </a:r>
+            <a:r>
+              <a:rPr lang="ko-KR" altLang="en-US" dirty="0" smtClean="0"/>
+              <a:t> 같이 삭제</a:t>
+            </a:r>
+            <a:endParaRPr lang="en-US" altLang="ko-KR" dirty="0" smtClean="0"/>
+          </a:p>
+          <a:p>
+            <a:r>
+              <a:rPr lang="en-US" altLang="ko-KR" dirty="0" smtClean="0"/>
               <a:t>Criteria</a:t>
             </a:r>
             <a:r>
-              <a:rPr lang="ko-KR" altLang="en-US" smtClean="0"/>
+              <a:rPr lang="ko-KR" altLang="en-US" dirty="0" smtClean="0"/>
               <a:t>수정</a:t>
             </a:r>
             <a:r>
-              <a:rPr lang="en-US" altLang="ko-KR" smtClean="0"/>
+              <a:rPr lang="en-US" altLang="ko-KR" dirty="0" smtClean="0"/>
               <a:t/>
             </a:r>
             <a:br>
-              <a:rPr lang="en-US" altLang="ko-KR" smtClean="0"/>
+              <a:rPr lang="en-US" altLang="ko-KR" dirty="0" smtClean="0"/>
             </a:br>
             <a:r>
-              <a:rPr lang="ko-KR" altLang="en-US" smtClean="0"/>
+              <a:rPr lang="ko-KR" altLang="en-US" dirty="0" smtClean="0"/>
               <a:t>게시물삭제후 페이지번호나 검색조건유지를 위해</a:t>
             </a:r>
             <a:r>
-              <a:rPr lang="en-US" altLang="ko-KR" smtClean="0"/>
+              <a:rPr lang="en-US" altLang="ko-KR" dirty="0" smtClean="0"/>
               <a:t/>
             </a:r>
             <a:br>
-              <a:rPr lang="en-US" altLang="ko-KR" smtClean="0"/>
+              <a:rPr lang="en-US" altLang="ko-KR" dirty="0" smtClean="0"/>
             </a:br>
             <a:r>
-              <a:rPr lang="en-US" altLang="ko-KR" smtClean="0"/>
+              <a:rPr lang="en-US" altLang="ko-KR" dirty="0" smtClean="0"/>
               <a:t>Criteria</a:t>
             </a:r>
             <a:r>
-              <a:rPr lang="ko-KR" altLang="en-US" smtClean="0"/>
+              <a:rPr lang="ko-KR" altLang="en-US" dirty="0" smtClean="0"/>
               <a:t>변경</a:t>
             </a:r>
-            <a:endParaRPr lang="ko-KR" altLang="en-US"/>
+            <a:endParaRPr lang="ko-KR" altLang="en-US" dirty="0"/>
           </a:p>
         </p:txBody>
       </p:sp>
@@ -34463,11 +34491,11 @@
           <a:lstStyle/>
           <a:p>
             <a:r>
-              <a:rPr lang="en-US" altLang="ko-KR"/>
+              <a:rPr lang="en-US" altLang="ko-KR" dirty="0"/>
               <a:t>Quartz</a:t>
             </a:r>
             <a:r>
-              <a:rPr lang="ko-KR" altLang="en-US"/>
+              <a:rPr lang="ko-KR" altLang="en-US" dirty="0"/>
               <a:t>라이브러리 설정 </a:t>
             </a:r>
           </a:p>
@@ -34495,15 +34523,15 @@
           <a:lstStyle/>
           <a:p>
             <a:r>
-              <a:rPr lang="ko-KR" altLang="en-US"/>
+              <a:rPr lang="ko-KR" altLang="en-US" dirty="0"/>
               <a:t>주기적으로 반복해야 하는 작업을 </a:t>
             </a:r>
             <a:r>
-              <a:rPr lang="en-US" altLang="ko-KR"/>
+              <a:rPr lang="en-US" altLang="ko-KR" dirty="0"/>
               <a:t>Java</a:t>
             </a:r>
             <a:r>
-              <a:rPr lang="ko-KR" altLang="en-US"/>
+              <a:rPr lang="ko-KR" altLang="en-US" dirty="0"/>
               <a:t>를 이용해서 처리할 수 있도록 하는 경우에 사용 </a:t>
             </a:r>
           </a:p>
@@ -34559,7 +34587,7 @@
               </a:spcAft>
             </a:pPr>
             <a:r>
-              <a:rPr lang="en-US" altLang="ko-KR" sz="1100">
+              <a:rPr lang="en-US" altLang="ko-KR" sz="1100" dirty="0">
                 <a:solidFill>
                   <a:srgbClr val="3F5FBF"/>
                 </a:solidFill>
@@ -34568,7 +34596,7 @@
               </a:rPr>
               <a:t>&lt;!-- https://mvnrepository.com/artifact/org.quartz-scheduler/quartz --&gt;</a:t>
             </a:r>
-            <a:endParaRPr lang="ko-KR" altLang="ko-KR" sz="1200">
+            <a:endParaRPr lang="ko-KR" altLang="ko-KR" sz="1200" dirty="0">
               <a:latin typeface="맑은 고딕" panose="020B0503020000020004" pitchFamily="50" charset="-127"/>
               <a:cs typeface="Arial" panose="020B0604020202020204" pitchFamily="34" charset="0"/>
             </a:endParaRPr>
@@ -34583,7 +34611,7 @@
               </a:spcAft>
             </a:pPr>
             <a:r>
-              <a:rPr lang="en-US" altLang="ko-KR" sz="1100">
+              <a:rPr lang="en-US" altLang="ko-KR" sz="1100" dirty="0">
                 <a:solidFill>
                   <a:srgbClr val="000000"/>
                 </a:solidFill>
@@ -34593,7 +34621,7 @@
               <a:t>  </a:t>
             </a:r>
             <a:r>
-              <a:rPr lang="en-US" altLang="ko-KR" sz="1100">
+              <a:rPr lang="en-US" altLang="ko-KR" sz="1100" dirty="0">
                 <a:solidFill>
                   <a:srgbClr val="008080"/>
                 </a:solidFill>
@@ -34603,7 +34631,7 @@
               <a:t>&lt;</a:t>
             </a:r>
             <a:r>
-              <a:rPr lang="en-US" altLang="ko-KR" sz="1100">
+              <a:rPr lang="en-US" altLang="ko-KR" sz="1100" dirty="0">
                 <a:solidFill>
                   <a:srgbClr val="3F7F7F"/>
                 </a:solidFill>
@@ -34613,7 +34641,7 @@
               <a:t>dependency</a:t>
             </a:r>
             <a:r>
-              <a:rPr lang="en-US" altLang="ko-KR" sz="1100">
+              <a:rPr lang="en-US" altLang="ko-KR" sz="1100" dirty="0">
                 <a:solidFill>
                   <a:srgbClr val="008080"/>
                 </a:solidFill>
@@ -34622,7 +34650,7 @@
               </a:rPr>
               <a:t>&gt;</a:t>
             </a:r>
-            <a:endParaRPr lang="ko-KR" altLang="ko-KR" sz="1200">
+            <a:endParaRPr lang="ko-KR" altLang="ko-KR" sz="1200" dirty="0">
               <a:latin typeface="맑은 고딕" panose="020B0503020000020004" pitchFamily="50" charset="-127"/>
               <a:cs typeface="Arial" panose="020B0604020202020204" pitchFamily="34" charset="0"/>
             </a:endParaRPr>
@@ -34637,7 +34665,7 @@
               </a:spcAft>
             </a:pPr>
             <a:r>
-              <a:rPr lang="en-US" altLang="ko-KR" sz="1100">
+              <a:rPr lang="en-US" altLang="ko-KR" sz="1100" dirty="0">
                 <a:solidFill>
                   <a:srgbClr val="000000"/>
                 </a:solidFill>
@@ -34647,7 +34675,7 @@
               <a:t>    </a:t>
             </a:r>
             <a:r>
-              <a:rPr lang="en-US" altLang="ko-KR" sz="1100">
+              <a:rPr lang="en-US" altLang="ko-KR" sz="1100" dirty="0">
                 <a:solidFill>
                   <a:srgbClr val="008080"/>
                 </a:solidFill>
@@ -34657,7 +34685,7 @@
               <a:t>&lt;</a:t>
             </a:r>
             <a:r>
-              <a:rPr lang="en-US" altLang="ko-KR" sz="1100">
+              <a:rPr lang="en-US" altLang="ko-KR" sz="1100" dirty="0" err="1">
                 <a:solidFill>
                   <a:srgbClr val="3F7F7F"/>
                 </a:solidFill>
@@ -34667,7 +34695,7 @@
               <a:t>groupId</a:t>
             </a:r>
             <a:r>
-              <a:rPr lang="en-US" altLang="ko-KR" sz="1100">
+              <a:rPr lang="en-US" altLang="ko-KR" sz="1100" dirty="0">
                 <a:solidFill>
                   <a:srgbClr val="008080"/>
                 </a:solidFill>
@@ -34677,17 +34705,27 @@
               <a:t>&gt;</a:t>
             </a:r>
             <a:r>
-              <a:rPr lang="en-US" altLang="ko-KR" sz="1100">
-                <a:solidFill>
-                  <a:srgbClr val="000000"/>
-                </a:solidFill>
-                <a:latin typeface="Consolas" panose="020B0609020204030204" pitchFamily="49" charset="0"/>
-                <a:cs typeface="Consolas" panose="020B0609020204030204" pitchFamily="49" charset="0"/>
-              </a:rPr>
-              <a:t>org.quartz-scheduler</a:t>
-            </a:r>
-            <a:r>
-              <a:rPr lang="en-US" altLang="ko-KR" sz="1100">
+              <a:rPr lang="en-US" altLang="ko-KR" sz="1100" dirty="0" err="1">
+                <a:solidFill>
+                  <a:srgbClr val="000000"/>
+                </a:solidFill>
+                <a:latin typeface="Consolas" panose="020B0609020204030204" pitchFamily="49" charset="0"/>
+                <a:cs typeface="Consolas" panose="020B0609020204030204" pitchFamily="49" charset="0"/>
+              </a:rPr>
+              <a:t>org.quartz</a:t>
+            </a:r>
+            <a:r>
+              <a:rPr lang="en-US" altLang="ko-KR" sz="1100" dirty="0">
+                <a:solidFill>
+                  <a:srgbClr val="000000"/>
+                </a:solidFill>
+                <a:latin typeface="Consolas" panose="020B0609020204030204" pitchFamily="49" charset="0"/>
+                <a:cs typeface="Consolas" panose="020B0609020204030204" pitchFamily="49" charset="0"/>
+              </a:rPr>
+              <a:t>-scheduler</a:t>
+            </a:r>
+            <a:r>
+              <a:rPr lang="en-US" altLang="ko-KR" sz="1100" dirty="0">
                 <a:solidFill>
                   <a:srgbClr val="008080"/>
                 </a:solidFill>
@@ -34697,7 +34735,7 @@
               <a:t>&lt;/</a:t>
             </a:r>
             <a:r>
-              <a:rPr lang="en-US" altLang="ko-KR" sz="1100">
+              <a:rPr lang="en-US" altLang="ko-KR" sz="1100" dirty="0" err="1">
                 <a:solidFill>
                   <a:srgbClr val="3F7F7F"/>
                 </a:solidFill>
@@ -34707,7 +34745,7 @@
               <a:t>groupId</a:t>
             </a:r>
             <a:r>
-              <a:rPr lang="en-US" altLang="ko-KR" sz="1100">
+              <a:rPr lang="en-US" altLang="ko-KR" sz="1100" dirty="0">
                 <a:solidFill>
                   <a:srgbClr val="008080"/>
                 </a:solidFill>
@@ -34716,7 +34754,7 @@
               </a:rPr>
               <a:t>&gt;</a:t>
             </a:r>
-            <a:endParaRPr lang="ko-KR" altLang="ko-KR" sz="1200">
+            <a:endParaRPr lang="ko-KR" altLang="ko-KR" sz="1200" dirty="0">
               <a:latin typeface="맑은 고딕" panose="020B0503020000020004" pitchFamily="50" charset="-127"/>
               <a:cs typeface="Arial" panose="020B0604020202020204" pitchFamily="34" charset="0"/>
             </a:endParaRPr>
@@ -34731,7 +34769,7 @@
               </a:spcAft>
             </a:pPr>
             <a:r>
-              <a:rPr lang="en-US" altLang="ko-KR" sz="1100">
+              <a:rPr lang="en-US" altLang="ko-KR" sz="1100" dirty="0">
                 <a:solidFill>
                   <a:srgbClr val="000000"/>
                 </a:solidFill>
@@ -34741,7 +34779,7 @@
               <a:t>    </a:t>
             </a:r>
             <a:r>
-              <a:rPr lang="en-US" altLang="ko-KR" sz="1100">
+              <a:rPr lang="en-US" altLang="ko-KR" sz="1100" dirty="0">
                 <a:solidFill>
                   <a:srgbClr val="008080"/>
                 </a:solidFill>
@@ -34751,7 +34789,7 @@
               <a:t>&lt;</a:t>
             </a:r>
             <a:r>
-              <a:rPr lang="en-US" altLang="ko-KR" sz="1100">
+              <a:rPr lang="en-US" altLang="ko-KR" sz="1100" dirty="0" err="1">
                 <a:solidFill>
                   <a:srgbClr val="3F7F7F"/>
                 </a:solidFill>
@@ -34761,7 +34799,7 @@
               <a:t>artifactId</a:t>
             </a:r>
             <a:r>
-              <a:rPr lang="en-US" altLang="ko-KR" sz="1100">
+              <a:rPr lang="en-US" altLang="ko-KR" sz="1100" dirty="0">
                 <a:solidFill>
                   <a:srgbClr val="008080"/>
                 </a:solidFill>
@@ -34771,7 +34809,7 @@
               <a:t>&gt;</a:t>
             </a:r>
             <a:r>
-              <a:rPr lang="en-US" altLang="ko-KR" sz="1100">
+              <a:rPr lang="en-US" altLang="ko-KR" sz="1100" dirty="0">
                 <a:solidFill>
                   <a:srgbClr val="000000"/>
                 </a:solidFill>
@@ -34781,7 +34819,7 @@
               <a:t>quartz</a:t>
             </a:r>
             <a:r>
-              <a:rPr lang="en-US" altLang="ko-KR" sz="1100">
+              <a:rPr lang="en-US" altLang="ko-KR" sz="1100" dirty="0">
                 <a:solidFill>
                   <a:srgbClr val="008080"/>
                 </a:solidFill>
@@ -34791,7 +34829,7 @@
               <a:t>&lt;/</a:t>
             </a:r>
             <a:r>
-              <a:rPr lang="en-US" altLang="ko-KR" sz="1100">
+              <a:rPr lang="en-US" altLang="ko-KR" sz="1100" dirty="0" err="1">
                 <a:solidFill>
                   <a:srgbClr val="3F7F7F"/>
                 </a:solidFill>
@@ -34801,7 +34839,7 @@
               <a:t>artifactId</a:t>
             </a:r>
             <a:r>
-              <a:rPr lang="en-US" altLang="ko-KR" sz="1100">
+              <a:rPr lang="en-US" altLang="ko-KR" sz="1100" dirty="0">
                 <a:solidFill>
                   <a:srgbClr val="008080"/>
                 </a:solidFill>
@@ -34810,7 +34848,7 @@
               </a:rPr>
               <a:t>&gt;</a:t>
             </a:r>
-            <a:endParaRPr lang="ko-KR" altLang="ko-KR" sz="1200">
+            <a:endParaRPr lang="ko-KR" altLang="ko-KR" sz="1200" dirty="0">
               <a:latin typeface="맑은 고딕" panose="020B0503020000020004" pitchFamily="50" charset="-127"/>
               <a:cs typeface="Arial" panose="020B0604020202020204" pitchFamily="34" charset="0"/>
             </a:endParaRPr>
@@ -34825,7 +34863,7 @@
               </a:spcAft>
             </a:pPr>
             <a:r>
-              <a:rPr lang="en-US" altLang="ko-KR" sz="1100">
+              <a:rPr lang="en-US" altLang="ko-KR" sz="1100" dirty="0">
                 <a:solidFill>
                   <a:srgbClr val="000000"/>
                 </a:solidFill>
@@ -34835,7 +34873,7 @@
               <a:t>    </a:t>
             </a:r>
             <a:r>
-              <a:rPr lang="en-US" altLang="ko-KR" sz="1100">
+              <a:rPr lang="en-US" altLang="ko-KR" sz="1100" dirty="0">
                 <a:solidFill>
                   <a:srgbClr val="008080"/>
                 </a:solidFill>
@@ -34845,7 +34883,7 @@
               <a:t>&lt;</a:t>
             </a:r>
             <a:r>
-              <a:rPr lang="en-US" altLang="ko-KR" sz="1100">
+              <a:rPr lang="en-US" altLang="ko-KR" sz="1100" dirty="0">
                 <a:solidFill>
                   <a:srgbClr val="3F7F7F"/>
                 </a:solidFill>
@@ -34855,7 +34893,7 @@
               <a:t>version</a:t>
             </a:r>
             <a:r>
-              <a:rPr lang="en-US" altLang="ko-KR" sz="1100">
+              <a:rPr lang="en-US" altLang="ko-KR" sz="1100" dirty="0">
                 <a:solidFill>
                   <a:srgbClr val="008080"/>
                 </a:solidFill>
@@ -34865,7 +34903,7 @@
               <a:t>&gt;</a:t>
             </a:r>
             <a:r>
-              <a:rPr lang="en-US" altLang="ko-KR" sz="1100">
+              <a:rPr lang="en-US" altLang="ko-KR" sz="1100" dirty="0">
                 <a:solidFill>
                   <a:srgbClr val="000000"/>
                 </a:solidFill>
@@ -34875,7 +34913,7 @@
               <a:t>2.3.0</a:t>
             </a:r>
             <a:r>
-              <a:rPr lang="en-US" altLang="ko-KR" sz="1100">
+              <a:rPr lang="en-US" altLang="ko-KR" sz="1100" dirty="0">
                 <a:solidFill>
                   <a:srgbClr val="008080"/>
                 </a:solidFill>
@@ -34885,7 +34923,7 @@
               <a:t>&lt;/</a:t>
             </a:r>
             <a:r>
-              <a:rPr lang="en-US" altLang="ko-KR" sz="1100">
+              <a:rPr lang="en-US" altLang="ko-KR" sz="1100" dirty="0">
                 <a:solidFill>
                   <a:srgbClr val="3F7F7F"/>
                 </a:solidFill>
@@ -34895,7 +34933,7 @@
               <a:t>version</a:t>
             </a:r>
             <a:r>
-              <a:rPr lang="en-US" altLang="ko-KR" sz="1100">
+              <a:rPr lang="en-US" altLang="ko-KR" sz="1100" dirty="0">
                 <a:solidFill>
                   <a:srgbClr val="008080"/>
                 </a:solidFill>
@@ -34904,7 +34942,7 @@
               </a:rPr>
               <a:t>&gt;</a:t>
             </a:r>
-            <a:endParaRPr lang="ko-KR" altLang="ko-KR" sz="1200">
+            <a:endParaRPr lang="ko-KR" altLang="ko-KR" sz="1200" dirty="0">
               <a:latin typeface="맑은 고딕" panose="020B0503020000020004" pitchFamily="50" charset="-127"/>
               <a:cs typeface="Arial" panose="020B0604020202020204" pitchFamily="34" charset="0"/>
             </a:endParaRPr>
@@ -34919,7 +34957,7 @@
               </a:spcAft>
             </a:pPr>
             <a:r>
-              <a:rPr lang="en-US" altLang="ko-KR" sz="1100">
+              <a:rPr lang="en-US" altLang="ko-KR" sz="1100" dirty="0">
                 <a:solidFill>
                   <a:srgbClr val="000000"/>
                 </a:solidFill>
@@ -34929,7 +34967,7 @@
               <a:t>  </a:t>
             </a:r>
             <a:r>
-              <a:rPr lang="en-US" altLang="ko-KR" sz="1100">
+              <a:rPr lang="en-US" altLang="ko-KR" sz="1100" dirty="0">
                 <a:solidFill>
                   <a:srgbClr val="008080"/>
                 </a:solidFill>
@@ -34939,7 +34977,7 @@
               <a:t>&lt;/</a:t>
             </a:r>
             <a:r>
-              <a:rPr lang="en-US" altLang="ko-KR" sz="1100">
+              <a:rPr lang="en-US" altLang="ko-KR" sz="1100" dirty="0">
                 <a:solidFill>
                   <a:srgbClr val="3F7F7F"/>
                 </a:solidFill>
@@ -34949,7 +34987,7 @@
               <a:t>dependency</a:t>
             </a:r>
             <a:r>
-              <a:rPr lang="en-US" altLang="ko-KR" sz="1100">
+              <a:rPr lang="en-US" altLang="ko-KR" sz="1100" dirty="0">
                 <a:solidFill>
                   <a:srgbClr val="008080"/>
                 </a:solidFill>
@@ -34958,7 +34996,7 @@
               </a:rPr>
               <a:t>&gt;</a:t>
             </a:r>
-            <a:endParaRPr lang="ko-KR" altLang="ko-KR" sz="1200">
+            <a:endParaRPr lang="ko-KR" altLang="ko-KR" sz="1200" dirty="0">
               <a:latin typeface="맑은 고딕" panose="020B0503020000020004" pitchFamily="50" charset="-127"/>
               <a:cs typeface="Arial" panose="020B0604020202020204" pitchFamily="34" charset="0"/>
             </a:endParaRPr>
@@ -34973,13 +35011,13 @@
               </a:spcAft>
             </a:pPr>
             <a:r>
-              <a:rPr lang="en-US" altLang="ko-KR" sz="1100">
+              <a:rPr lang="en-US" altLang="ko-KR" sz="1100" dirty="0">
                 <a:latin typeface="Consolas" panose="020B0609020204030204" pitchFamily="49" charset="0"/>
                 <a:cs typeface="Consolas" panose="020B0609020204030204" pitchFamily="49" charset="0"/>
               </a:rPr>
               <a:t> </a:t>
             </a:r>
-            <a:endParaRPr lang="ko-KR" altLang="ko-KR" sz="1200">
+            <a:endParaRPr lang="ko-KR" altLang="ko-KR" sz="1200" dirty="0">
               <a:latin typeface="맑은 고딕" panose="020B0503020000020004" pitchFamily="50" charset="-127"/>
               <a:cs typeface="Arial" panose="020B0604020202020204" pitchFamily="34" charset="0"/>
             </a:endParaRPr>
@@ -34994,13 +35032,13 @@
               </a:spcAft>
             </a:pPr>
             <a:r>
-              <a:rPr lang="en-US" altLang="ko-KR" sz="1100">
+              <a:rPr lang="en-US" altLang="ko-KR" sz="1100" dirty="0">
                 <a:latin typeface="Consolas" panose="020B0609020204030204" pitchFamily="49" charset="0"/>
                 <a:cs typeface="Consolas" panose="020B0609020204030204" pitchFamily="49" charset="0"/>
               </a:rPr>
               <a:t> </a:t>
             </a:r>
-            <a:endParaRPr lang="ko-KR" altLang="ko-KR" sz="1200">
+            <a:endParaRPr lang="ko-KR" altLang="ko-KR" sz="1200" dirty="0">
               <a:latin typeface="맑은 고딕" panose="020B0503020000020004" pitchFamily="50" charset="-127"/>
               <a:cs typeface="Arial" panose="020B0604020202020204" pitchFamily="34" charset="0"/>
             </a:endParaRPr>
@@ -35015,7 +35053,7 @@
               </a:spcAft>
             </a:pPr>
             <a:r>
-              <a:rPr lang="en-US" altLang="ko-KR" sz="1100">
+              <a:rPr lang="en-US" altLang="ko-KR" sz="1100" dirty="0">
                 <a:solidFill>
                   <a:srgbClr val="000000"/>
                 </a:solidFill>
@@ -35025,7 +35063,7 @@
               <a:t>  </a:t>
             </a:r>
             <a:r>
-              <a:rPr lang="en-US" altLang="ko-KR" sz="1100">
+              <a:rPr lang="en-US" altLang="ko-KR" sz="1100" dirty="0">
                 <a:solidFill>
                   <a:srgbClr val="3F5FBF"/>
                 </a:solidFill>
@@ -35034,7 +35072,7 @@
               </a:rPr>
               <a:t>&lt;!-- https://mvnrepository.com/artifact/org.quartz-scheduler/quartz-jobs --&gt;</a:t>
             </a:r>
-            <a:endParaRPr lang="ko-KR" altLang="ko-KR" sz="1200">
+            <a:endParaRPr lang="ko-KR" altLang="ko-KR" sz="1200" dirty="0">
               <a:latin typeface="맑은 고딕" panose="020B0503020000020004" pitchFamily="50" charset="-127"/>
               <a:cs typeface="Arial" panose="020B0604020202020204" pitchFamily="34" charset="0"/>
             </a:endParaRPr>
@@ -35049,7 +35087,7 @@
               </a:spcAft>
             </a:pPr>
             <a:r>
-              <a:rPr lang="en-US" altLang="ko-KR" sz="1100">
+              <a:rPr lang="en-US" altLang="ko-KR" sz="1100" dirty="0">
                 <a:solidFill>
                   <a:srgbClr val="000000"/>
                 </a:solidFill>
@@ -35059,7 +35097,7 @@
               <a:t>  </a:t>
             </a:r>
             <a:r>
-              <a:rPr lang="en-US" altLang="ko-KR" sz="1100">
+              <a:rPr lang="en-US" altLang="ko-KR" sz="1100" dirty="0">
                 <a:solidFill>
                   <a:srgbClr val="008080"/>
                 </a:solidFill>
@@ -35069,7 +35107,7 @@
               <a:t>&lt;</a:t>
             </a:r>
             <a:r>
-              <a:rPr lang="en-US" altLang="ko-KR" sz="1100">
+              <a:rPr lang="en-US" altLang="ko-KR" sz="1100" dirty="0">
                 <a:solidFill>
                   <a:srgbClr val="3F7F7F"/>
                 </a:solidFill>
@@ -35079,7 +35117,7 @@
               <a:t>dependency</a:t>
             </a:r>
             <a:r>
-              <a:rPr lang="en-US" altLang="ko-KR" sz="1100">
+              <a:rPr lang="en-US" altLang="ko-KR" sz="1100" dirty="0">
                 <a:solidFill>
                   <a:srgbClr val="008080"/>
                 </a:solidFill>
@@ -35088,7 +35126,7 @@
               </a:rPr>
               <a:t>&gt;</a:t>
             </a:r>
-            <a:endParaRPr lang="ko-KR" altLang="ko-KR" sz="1200">
+            <a:endParaRPr lang="ko-KR" altLang="ko-KR" sz="1200" dirty="0">
               <a:latin typeface="맑은 고딕" panose="020B0503020000020004" pitchFamily="50" charset="-127"/>
               <a:cs typeface="Arial" panose="020B0604020202020204" pitchFamily="34" charset="0"/>
             </a:endParaRPr>
@@ -35103,7 +35141,7 @@
               </a:spcAft>
             </a:pPr>
             <a:r>
-              <a:rPr lang="en-US" altLang="ko-KR" sz="1100">
+              <a:rPr lang="en-US" altLang="ko-KR" sz="1100" dirty="0">
                 <a:solidFill>
                   <a:srgbClr val="000000"/>
                 </a:solidFill>
@@ -35113,7 +35151,7 @@
               <a:t>    </a:t>
             </a:r>
             <a:r>
-              <a:rPr lang="en-US" altLang="ko-KR" sz="1100">
+              <a:rPr lang="en-US" altLang="ko-KR" sz="1100" dirty="0">
                 <a:solidFill>
                   <a:srgbClr val="008080"/>
                 </a:solidFill>
@@ -35123,7 +35161,7 @@
               <a:t>&lt;</a:t>
             </a:r>
             <a:r>
-              <a:rPr lang="en-US" altLang="ko-KR" sz="1100">
+              <a:rPr lang="en-US" altLang="ko-KR" sz="1100" dirty="0" err="1">
                 <a:solidFill>
                   <a:srgbClr val="3F7F7F"/>
                 </a:solidFill>
@@ -35133,7 +35171,7 @@
               <a:t>groupId</a:t>
             </a:r>
             <a:r>
-              <a:rPr lang="en-US" altLang="ko-KR" sz="1100">
+              <a:rPr lang="en-US" altLang="ko-KR" sz="1100" dirty="0">
                 <a:solidFill>
                   <a:srgbClr val="008080"/>
                 </a:solidFill>
@@ -35143,17 +35181,27 @@
               <a:t>&gt;</a:t>
             </a:r>
             <a:r>
-              <a:rPr lang="en-US" altLang="ko-KR" sz="1100">
-                <a:solidFill>
-                  <a:srgbClr val="000000"/>
-                </a:solidFill>
-                <a:latin typeface="Consolas" panose="020B0609020204030204" pitchFamily="49" charset="0"/>
-                <a:cs typeface="Consolas" panose="020B0609020204030204" pitchFamily="49" charset="0"/>
-              </a:rPr>
-              <a:t>org.quartz-scheduler</a:t>
-            </a:r>
-            <a:r>
-              <a:rPr lang="en-US" altLang="ko-KR" sz="1100">
+              <a:rPr lang="en-US" altLang="ko-KR" sz="1100" dirty="0" err="1">
+                <a:solidFill>
+                  <a:srgbClr val="000000"/>
+                </a:solidFill>
+                <a:latin typeface="Consolas" panose="020B0609020204030204" pitchFamily="49" charset="0"/>
+                <a:cs typeface="Consolas" panose="020B0609020204030204" pitchFamily="49" charset="0"/>
+              </a:rPr>
+              <a:t>org.quartz</a:t>
+            </a:r>
+            <a:r>
+              <a:rPr lang="en-US" altLang="ko-KR" sz="1100" dirty="0">
+                <a:solidFill>
+                  <a:srgbClr val="000000"/>
+                </a:solidFill>
+                <a:latin typeface="Consolas" panose="020B0609020204030204" pitchFamily="49" charset="0"/>
+                <a:cs typeface="Consolas" panose="020B0609020204030204" pitchFamily="49" charset="0"/>
+              </a:rPr>
+              <a:t>-scheduler</a:t>
+            </a:r>
+            <a:r>
+              <a:rPr lang="en-US" altLang="ko-KR" sz="1100" dirty="0">
                 <a:solidFill>
                   <a:srgbClr val="008080"/>
                 </a:solidFill>
@@ -35163,7 +35211,7 @@
               <a:t>&lt;/</a:t>
             </a:r>
             <a:r>
-              <a:rPr lang="en-US" altLang="ko-KR" sz="1100">
+              <a:rPr lang="en-US" altLang="ko-KR" sz="1100" dirty="0" err="1">
                 <a:solidFill>
                   <a:srgbClr val="3F7F7F"/>
                 </a:solidFill>
@@ -35173,7 +35221,7 @@
               <a:t>groupId</a:t>
             </a:r>
             <a:r>
-              <a:rPr lang="en-US" altLang="ko-KR" sz="1100">
+              <a:rPr lang="en-US" altLang="ko-KR" sz="1100" dirty="0">
                 <a:solidFill>
                   <a:srgbClr val="008080"/>
                 </a:solidFill>
@@ -35182,7 +35230,7 @@
               </a:rPr>
               <a:t>&gt;</a:t>
             </a:r>
-            <a:endParaRPr lang="ko-KR" altLang="ko-KR" sz="1200">
+            <a:endParaRPr lang="ko-KR" altLang="ko-KR" sz="1200" dirty="0">
               <a:latin typeface="맑은 고딕" panose="020B0503020000020004" pitchFamily="50" charset="-127"/>
               <a:cs typeface="Arial" panose="020B0604020202020204" pitchFamily="34" charset="0"/>
             </a:endParaRPr>
@@ -35197,7 +35245,7 @@
               </a:spcAft>
             </a:pPr>
             <a:r>
-              <a:rPr lang="en-US" altLang="ko-KR" sz="1100">
+              <a:rPr lang="en-US" altLang="ko-KR" sz="1100" dirty="0">
                 <a:solidFill>
                   <a:srgbClr val="000000"/>
                 </a:solidFill>
@@ -35207,7 +35255,7 @@
               <a:t>    </a:t>
             </a:r>
             <a:r>
-              <a:rPr lang="en-US" altLang="ko-KR" sz="1100">
+              <a:rPr lang="en-US" altLang="ko-KR" sz="1100" dirty="0">
                 <a:solidFill>
                   <a:srgbClr val="008080"/>
                 </a:solidFill>
@@ -35217,7 +35265,7 @@
               <a:t>&lt;</a:t>
             </a:r>
             <a:r>
-              <a:rPr lang="en-US" altLang="ko-KR" sz="1100">
+              <a:rPr lang="en-US" altLang="ko-KR" sz="1100" dirty="0" err="1">
                 <a:solidFill>
                   <a:srgbClr val="3F7F7F"/>
                 </a:solidFill>
@@ -35227,7 +35275,7 @@
               <a:t>artifactId</a:t>
             </a:r>
             <a:r>
-              <a:rPr lang="en-US" altLang="ko-KR" sz="1100">
+              <a:rPr lang="en-US" altLang="ko-KR" sz="1100" dirty="0">
                 <a:solidFill>
                   <a:srgbClr val="008080"/>
                 </a:solidFill>
@@ -35237,7 +35285,7 @@
               <a:t>&gt;</a:t>
             </a:r>
             <a:r>
-              <a:rPr lang="en-US" altLang="ko-KR" sz="1100">
+              <a:rPr lang="en-US" altLang="ko-KR" sz="1100" dirty="0">
                 <a:solidFill>
                   <a:srgbClr val="000000"/>
                 </a:solidFill>
@@ -35247,7 +35295,7 @@
               <a:t>quartz-jobs</a:t>
             </a:r>
             <a:r>
-              <a:rPr lang="en-US" altLang="ko-KR" sz="1100">
+              <a:rPr lang="en-US" altLang="ko-KR" sz="1100" dirty="0">
                 <a:solidFill>
                   <a:srgbClr val="008080"/>
                 </a:solidFill>
@@ -35257,7 +35305,7 @@
               <a:t>&lt;/</a:t>
             </a:r>
             <a:r>
-              <a:rPr lang="en-US" altLang="ko-KR" sz="1100">
+              <a:rPr lang="en-US" altLang="ko-KR" sz="1100" dirty="0" err="1">
                 <a:solidFill>
                   <a:srgbClr val="3F7F7F"/>
                 </a:solidFill>
@@ -35267,7 +35315,7 @@
               <a:t>artifactId</a:t>
             </a:r>
             <a:r>
-              <a:rPr lang="en-US" altLang="ko-KR" sz="1100">
+              <a:rPr lang="en-US" altLang="ko-KR" sz="1100" dirty="0">
                 <a:solidFill>
                   <a:srgbClr val="008080"/>
                 </a:solidFill>
@@ -35276,7 +35324,7 @@
               </a:rPr>
               <a:t>&gt;</a:t>
             </a:r>
-            <a:endParaRPr lang="ko-KR" altLang="ko-KR" sz="1200">
+            <a:endParaRPr lang="ko-KR" altLang="ko-KR" sz="1200" dirty="0">
               <a:latin typeface="맑은 고딕" panose="020B0503020000020004" pitchFamily="50" charset="-127"/>
               <a:cs typeface="Arial" panose="020B0604020202020204" pitchFamily="34" charset="0"/>
             </a:endParaRPr>
@@ -35291,7 +35339,7 @@
               </a:spcAft>
             </a:pPr>
             <a:r>
-              <a:rPr lang="en-US" altLang="ko-KR" sz="1100">
+              <a:rPr lang="en-US" altLang="ko-KR" sz="1100" dirty="0">
                 <a:solidFill>
                   <a:srgbClr val="000000"/>
                 </a:solidFill>
@@ -35301,7 +35349,7 @@
               <a:t>    </a:t>
             </a:r>
             <a:r>
-              <a:rPr lang="en-US" altLang="ko-KR" sz="1100">
+              <a:rPr lang="en-US" altLang="ko-KR" sz="1100" dirty="0">
                 <a:solidFill>
                   <a:srgbClr val="008080"/>
                 </a:solidFill>
@@ -35311,7 +35359,7 @@
               <a:t>&lt;</a:t>
             </a:r>
             <a:r>
-              <a:rPr lang="en-US" altLang="ko-KR" sz="1100">
+              <a:rPr lang="en-US" altLang="ko-KR" sz="1100" dirty="0">
                 <a:solidFill>
                   <a:srgbClr val="3F7F7F"/>
                 </a:solidFill>
@@ -35321,7 +35369,7 @@
               <a:t>version</a:t>
             </a:r>
             <a:r>
-              <a:rPr lang="en-US" altLang="ko-KR" sz="1100">
+              <a:rPr lang="en-US" altLang="ko-KR" sz="1100" dirty="0">
                 <a:solidFill>
                   <a:srgbClr val="008080"/>
                 </a:solidFill>
@@ -35331,7 +35379,7 @@
               <a:t>&gt;</a:t>
             </a:r>
             <a:r>
-              <a:rPr lang="en-US" altLang="ko-KR" sz="1100">
+              <a:rPr lang="en-US" altLang="ko-KR" sz="1100" dirty="0">
                 <a:solidFill>
                   <a:srgbClr val="000000"/>
                 </a:solidFill>
@@ -35341,7 +35389,7 @@
               <a:t>2.3.0</a:t>
             </a:r>
             <a:r>
-              <a:rPr lang="en-US" altLang="ko-KR" sz="1100">
+              <a:rPr lang="en-US" altLang="ko-KR" sz="1100" dirty="0">
                 <a:solidFill>
                   <a:srgbClr val="008080"/>
                 </a:solidFill>
@@ -35351,7 +35399,7 @@
               <a:t>&lt;/</a:t>
             </a:r>
             <a:r>
-              <a:rPr lang="en-US" altLang="ko-KR" sz="1100">
+              <a:rPr lang="en-US" altLang="ko-KR" sz="1100" dirty="0">
                 <a:solidFill>
                   <a:srgbClr val="3F7F7F"/>
                 </a:solidFill>
@@ -35361,7 +35409,7 @@
               <a:t>version</a:t>
             </a:r>
             <a:r>
-              <a:rPr lang="en-US" altLang="ko-KR" sz="1100">
+              <a:rPr lang="en-US" altLang="ko-KR" sz="1100" dirty="0">
                 <a:solidFill>
                   <a:srgbClr val="008080"/>
                 </a:solidFill>
@@ -35370,14 +35418,14 @@
               </a:rPr>
               <a:t>&gt;</a:t>
             </a:r>
-            <a:endParaRPr lang="ko-KR" altLang="ko-KR" sz="1200">
+            <a:endParaRPr lang="ko-KR" altLang="ko-KR" sz="1200" dirty="0">
               <a:latin typeface="맑은 고딕" panose="020B0503020000020004" pitchFamily="50" charset="-127"/>
               <a:cs typeface="Arial" panose="020B0604020202020204" pitchFamily="34" charset="0"/>
             </a:endParaRPr>
           </a:p>
           <a:p>
             <a:r>
-              <a:rPr lang="en-US" altLang="ko-KR" sz="1200">
+              <a:rPr lang="en-US" altLang="ko-KR" sz="1200" dirty="0">
                 <a:solidFill>
                   <a:srgbClr val="000000"/>
                 </a:solidFill>
@@ -35388,7 +35436,7 @@
               <a:t>  </a:t>
             </a:r>
             <a:r>
-              <a:rPr lang="en-US" altLang="ko-KR" sz="1200">
+              <a:rPr lang="en-US" altLang="ko-KR" sz="1200" dirty="0">
                 <a:solidFill>
                   <a:srgbClr val="008080"/>
                 </a:solidFill>
@@ -35399,7 +35447,7 @@
               <a:t>&lt;/</a:t>
             </a:r>
             <a:r>
-              <a:rPr lang="en-US" altLang="ko-KR" sz="1200">
+              <a:rPr lang="en-US" altLang="ko-KR" sz="1200" dirty="0">
                 <a:latin typeface="맑은 고딕" panose="020B0503020000020004" pitchFamily="50" charset="-127"/>
                 <a:ea typeface="나눔명조"/>
                 <a:cs typeface="Arial" panose="020B0604020202020204" pitchFamily="34" charset="0"/>
@@ -35407,7 +35455,7 @@
               <a:t>dependency</a:t>
             </a:r>
             <a:r>
-              <a:rPr lang="en-US" altLang="ko-KR" sz="1200">
+              <a:rPr lang="en-US" altLang="ko-KR" sz="1200" dirty="0">
                 <a:solidFill>
                   <a:srgbClr val="008080"/>
                 </a:solidFill>
@@ -35417,7 +35465,7 @@
               </a:rPr>
               <a:t>&gt;</a:t>
             </a:r>
-            <a:endParaRPr lang="ko-KR" altLang="en-US" sz="1100"/>
+            <a:endParaRPr lang="ko-KR" altLang="en-US" sz="1100" dirty="0"/>
           </a:p>
         </p:txBody>
       </p:sp>
@@ -35578,14 +35626,46 @@
               </a:spcAft>
             </a:pPr>
             <a:r>
-              <a:rPr lang="en-US" altLang="ko-KR" sz="1100">
+              <a:rPr lang="en-US" altLang="ko-KR" sz="1100" dirty="0">
                 <a:latin typeface="Consolas" panose="020B0609020204030204" pitchFamily="49" charset="0"/>
                 <a:ea typeface="나눔고딕코딩"/>
                 <a:cs typeface="나눔고딕코딩"/>
               </a:rPr>
-              <a:t> xsi:schemaLocation="http://mybatis.org/schema/mybatis-spring http://mybatis.org/schema/mybatis-spring-1.2.xsd</a:t>
-            </a:r>
-            <a:endParaRPr lang="ko-KR" altLang="ko-KR" sz="1100">
+              <a:t> </a:t>
+            </a:r>
+            <a:r>
+              <a:rPr lang="en-US" altLang="ko-KR" sz="1100" dirty="0" err="1">
+                <a:latin typeface="Consolas" panose="020B0609020204030204" pitchFamily="49" charset="0"/>
+                <a:ea typeface="나눔고딕코딩"/>
+                <a:cs typeface="나눔고딕코딩"/>
+              </a:rPr>
+              <a:t>xsi:schemaLocation</a:t>
+            </a:r>
+            <a:r>
+              <a:rPr lang="en-US" altLang="ko-KR" sz="1100" dirty="0">
+                <a:latin typeface="Consolas" panose="020B0609020204030204" pitchFamily="49" charset="0"/>
+                <a:ea typeface="나눔고딕코딩"/>
+                <a:cs typeface="나눔고딕코딩"/>
+              </a:rPr>
+              <a:t>="http://mybatis.org/schema/</a:t>
+            </a:r>
+            <a:r>
+              <a:rPr lang="en-US" altLang="ko-KR" sz="1100" dirty="0" err="1">
+                <a:latin typeface="Consolas" panose="020B0609020204030204" pitchFamily="49" charset="0"/>
+                <a:ea typeface="나눔고딕코딩"/>
+                <a:cs typeface="나눔고딕코딩"/>
+              </a:rPr>
+              <a:t>mybatis</a:t>
+            </a:r>
+            <a:r>
+              <a:rPr lang="en-US" altLang="ko-KR" sz="1100" dirty="0">
+                <a:latin typeface="Consolas" panose="020B0609020204030204" pitchFamily="49" charset="0"/>
+                <a:ea typeface="나눔고딕코딩"/>
+                <a:cs typeface="나눔고딕코딩"/>
+              </a:rPr>
+              <a:t>-spring http://mybatis.org/schema/mybatis-spring-1.2.xsd</a:t>
+            </a:r>
+            <a:endParaRPr lang="ko-KR" altLang="ko-KR" sz="1100" dirty="0">
               <a:latin typeface="Consolas" panose="020B0609020204030204" pitchFamily="49" charset="0"/>
               <a:ea typeface="나눔고딕코딩"/>
               <a:cs typeface="나눔고딕코딩"/>
@@ -35601,14 +35681,14 @@
               </a:spcAft>
             </a:pPr>
             <a:r>
-              <a:rPr lang="en-US" altLang="ko-KR" sz="1100">
+              <a:rPr lang="en-US" altLang="ko-KR" sz="1100" dirty="0">
                 <a:latin typeface="Consolas" panose="020B0609020204030204" pitchFamily="49" charset="0"/>
                 <a:ea typeface="나눔고딕코딩"/>
                 <a:cs typeface="나눔고딕코딩"/>
               </a:rPr>
               <a:t>    http://www.springframework.org/schema/task http://www.springframework.org/schema/task/spring-task-4.3.xsd</a:t>
             </a:r>
-            <a:endParaRPr lang="ko-KR" altLang="ko-KR" sz="1100">
+            <a:endParaRPr lang="ko-KR" altLang="ko-KR" sz="1100" dirty="0">
               <a:latin typeface="Consolas" panose="020B0609020204030204" pitchFamily="49" charset="0"/>
               <a:ea typeface="나눔고딕코딩"/>
               <a:cs typeface="나눔고딕코딩"/>
@@ -35624,14 +35704,14 @@
               </a:spcAft>
             </a:pPr>
             <a:r>
-              <a:rPr lang="en-US" altLang="ko-KR" sz="1100">
+              <a:rPr lang="en-US" altLang="ko-KR" sz="1100" dirty="0">
                 <a:latin typeface="Consolas" panose="020B0609020204030204" pitchFamily="49" charset="0"/>
                 <a:ea typeface="나눔고딕코딩"/>
                 <a:cs typeface="나눔고딕코딩"/>
               </a:rPr>
               <a:t>    http://www.springframework.org/schema/beans http://www.springframework.org/schema/beans/spring-beans.xsd</a:t>
             </a:r>
-            <a:endParaRPr lang="ko-KR" altLang="ko-KR" sz="1100">
+            <a:endParaRPr lang="ko-KR" altLang="ko-KR" sz="1100" dirty="0">
               <a:latin typeface="Consolas" panose="020B0609020204030204" pitchFamily="49" charset="0"/>
               <a:ea typeface="나눔고딕코딩"/>
               <a:cs typeface="나눔고딕코딩"/>
@@ -35647,14 +35727,14 @@
               </a:spcAft>
             </a:pPr>
             <a:r>
-              <a:rPr lang="en-US" altLang="ko-KR" sz="1100">
+              <a:rPr lang="en-US" altLang="ko-KR" sz="1100" dirty="0">
                 <a:latin typeface="Consolas" panose="020B0609020204030204" pitchFamily="49" charset="0"/>
                 <a:ea typeface="나눔고딕코딩"/>
                 <a:cs typeface="나눔고딕코딩"/>
               </a:rPr>
               <a:t>    http://www.springframework.org/schema/context http://www.springframework.org/schema/context/spring-context-4.3.xsd</a:t>
             </a:r>
-            <a:endParaRPr lang="ko-KR" altLang="ko-KR" sz="1100">
+            <a:endParaRPr lang="ko-KR" altLang="ko-KR" sz="1100" dirty="0">
               <a:latin typeface="Consolas" panose="020B0609020204030204" pitchFamily="49" charset="0"/>
               <a:ea typeface="나눔고딕코딩"/>
               <a:cs typeface="나눔고딕코딩"/>
@@ -35670,14 +35750,14 @@
               </a:spcAft>
             </a:pPr>
             <a:r>
-              <a:rPr lang="en-US" altLang="ko-KR" sz="1100">
+              <a:rPr lang="en-US" altLang="ko-KR" sz="1100" dirty="0">
                 <a:latin typeface="Consolas" panose="020B0609020204030204" pitchFamily="49" charset="0"/>
                 <a:ea typeface="나눔고딕코딩"/>
                 <a:cs typeface="나눔고딕코딩"/>
               </a:rPr>
               <a:t>    http://www.springframework.org/schema/aop http://www.springframework.org/schema/aop/spring-aop-4.3.xsd</a:t>
             </a:r>
-            <a:endParaRPr lang="ko-KR" altLang="ko-KR" sz="1100">
+            <a:endParaRPr lang="ko-KR" altLang="ko-KR" sz="1100" dirty="0">
               <a:latin typeface="Consolas" panose="020B0609020204030204" pitchFamily="49" charset="0"/>
               <a:ea typeface="나눔고딕코딩"/>
               <a:cs typeface="나눔고딕코딩"/>
@@ -35693,14 +35773,14 @@
               </a:spcAft>
             </a:pPr>
             <a:r>
-              <a:rPr lang="en-US" altLang="ko-KR" sz="1100">
+              <a:rPr lang="en-US" altLang="ko-KR" sz="1100" dirty="0">
                 <a:latin typeface="Consolas" panose="020B0609020204030204" pitchFamily="49" charset="0"/>
                 <a:ea typeface="나눔고딕코딩"/>
                 <a:cs typeface="나눔고딕코딩"/>
               </a:rPr>
               <a:t>    http://www.springframework.org/schema/tx http://www.springframework.org/schema/tx/spring-tx-4.3.xsd"&gt;</a:t>
             </a:r>
-            <a:endParaRPr lang="ko-KR" altLang="ko-KR" sz="1100">
+            <a:endParaRPr lang="ko-KR" altLang="ko-KR" sz="1100" dirty="0">
               <a:latin typeface="Consolas" panose="020B0609020204030204" pitchFamily="49" charset="0"/>
               <a:ea typeface="나눔고딕코딩"/>
               <a:cs typeface="나눔고딕코딩"/>
@@ -35716,7 +35796,7 @@
               </a:spcAft>
             </a:pPr>
             <a:r>
-              <a:rPr lang="en-US" altLang="ko-KR" sz="1100">
+              <a:rPr lang="en-US" altLang="ko-KR" sz="1100" dirty="0">
                 <a:latin typeface="Consolas" panose="020B0609020204030204" pitchFamily="49" charset="0"/>
                 <a:ea typeface="나눔고딕코딩"/>
                 <a:cs typeface="나눔고딕코딩"/>
@@ -35724,7 +35804,7 @@
               <a:t>...</a:t>
             </a:r>
             <a:r>
-              <a:rPr lang="ko-KR" altLang="ko-KR" sz="1100">
+              <a:rPr lang="ko-KR" altLang="ko-KR" sz="1100" dirty="0">
                 <a:latin typeface="Consolas" panose="020B0609020204030204" pitchFamily="49" charset="0"/>
                 <a:ea typeface="나눔고딕코딩"/>
                 <a:cs typeface="나눔고딕코딩"/>
@@ -35732,14 +35812,14 @@
               <a:t>생략</a:t>
             </a:r>
             <a:r>
-              <a:rPr lang="en-US" altLang="ko-KR" sz="1100">
+              <a:rPr lang="en-US" altLang="ko-KR" sz="1100" dirty="0">
                 <a:latin typeface="Consolas" panose="020B0609020204030204" pitchFamily="49" charset="0"/>
                 <a:ea typeface="나눔고딕코딩"/>
                 <a:cs typeface="나눔고딕코딩"/>
               </a:rPr>
               <a:t>...</a:t>
             </a:r>
-            <a:endParaRPr lang="ko-KR" altLang="ko-KR" sz="1100">
+            <a:endParaRPr lang="ko-KR" altLang="ko-KR" sz="1100" dirty="0">
               <a:latin typeface="Consolas" panose="020B0609020204030204" pitchFamily="49" charset="0"/>
               <a:ea typeface="나눔고딕코딩"/>
               <a:cs typeface="나눔고딕코딩"/>
@@ -35755,14 +35835,131 @@
               </a:spcAft>
             </a:pPr>
             <a:r>
-              <a:rPr lang="en-US" altLang="ko-KR" sz="1100">
+              <a:rPr lang="en-US" altLang="ko-KR" sz="1100" dirty="0">
                 <a:latin typeface="Consolas" panose="020B0609020204030204" pitchFamily="49" charset="0"/>
                 <a:ea typeface="나눔고딕코딩"/>
                 <a:cs typeface="나눔고딕코딩"/>
               </a:rPr>
-              <a:t>&lt;task:annotation-driven/&gt;</a:t>
-            </a:r>
-            <a:endParaRPr lang="ko-KR" altLang="en-US" sz="1100"/>
+              <a:t>&lt;</a:t>
+            </a:r>
+            <a:r>
+              <a:rPr lang="en-US" altLang="ko-KR" sz="1100" dirty="0" err="1">
+                <a:latin typeface="Consolas" panose="020B0609020204030204" pitchFamily="49" charset="0"/>
+                <a:ea typeface="나눔고딕코딩"/>
+                <a:cs typeface="나눔고딕코딩"/>
+              </a:rPr>
+              <a:t>task:annotation-driven</a:t>
+            </a:r>
+            <a:r>
+              <a:rPr lang="en-US" altLang="ko-KR" sz="1100" dirty="0">
+                <a:latin typeface="Consolas" panose="020B0609020204030204" pitchFamily="49" charset="0"/>
+                <a:ea typeface="나눔고딕코딩"/>
+                <a:cs typeface="나눔고딕코딩"/>
+              </a:rPr>
+              <a:t>/&gt;</a:t>
+            </a:r>
+            <a:endParaRPr lang="ko-KR" altLang="en-US" sz="1100" dirty="0"/>
+          </a:p>
+        </p:txBody>
+      </p:sp>
+      <p:sp>
+        <p:nvSpPr>
+          <p:cNvPr id="5" name="TextBox 4"/>
+          <p:cNvSpPr txBox="1"/>
+          <p:nvPr/>
+        </p:nvSpPr>
+        <p:spPr>
+          <a:xfrm>
+            <a:off x="1245870" y="5326380"/>
+            <a:ext cx="7269480" cy="1754326"/>
+          </a:xfrm>
+          <a:prstGeom prst="rect">
+            <a:avLst/>
+          </a:prstGeom>
+          <a:noFill/>
+        </p:spPr>
+        <p:txBody>
+          <a:bodyPr wrap="square" rtlCol="0">
+            <a:spAutoFit/>
+          </a:bodyPr>
+          <a:lstStyle/>
+          <a:p>
+            <a:r>
+              <a:rPr lang="en-US" altLang="ko-KR" dirty="0" smtClean="0"/>
+              <a:t>Namespace</a:t>
+            </a:r>
+            <a:r>
+              <a:rPr lang="ko-KR" altLang="en-US" dirty="0" smtClean="0"/>
+              <a:t>에 </a:t>
+            </a:r>
+            <a:r>
+              <a:rPr lang="en-US" altLang="ko-KR" dirty="0" smtClean="0"/>
+              <a:t>task</a:t>
+            </a:r>
+            <a:r>
+              <a:rPr lang="ko-KR" altLang="en-US" dirty="0" smtClean="0"/>
+              <a:t>항목을 체크하고</a:t>
+            </a:r>
+            <a:r>
+              <a:rPr lang="en-US" altLang="ko-KR" dirty="0" smtClean="0"/>
+              <a:t/>
+            </a:r>
+            <a:br>
+              <a:rPr lang="en-US" altLang="ko-KR" dirty="0" smtClean="0"/>
+            </a:br>
+            <a:endParaRPr lang="en-US" altLang="ko-KR" dirty="0" smtClean="0"/>
+          </a:p>
+          <a:p>
+            <a:r>
+              <a:rPr lang="en-US" altLang="ko-KR" dirty="0" smtClean="0">
+                <a:latin typeface="Consolas" panose="020B0609020204030204" pitchFamily="49" charset="0"/>
+                <a:ea typeface="나눔고딕코딩"/>
+                <a:cs typeface="나눔고딕코딩"/>
+              </a:rPr>
+              <a:t>&lt;</a:t>
+            </a:r>
+            <a:r>
+              <a:rPr lang="en-US" altLang="ko-KR" dirty="0" err="1">
+                <a:latin typeface="Consolas" panose="020B0609020204030204" pitchFamily="49" charset="0"/>
+                <a:ea typeface="나눔고딕코딩"/>
+                <a:cs typeface="나눔고딕코딩"/>
+              </a:rPr>
+              <a:t>task:annotation-driven</a:t>
+            </a:r>
+            <a:r>
+              <a:rPr lang="en-US" altLang="ko-KR" dirty="0" smtClean="0">
+                <a:latin typeface="Consolas" panose="020B0609020204030204" pitchFamily="49" charset="0"/>
+                <a:ea typeface="나눔고딕코딩"/>
+                <a:cs typeface="나눔고딕코딩"/>
+              </a:rPr>
+              <a:t>/&gt; </a:t>
+            </a:r>
+            <a:r>
+              <a:rPr lang="ko-KR" altLang="en-US" dirty="0" smtClean="0">
+                <a:latin typeface="Consolas" panose="020B0609020204030204" pitchFamily="49" charset="0"/>
+                <a:ea typeface="나눔고딕코딩"/>
+                <a:cs typeface="나눔고딕코딩"/>
+              </a:rPr>
+              <a:t>추가</a:t>
+            </a:r>
+            <a:endParaRPr lang="ko-KR" altLang="en-US" dirty="0"/>
+          </a:p>
+          <a:p>
+            <a:r>
+              <a:rPr lang="en-US" altLang="ko-KR" dirty="0" smtClean="0"/>
+              <a:t/>
+            </a:r>
+            <a:br>
+              <a:rPr lang="en-US" altLang="ko-KR" dirty="0" smtClean="0"/>
+            </a:br>
+            <a:r>
+              <a:rPr lang="en-US" altLang="ko-KR" dirty="0" smtClean="0"/>
+              <a:t/>
+            </a:r>
+            <a:br>
+              <a:rPr lang="en-US" altLang="ko-KR" dirty="0" smtClean="0"/>
+            </a:br>
+            <a:endParaRPr lang="ko-KR" altLang="en-US" dirty="0"/>
           </a:p>
         </p:txBody>
       </p:sp>
@@ -35850,7 +36047,7 @@
           <a:lstStyle/>
           <a:p>
             <a:r>
-              <a:rPr lang="ko-KR" altLang="en-US"/>
+              <a:rPr lang="ko-KR" altLang="en-US" dirty="0"/>
               <a:t>시간 단위의 값을 조정해서 주기 설정 </a:t>
             </a:r>
           </a:p>

--- a/spring - 학습자료/코드로 배우는 스프링 웹 프로젝트 (개정판) 학습자료/PART6.pptx
+++ b/spring - 학습자료/코드로 배우는 스프링 웹 프로젝트 (개정판) 학습자료/PART6.pptx
@@ -2495,7 +2495,7 @@
           <a:p>
             <a:fld id="{48A87A34-81AB-432B-8DAE-1953F412C126}" type="datetimeFigureOut">
               <a:rPr lang="en-US" smtClean="0"/>
-              <a:t>5/19/2023</a:t>
+              <a:t>5/28/2023</a:t>
             </a:fld>
             <a:endParaRPr lang="en-US"/>
           </a:p>
@@ -2693,7 +2693,7 @@
           <a:p>
             <a:fld id="{48A87A34-81AB-432B-8DAE-1953F412C126}" type="datetimeFigureOut">
               <a:rPr lang="en-US" smtClean="0"/>
-              <a:t>5/19/2023</a:t>
+              <a:t>5/28/2023</a:t>
             </a:fld>
             <a:endParaRPr lang="en-US"/>
           </a:p>
@@ -2901,7 +2901,7 @@
           <a:p>
             <a:fld id="{48A87A34-81AB-432B-8DAE-1953F412C126}" type="datetimeFigureOut">
               <a:rPr lang="en-US" smtClean="0"/>
-              <a:t>5/19/2023</a:t>
+              <a:t>5/28/2023</a:t>
             </a:fld>
             <a:endParaRPr lang="en-US"/>
           </a:p>
@@ -3109,7 +3109,7 @@
           <a:p>
             <a:fld id="{48A87A34-81AB-432B-8DAE-1953F412C126}" type="datetimeFigureOut">
               <a:rPr lang="en-US" smtClean="0"/>
-              <a:t>5/19/2023</a:t>
+              <a:t>5/28/2023</a:t>
             </a:fld>
             <a:endParaRPr lang="en-US"/>
           </a:p>
@@ -3384,7 +3384,7 @@
           <a:p>
             <a:fld id="{48A87A34-81AB-432B-8DAE-1953F412C126}" type="datetimeFigureOut">
               <a:rPr lang="en-US" smtClean="0"/>
-              <a:t>5/19/2023</a:t>
+              <a:t>5/28/2023</a:t>
             </a:fld>
             <a:endParaRPr lang="en-US"/>
           </a:p>
@@ -3650,7 +3650,7 @@
             <a:fld id="{48A87A34-81AB-432B-8DAE-1953F412C126}" type="datetimeFigureOut">
               <a:rPr lang="en-US" smtClean="0"/>
               <a:pPr/>
-              <a:t>5/19/2023</a:t>
+              <a:t>5/28/2023</a:t>
             </a:fld>
             <a:endParaRPr lang="en-US"/>
           </a:p>
@@ -4063,7 +4063,7 @@
           <a:p>
             <a:fld id="{48A87A34-81AB-432B-8DAE-1953F412C126}" type="datetimeFigureOut">
               <a:rPr lang="en-US" smtClean="0"/>
-              <a:t>5/19/2023</a:t>
+              <a:t>5/28/2023</a:t>
             </a:fld>
             <a:endParaRPr lang="en-US"/>
           </a:p>
@@ -4204,7 +4204,7 @@
           <a:p>
             <a:fld id="{48A87A34-81AB-432B-8DAE-1953F412C126}" type="datetimeFigureOut">
               <a:rPr lang="en-US" smtClean="0"/>
-              <a:t>5/19/2023</a:t>
+              <a:t>5/28/2023</a:t>
             </a:fld>
             <a:endParaRPr lang="en-US"/>
           </a:p>
@@ -4317,7 +4317,7 @@
           <a:p>
             <a:fld id="{48A87A34-81AB-432B-8DAE-1953F412C126}" type="datetimeFigureOut">
               <a:rPr lang="en-US" smtClean="0"/>
-              <a:t>5/19/2023</a:t>
+              <a:t>5/28/2023</a:t>
             </a:fld>
             <a:endParaRPr lang="en-US"/>
           </a:p>
@@ -4628,7 +4628,7 @@
           <a:p>
             <a:fld id="{48A87A34-81AB-432B-8DAE-1953F412C126}" type="datetimeFigureOut">
               <a:rPr lang="en-US" smtClean="0"/>
-              <a:t>5/19/2023</a:t>
+              <a:t>5/28/2023</a:t>
             </a:fld>
             <a:endParaRPr lang="en-US"/>
           </a:p>
@@ -4917,7 +4917,7 @@
             <a:fld id="{48A87A34-81AB-432B-8DAE-1953F412C126}" type="datetimeFigureOut">
               <a:rPr lang="en-US" smtClean="0"/>
               <a:pPr/>
-              <a:t>5/19/2023</a:t>
+              <a:t>5/28/2023</a:t>
             </a:fld>
             <a:endParaRPr lang="en-US"/>
           </a:p>
@@ -5160,7 +5160,7 @@
             <a:fld id="{48A87A34-81AB-432B-8DAE-1953F412C126}" type="datetimeFigureOut">
               <a:rPr lang="en-US" smtClean="0"/>
               <a:pPr/>
-              <a:t>5/19/2023</a:t>
+              <a:t>5/28/2023</a:t>
             </a:fld>
             <a:endParaRPr lang="en-US"/>
           </a:p>
@@ -5818,7 +5818,7 @@
           <a:lstStyle/>
           <a:p>
             <a:r>
-              <a:rPr lang="en-US" altLang="ko-KR" smtClean="0"/>
+              <a:rPr lang="en-US" altLang="ko-KR" dirty="0" smtClean="0"/>
               <a:t>UploadController(p499)</a:t>
             </a:r>
             <a:endParaRPr lang="ko-KR" altLang="en-US" dirty="0"/>
@@ -5905,19 +5905,35 @@
             </a:pPr>
             <a:r>
               <a:rPr lang="en-US" altLang="ko-KR" dirty="0"/>
-              <a:t>	</a:t>
-            </a:r>
-            <a:r>
-              <a:rPr lang="en-US" altLang="ko-KR"/>
-              <a:t>	</a:t>
-            </a:r>
-            <a:r>
-              <a:rPr lang="en-US" altLang="ko-KR" smtClean="0"/>
-              <a:t>//nameth</a:t>
-            </a:r>
-            <a:r>
-              <a:rPr lang="ko-KR" altLang="en-US" smtClean="0"/>
-              <a:t>속성과 파라메터형이 다를시는  </a:t>
+              <a:t>		</a:t>
+            </a:r>
+            <a:r>
+              <a:rPr lang="en-US" altLang="ko-KR" dirty="0" smtClean="0"/>
+              <a:t>//</a:t>
+            </a:r>
+            <a:r>
+              <a:rPr lang="en-US" altLang="ko-KR" dirty="0" smtClean="0"/>
+              <a:t>name</a:t>
+            </a:r>
+            <a:r>
+              <a:rPr lang="ko-KR" altLang="en-US" dirty="0" smtClean="0"/>
+              <a:t>속성과 </a:t>
+            </a:r>
+            <a:r>
+              <a:rPr lang="ko-KR" altLang="en-US" dirty="0" err="1" smtClean="0"/>
+              <a:t>파라메터형이</a:t>
+            </a:r>
+            <a:r>
+              <a:rPr lang="ko-KR" altLang="en-US" dirty="0" smtClean="0"/>
+              <a:t> </a:t>
+            </a:r>
+            <a:r>
+              <a:rPr lang="ko-KR" altLang="en-US" dirty="0" err="1" smtClean="0"/>
+              <a:t>다를시는</a:t>
+            </a:r>
+            <a:r>
+              <a:rPr lang="ko-KR" altLang="en-US" dirty="0" smtClean="0"/>
+              <a:t>  </a:t>
             </a:r>
             <a:r>
               <a:rPr lang="en-US" altLang="ko-KR" dirty="0"/>
@@ -6639,7 +6655,7 @@
         </p:nvGraphicFramePr>
         <p:xfrm>
           <a:off x="342900" y="1143001"/>
-          <a:ext cx="7886699" cy="1597981"/>
+          <a:ext cx="7886699" cy="1470406"/>
         </p:xfrm>
         <a:graphic>
           <a:graphicData uri="http://schemas.openxmlformats.org/drawingml/2006/table">
@@ -7869,23 +7885,23 @@
               <a:t> </a:t>
             </a:r>
             <a:r>
-              <a:rPr lang="ko-KR" altLang="en-US"/>
+              <a:rPr lang="ko-KR" altLang="en-US" dirty="0"/>
               <a:t>객체를  </a:t>
             </a:r>
             <a:r>
-              <a:rPr lang="ko-KR" altLang="en-US" smtClean="0"/>
+              <a:rPr lang="ko-KR" altLang="en-US" dirty="0" smtClean="0"/>
               <a:t>이용</a:t>
             </a:r>
             <a:r>
-              <a:rPr lang="en-US" altLang="ko-KR" smtClean="0"/>
+              <a:rPr lang="en-US" altLang="ko-KR" dirty="0" smtClean="0"/>
               <a:t>(IE10</a:t>
             </a:r>
             <a:r>
-              <a:rPr lang="ko-KR" altLang="en-US" smtClean="0"/>
+              <a:rPr lang="ko-KR" altLang="en-US" dirty="0" err="1" smtClean="0"/>
               <a:t>부터</a:t>
             </a:r>
             <a:r>
-              <a:rPr lang="en-US" altLang="ko-KR" smtClean="0"/>
+              <a:rPr lang="en-US" altLang="ko-KR" dirty="0" smtClean="0"/>
               <a:t>)</a:t>
             </a:r>
             <a:endParaRPr lang="en-US" altLang="ko-KR" dirty="0"/>
@@ -7897,23 +7913,19 @@
             </a:r>
             <a:r>
               <a:rPr lang="ko-KR" altLang="en-US" dirty="0"/>
-              <a:t>역시 브라우저별로 지원 여부 </a:t>
-            </a:r>
-            <a:r>
-              <a:rPr lang="ko-KR" altLang="en-US"/>
-              <a:t>확인 </a:t>
-            </a:r>
-            <a:endParaRPr lang="en-US" altLang="ko-KR" smtClean="0"/>
-          </a:p>
-          <a:p>
-            <a:r>
-              <a:rPr lang="en-US" altLang="ko-KR" smtClean="0"/>
+              <a:t>역시 브라우저별로 지원 여부 확인 </a:t>
+            </a:r>
+            <a:endParaRPr lang="en-US" altLang="ko-KR" dirty="0" smtClean="0"/>
+          </a:p>
+          <a:p>
+            <a:r>
+              <a:rPr lang="en-US" altLang="ko-KR" dirty="0" smtClean="0"/>
               <a:t>UploadController</a:t>
             </a:r>
             <a:br>
-              <a:rPr lang="en-US" altLang="ko-KR" smtClean="0"/>
+              <a:rPr lang="en-US" altLang="ko-KR" dirty="0" smtClean="0"/>
             </a:br>
-            <a:endParaRPr lang="en-US" altLang="ko-KR" smtClean="0"/>
+            <a:endParaRPr lang="en-US" altLang="ko-KR" dirty="0" smtClean="0"/>
           </a:p>
           <a:p>
             <a:endParaRPr lang="ko-KR" altLang="en-US" dirty="0"/>
@@ -19104,133 +19116,141 @@
           <a:p>
             <a:pPr lvl="0"/>
             <a:r>
-              <a:rPr lang="en-US" altLang="ko-KR"/>
+              <a:rPr lang="en-US" altLang="ko-KR" dirty="0"/>
               <a:t>&lt;form&gt; </a:t>
             </a:r>
             <a:r>
-              <a:rPr lang="ko-KR" altLang="ko-KR"/>
+              <a:rPr lang="ko-KR" altLang="ko-KR" dirty="0"/>
               <a:t>태그를 이용하는 방식</a:t>
             </a:r>
             <a:r>
-              <a:rPr lang="en-US" altLang="ko-KR"/>
+              <a:rPr lang="en-US" altLang="ko-KR" dirty="0"/>
               <a:t>: </a:t>
             </a:r>
             <a:r>
-              <a:rPr lang="ko-KR" altLang="ko-KR"/>
+              <a:rPr lang="ko-KR" altLang="ko-KR" dirty="0"/>
               <a:t>브라우저의 제한이 없어야 하는 경우에 사용 </a:t>
             </a:r>
           </a:p>
           <a:p>
             <a:pPr lvl="1"/>
             <a:r>
-              <a:rPr lang="ko-KR" altLang="ko-KR"/>
+              <a:rPr lang="ko-KR" altLang="ko-KR" dirty="0"/>
               <a:t>일반적으로 페이지 이동과 동시에 첨부파일을 업로드하는 방식 </a:t>
             </a:r>
           </a:p>
           <a:p>
             <a:pPr lvl="1"/>
             <a:r>
-              <a:rPr lang="en-US" altLang="ko-KR"/>
+              <a:rPr lang="en-US" altLang="ko-KR" dirty="0"/>
               <a:t>&lt;iframe&gt;</a:t>
             </a:r>
             <a:r>
-              <a:rPr lang="ko-KR" altLang="ko-KR"/>
+              <a:rPr lang="ko-KR" altLang="ko-KR" dirty="0"/>
               <a:t>을 이용해서 화면의 이동 없이 첨부파일을 처리하는 방식 </a:t>
             </a:r>
-            <a:endParaRPr lang="en-US" altLang="ko-KR"/>
+            <a:endParaRPr lang="en-US" altLang="ko-KR" dirty="0"/>
           </a:p>
           <a:p>
             <a:pPr lvl="1"/>
-            <a:endParaRPr lang="ko-KR" altLang="ko-KR"/>
+            <a:endParaRPr lang="ko-KR" altLang="ko-KR" dirty="0"/>
           </a:p>
           <a:p>
             <a:pPr lvl="0"/>
             <a:r>
-              <a:rPr lang="en-US" altLang="ko-KR"/>
+              <a:rPr lang="en-US" altLang="ko-KR" dirty="0"/>
               <a:t>Ajax</a:t>
             </a:r>
             <a:r>
-              <a:rPr lang="ko-KR" altLang="ko-KR"/>
-              <a:t>를 이용하는 방식</a:t>
-            </a:r>
-            <a:r>
-              <a:rPr lang="en-US" altLang="ko-KR"/>
+              <a:rPr lang="ko-KR" altLang="ko-KR" dirty="0" err="1"/>
+              <a:t>를</a:t>
+            </a:r>
+            <a:r>
+              <a:rPr lang="ko-KR" altLang="ko-KR" dirty="0"/>
+              <a:t> 이용하는 방식</a:t>
+            </a:r>
+            <a:r>
+              <a:rPr lang="en-US" altLang="ko-KR" dirty="0"/>
               <a:t>: </a:t>
             </a:r>
             <a:r>
-              <a:rPr lang="ko-KR" altLang="ko-KR"/>
+              <a:rPr lang="ko-KR" altLang="ko-KR" dirty="0"/>
               <a:t>첨부파일을 별도로 처리하는 방식 </a:t>
             </a:r>
           </a:p>
           <a:p>
             <a:pPr lvl="1"/>
             <a:r>
-              <a:rPr lang="en-US" altLang="ko-KR"/>
+              <a:rPr lang="en-US" altLang="ko-KR" dirty="0"/>
               <a:t>&lt;input type=’file’&gt;</a:t>
             </a:r>
             <a:r>
-              <a:rPr lang="ko-KR" altLang="ko-KR"/>
+              <a:rPr lang="ko-KR" altLang="ko-KR" dirty="0"/>
               <a:t>을 이용하고 </a:t>
             </a:r>
             <a:r>
-              <a:rPr lang="en-US" altLang="ko-KR"/>
+              <a:rPr lang="en-US" altLang="ko-KR" dirty="0"/>
               <a:t>Ajax</a:t>
             </a:r>
             <a:r>
-              <a:rPr lang="ko-KR" altLang="ko-KR"/>
+              <a:rPr lang="ko-KR" altLang="ko-KR" dirty="0"/>
               <a:t>로 처리하는 방식 </a:t>
             </a:r>
           </a:p>
           <a:p>
             <a:pPr lvl="1"/>
             <a:r>
-              <a:rPr lang="en-US" altLang="ko-KR"/>
+              <a:rPr lang="en-US" altLang="ko-KR" dirty="0"/>
               <a:t>Drag And Drop</a:t>
             </a:r>
             <a:r>
-              <a:rPr lang="ko-KR" altLang="ko-KR"/>
+              <a:rPr lang="ko-KR" altLang="ko-KR" dirty="0"/>
               <a:t>이나</a:t>
             </a:r>
             <a:r>
-              <a:rPr lang="en-US" altLang="ko-KR"/>
+              <a:rPr lang="en-US" altLang="ko-KR" dirty="0"/>
               <a:t> jQuery </a:t>
             </a:r>
             <a:r>
-              <a:rPr lang="ko-KR" altLang="ko-KR"/>
+              <a:rPr lang="ko-KR" altLang="ko-KR" dirty="0"/>
               <a:t>라이브러리들을 이용해서 처리하는 방식 </a:t>
             </a:r>
-            <a:endParaRPr lang="en-US" altLang="ko-KR" smtClean="0"/>
+            <a:endParaRPr lang="en-US" altLang="ko-KR" dirty="0" smtClean="0"/>
           </a:p>
           <a:p>
             <a:pPr lvl="1"/>
-            <a:endParaRPr lang="ko-KR" altLang="ko-KR"/>
-          </a:p>
-          <a:p>
-            <a:r>
-              <a:rPr lang="ko-KR" altLang="en-US" smtClean="0"/>
+            <a:endParaRPr lang="ko-KR" altLang="ko-KR" dirty="0"/>
+          </a:p>
+          <a:p>
+            <a:r>
+              <a:rPr lang="ko-KR" altLang="en-US" dirty="0" smtClean="0"/>
               <a:t>서버 사이드 </a:t>
             </a:r>
             <a:r>
-              <a:rPr lang="en-US" altLang="ko-KR" smtClean="0"/>
+              <a:rPr lang="en-US" altLang="ko-KR" dirty="0" smtClean="0"/>
               <a:t>: </a:t>
             </a:r>
             <a:r>
-              <a:rPr lang="ko-KR" altLang="en-US" smtClean="0"/>
+              <a:rPr lang="ko-KR" altLang="en-US" dirty="0" err="1" smtClean="0"/>
               <a:t>응답형태</a:t>
             </a:r>
             <a:r>
-              <a:rPr lang="en-US" altLang="ko-KR" smtClean="0"/>
+              <a:rPr lang="en-US" altLang="ko-KR" dirty="0" smtClean="0"/>
               <a:t>(HTML,JSON</a:t>
             </a:r>
             <a:r>
-              <a:rPr lang="ko-KR" altLang="en-US" smtClean="0"/>
-              <a:t>으로 처리</a:t>
-            </a:r>
-            <a:r>
-              <a:rPr lang="en-US" altLang="ko-KR" smtClean="0"/>
+              <a:rPr lang="ko-KR" altLang="en-US" dirty="0" err="1" smtClean="0"/>
+              <a:t>으로</a:t>
+            </a:r>
+            <a:r>
+              <a:rPr lang="ko-KR" altLang="en-US" dirty="0" smtClean="0"/>
+              <a:t> 처리</a:t>
+            </a:r>
+            <a:r>
+              <a:rPr lang="en-US" altLang="ko-KR" dirty="0" smtClean="0"/>
               <a:t>)</a:t>
             </a:r>
-            <a:endParaRPr lang="ko-KR" altLang="en-US"/>
+            <a:endParaRPr lang="ko-KR" altLang="en-US" dirty="0"/>
           </a:p>
         </p:txBody>
       </p:sp>
@@ -22930,48 +22950,52 @@
           <a:lstStyle/>
           <a:p>
             <a:r>
-              <a:rPr lang="en-US" altLang="ko-KR"/>
+              <a:rPr lang="en-US" altLang="ko-KR" dirty="0"/>
               <a:t>&lt;div&gt;</a:t>
             </a:r>
             <a:r>
-              <a:rPr lang="ko-KR" altLang="en-US"/>
-              <a:t>를 이용해서 화면 내에 원본 이미지를 보여주도록 </a:t>
-            </a:r>
-            <a:r>
-              <a:rPr lang="ko-KR" altLang="en-US" smtClean="0"/>
+              <a:rPr lang="ko-KR" altLang="en-US" dirty="0" err="1"/>
+              <a:t>를</a:t>
+            </a:r>
+            <a:r>
+              <a:rPr lang="ko-KR" altLang="en-US" dirty="0"/>
+              <a:t> 이용해서 화면 내에 원본 이미지를 보여주도록 </a:t>
+            </a:r>
+            <a:r>
+              <a:rPr lang="ko-KR" altLang="en-US" dirty="0" smtClean="0"/>
               <a:t>처리</a:t>
             </a:r>
             <a:r>
-              <a:rPr lang="en-US" altLang="ko-KR" smtClean="0"/>
+              <a:rPr lang="en-US" altLang="ko-KR" dirty="0" smtClean="0"/>
               <a:t/>
             </a:r>
             <a:br>
-              <a:rPr lang="en-US" altLang="ko-KR" smtClean="0"/>
+              <a:rPr lang="en-US" altLang="ko-KR" dirty="0" smtClean="0"/>
             </a:br>
             <a:r>
-              <a:rPr lang="en-US" altLang="ko-KR" smtClean="0"/>
+              <a:rPr lang="en-US" altLang="ko-KR" dirty="0" smtClean="0"/>
               <a:t>(light-box</a:t>
             </a:r>
             <a:r>
-              <a:rPr lang="ko-KR" altLang="en-US" smtClean="0"/>
+              <a:rPr lang="ko-KR" altLang="en-US" dirty="0" smtClean="0"/>
               <a:t>이용</a:t>
             </a:r>
             <a:r>
-              <a:rPr lang="en-US" altLang="ko-KR" smtClean="0"/>
+              <a:rPr lang="en-US" altLang="ko-KR" dirty="0" smtClean="0"/>
               <a:t>)</a:t>
             </a:r>
             <a:r>
-              <a:rPr lang="ko-KR" altLang="en-US" smtClean="0"/>
+              <a:rPr lang="ko-KR" altLang="en-US" dirty="0" smtClean="0"/>
               <a:t> </a:t>
             </a:r>
-            <a:endParaRPr lang="en-US" altLang="ko-KR"/>
-          </a:p>
-          <a:p>
-            <a:r>
-              <a:rPr lang="ko-KR" altLang="en-US" smtClean="0"/>
+            <a:endParaRPr lang="en-US" altLang="ko-KR" dirty="0"/>
+          </a:p>
+          <a:p>
+            <a:r>
+              <a:rPr lang="ko-KR" altLang="en-US" dirty="0" smtClean="0"/>
               <a:t> </a:t>
             </a:r>
-            <a:endParaRPr lang="ko-KR" altLang="en-US"/>
+            <a:endParaRPr lang="ko-KR" altLang="en-US" dirty="0"/>
           </a:p>
         </p:txBody>
       </p:sp>
@@ -26957,11 +26981,11 @@
           <a:lstStyle/>
           <a:p>
             <a:r>
-              <a:rPr lang="en-US" altLang="ko-KR" smtClean="0"/>
+              <a:rPr lang="en-US" altLang="ko-KR" dirty="0" smtClean="0"/>
               <a:t>BoardServiceImpl</a:t>
             </a:r>
             <a:r>
-              <a:rPr lang="ko-KR" altLang="en-US" smtClean="0"/>
+              <a:rPr lang="ko-KR" altLang="en-US" dirty="0" smtClean="0"/>
               <a:t>처리</a:t>
             </a:r>
             <a:endParaRPr lang="en-US" altLang="ko-KR" dirty="0"/>
@@ -26971,7 +26995,7 @@
               <a:buNone/>
             </a:pPr>
             <a:r>
-              <a:rPr lang="en-US" altLang="ko-KR" smtClean="0"/>
+              <a:rPr lang="en-US" altLang="ko-KR" dirty="0" smtClean="0"/>
               <a:t>BoardService</a:t>
             </a:r>
             <a:r>
@@ -26984,18 +27008,14 @@
             </a:r>
             <a:r>
               <a:rPr lang="ko-KR" altLang="en-US" dirty="0" smtClean="0"/>
-              <a:t>를 두개 사용해야 </a:t>
-            </a:r>
-            <a:r>
-              <a:rPr lang="ko-KR" altLang="en-US" smtClean="0"/>
-              <a:t>하므로 </a:t>
-            </a:r>
-            <a:r>
-              <a:rPr lang="en-US" altLang="ko-KR" smtClean="0"/>
+              <a:t>를 두개 사용해야 하므로 </a:t>
+            </a:r>
+            <a:r>
+              <a:rPr lang="en-US" altLang="ko-KR" dirty="0" smtClean="0"/>
               <a:t>2</a:t>
             </a:r>
             <a:r>
-              <a:rPr lang="ko-KR" altLang="en-US" smtClean="0"/>
+              <a:rPr lang="ko-KR" altLang="en-US" dirty="0" smtClean="0"/>
               <a:t>개를 주입</a:t>
             </a:r>
             <a:r>
@@ -27032,22 +27052,10 @@
             </a:pPr>
             <a:r>
               <a:rPr lang="en-US" altLang="ko-KR" b="1" dirty="0"/>
-              <a:t>private </a:t>
-            </a:r>
-            <a:r>
-              <a:rPr lang="en-US" altLang="ko-KR" b="1" dirty="0" err="1"/>
-              <a:t>BoardMapper</a:t>
-            </a:r>
-            <a:r>
-              <a:rPr lang="en-US" altLang="ko-KR" b="1" dirty="0"/>
-              <a:t> </a:t>
-            </a:r>
-            <a:r>
-              <a:rPr lang="en-US" altLang="ko-KR" b="1"/>
-              <a:t>mapper</a:t>
-            </a:r>
-            <a:r>
-              <a:rPr lang="en-US" altLang="ko-KR" b="1" smtClean="0"/>
+              <a:t>private BoardMapper mapper</a:t>
+            </a:r>
+            <a:r>
+              <a:rPr lang="en-US" altLang="ko-KR" b="1" dirty="0" smtClean="0"/>
               <a:t>;</a:t>
             </a:r>
             <a:endParaRPr lang="ko-KR" altLang="en-US" dirty="0"/>
@@ -27164,19 +27172,19 @@
               <a:t>register</a:t>
             </a:r>
             <a:r>
-              <a:rPr lang="ko-KR" altLang="en-US" b="1" smtClean="0"/>
+              <a:rPr lang="ko-KR" altLang="en-US" b="1" dirty="0" smtClean="0"/>
               <a:t>메서드는 </a:t>
             </a:r>
             <a:r>
-              <a:rPr lang="en-US" altLang="ko-KR" b="1" smtClean="0"/>
+              <a:rPr lang="en-US" altLang="ko-KR" b="1" dirty="0" smtClean="0"/>
               <a:t> Board</a:t>
             </a:r>
             <a:r>
-              <a:rPr lang="ko-KR" altLang="en-US" b="1" smtClean="0"/>
+              <a:rPr lang="ko-KR" altLang="en-US" b="1" dirty="0" smtClean="0"/>
               <a:t>와 </a:t>
             </a:r>
             <a:r>
-              <a:rPr lang="en-US" altLang="ko-KR" b="1" smtClean="0"/>
+              <a:rPr lang="en-US" altLang="ko-KR" b="1" dirty="0" smtClean="0"/>
               <a:t>file upload</a:t>
             </a:r>
             <a:r>
@@ -27188,16 +27196,12 @@
               <a:t>insert</a:t>
             </a:r>
             <a:r>
-              <a:rPr lang="ko-KR" altLang="en-US" b="1" smtClean="0"/>
+              <a:rPr lang="ko-KR" altLang="en-US" b="1" dirty="0" smtClean="0"/>
               <a:t>하므로 </a:t>
             </a:r>
             <a:r>
-              <a:rPr lang="en-US" altLang="ko-KR" b="1" smtClean="0"/>
-              <a:t>@</a:t>
-            </a:r>
-            <a:r>
               <a:rPr lang="en-US" altLang="ko-KR" b="1" dirty="0" smtClean="0"/>
-              <a:t>Transaction</a:t>
+              <a:t>@Transaction</a:t>
             </a:r>
             <a:r>
               <a:rPr lang="ko-KR" altLang="en-US" b="1" dirty="0" smtClean="0"/>
@@ -28234,18 +28238,18 @@
           <a:lstStyle/>
           <a:p>
             <a:r>
-              <a:rPr lang="ko-KR" altLang="en-US"/>
+              <a:rPr lang="ko-KR" altLang="en-US" dirty="0"/>
               <a:t>트랜잭션하에 여러 개의 첨부 파일 정보도 </a:t>
             </a:r>
-            <a:endParaRPr lang="en-US" altLang="ko-KR"/>
-          </a:p>
-          <a:p>
-            <a:r>
-              <a:rPr lang="en-US" altLang="ko-KR"/>
+            <a:endParaRPr lang="en-US" altLang="ko-KR" dirty="0"/>
+          </a:p>
+          <a:p>
+            <a:r>
+              <a:rPr lang="en-US" altLang="ko-KR" dirty="0"/>
               <a:t>DB</a:t>
             </a:r>
             <a:r>
-              <a:rPr lang="ko-KR" altLang="en-US"/>
+              <a:rPr lang="ko-KR" altLang="en-US" dirty="0"/>
               <a:t>에 저장 </a:t>
             </a:r>
           </a:p>
@@ -36608,18 +36612,18 @@
           <a:lstStyle/>
           <a:p>
             <a:r>
-              <a:rPr lang="en-US" altLang="ko-KR"/>
+              <a:rPr lang="en-US" altLang="ko-KR" dirty="0"/>
               <a:t>&lt;form&gt;</a:t>
             </a:r>
             <a:r>
-              <a:rPr lang="ko-KR" altLang="en-US" smtClean="0"/>
+              <a:rPr lang="ko-KR" altLang="en-US" dirty="0" smtClean="0"/>
               <a:t>방식의 파일 업로드</a:t>
             </a:r>
             <a:r>
-              <a:rPr lang="en-US" altLang="ko-KR" smtClean="0"/>
+              <a:rPr lang="en-US" altLang="ko-KR" dirty="0" smtClean="0"/>
               <a:t>(p494)</a:t>
             </a:r>
-            <a:endParaRPr lang="ko-KR" altLang="en-US"/>
+            <a:endParaRPr lang="ko-KR" altLang="en-US" dirty="0"/>
           </a:p>
         </p:txBody>
       </p:sp>
@@ -37218,11 +37222,11 @@
           <a:lstStyle/>
           <a:p>
             <a:r>
-              <a:rPr lang="en-US" altLang="ko-KR"/>
+              <a:rPr lang="en-US" altLang="ko-KR" dirty="0"/>
               <a:t>multiple</a:t>
             </a:r>
             <a:r>
-              <a:rPr lang="ko-KR" altLang="en-US"/>
+              <a:rPr lang="ko-KR" altLang="en-US" dirty="0"/>
               <a:t> 설정은 브라우저에 제약이 있음  </a:t>
             </a:r>
           </a:p>
@@ -37250,30 +37254,18 @@
           <a:lstStyle/>
           <a:p>
             <a:r>
-              <a:rPr lang="en-US" altLang="ko-KR" smtClean="0"/>
+              <a:rPr lang="en-US" altLang="ko-KR" dirty="0" smtClean="0"/>
               <a:t>UploadController.java</a:t>
             </a:r>
           </a:p>
           <a:p>
             <a:r>
-              <a:rPr lang="en-US" altLang="ko-KR" smtClean="0"/>
+              <a:rPr lang="en-US" altLang="ko-KR" dirty="0" smtClean="0"/>
               <a:t>@</a:t>
             </a:r>
             <a:r>
-              <a:rPr lang="en-US" altLang="ko-KR" dirty="0" err="1"/>
-              <a:t>GetMapping</a:t>
-            </a:r>
-            <a:r>
               <a:rPr lang="en-US" altLang="ko-KR" dirty="0"/>
-              <a:t>("/</a:t>
-            </a:r>
-            <a:r>
-              <a:rPr lang="en-US" altLang="ko-KR" dirty="0" err="1"/>
-              <a:t>uploadForm</a:t>
-            </a:r>
-            <a:r>
-              <a:rPr lang="en-US" altLang="ko-KR" dirty="0"/>
-              <a:t>")</a:t>
+              <a:t>GetMapping("/uploadForm")</a:t>
             </a:r>
           </a:p>
           <a:p>

--- a/spring - 학습자료/코드로 배우는 스프링 웹 프로젝트 (개정판) 학습자료/PART6.pptx
+++ b/spring - 학습자료/코드로 배우는 스프링 웹 프로젝트 (개정판) 학습자료/PART6.pptx
@@ -2495,7 +2495,7 @@
           <a:p>
             <a:fld id="{48A87A34-81AB-432B-8DAE-1953F412C126}" type="datetimeFigureOut">
               <a:rPr lang="en-US" smtClean="0"/>
-              <a:t>5/28/2023</a:t>
+              <a:t>5/29/2023</a:t>
             </a:fld>
             <a:endParaRPr lang="en-US"/>
           </a:p>
@@ -2693,7 +2693,7 @@
           <a:p>
             <a:fld id="{48A87A34-81AB-432B-8DAE-1953F412C126}" type="datetimeFigureOut">
               <a:rPr lang="en-US" smtClean="0"/>
-              <a:t>5/28/2023</a:t>
+              <a:t>5/29/2023</a:t>
             </a:fld>
             <a:endParaRPr lang="en-US"/>
           </a:p>
@@ -2901,7 +2901,7 @@
           <a:p>
             <a:fld id="{48A87A34-81AB-432B-8DAE-1953F412C126}" type="datetimeFigureOut">
               <a:rPr lang="en-US" smtClean="0"/>
-              <a:t>5/28/2023</a:t>
+              <a:t>5/29/2023</a:t>
             </a:fld>
             <a:endParaRPr lang="en-US"/>
           </a:p>
@@ -3109,7 +3109,7 @@
           <a:p>
             <a:fld id="{48A87A34-81AB-432B-8DAE-1953F412C126}" type="datetimeFigureOut">
               <a:rPr lang="en-US" smtClean="0"/>
-              <a:t>5/28/2023</a:t>
+              <a:t>5/29/2023</a:t>
             </a:fld>
             <a:endParaRPr lang="en-US"/>
           </a:p>
@@ -3384,7 +3384,7 @@
           <a:p>
             <a:fld id="{48A87A34-81AB-432B-8DAE-1953F412C126}" type="datetimeFigureOut">
               <a:rPr lang="en-US" smtClean="0"/>
-              <a:t>5/28/2023</a:t>
+              <a:t>5/29/2023</a:t>
             </a:fld>
             <a:endParaRPr lang="en-US"/>
           </a:p>
@@ -3650,7 +3650,7 @@
             <a:fld id="{48A87A34-81AB-432B-8DAE-1953F412C126}" type="datetimeFigureOut">
               <a:rPr lang="en-US" smtClean="0"/>
               <a:pPr/>
-              <a:t>5/28/2023</a:t>
+              <a:t>5/29/2023</a:t>
             </a:fld>
             <a:endParaRPr lang="en-US"/>
           </a:p>
@@ -4063,7 +4063,7 @@
           <a:p>
             <a:fld id="{48A87A34-81AB-432B-8DAE-1953F412C126}" type="datetimeFigureOut">
               <a:rPr lang="en-US" smtClean="0"/>
-              <a:t>5/28/2023</a:t>
+              <a:t>5/29/2023</a:t>
             </a:fld>
             <a:endParaRPr lang="en-US"/>
           </a:p>
@@ -4204,7 +4204,7 @@
           <a:p>
             <a:fld id="{48A87A34-81AB-432B-8DAE-1953F412C126}" type="datetimeFigureOut">
               <a:rPr lang="en-US" smtClean="0"/>
-              <a:t>5/28/2023</a:t>
+              <a:t>5/29/2023</a:t>
             </a:fld>
             <a:endParaRPr lang="en-US"/>
           </a:p>
@@ -4317,7 +4317,7 @@
           <a:p>
             <a:fld id="{48A87A34-81AB-432B-8DAE-1953F412C126}" type="datetimeFigureOut">
               <a:rPr lang="en-US" smtClean="0"/>
-              <a:t>5/28/2023</a:t>
+              <a:t>5/29/2023</a:t>
             </a:fld>
             <a:endParaRPr lang="en-US"/>
           </a:p>
@@ -4628,7 +4628,7 @@
           <a:p>
             <a:fld id="{48A87A34-81AB-432B-8DAE-1953F412C126}" type="datetimeFigureOut">
               <a:rPr lang="en-US" smtClean="0"/>
-              <a:t>5/28/2023</a:t>
+              <a:t>5/29/2023</a:t>
             </a:fld>
             <a:endParaRPr lang="en-US"/>
           </a:p>
@@ -4917,7 +4917,7 @@
             <a:fld id="{48A87A34-81AB-432B-8DAE-1953F412C126}" type="datetimeFigureOut">
               <a:rPr lang="en-US" smtClean="0"/>
               <a:pPr/>
-              <a:t>5/28/2023</a:t>
+              <a:t>5/29/2023</a:t>
             </a:fld>
             <a:endParaRPr lang="en-US"/>
           </a:p>
@@ -5160,7 +5160,7 @@
             <a:fld id="{48A87A34-81AB-432B-8DAE-1953F412C126}" type="datetimeFigureOut">
               <a:rPr lang="en-US" smtClean="0"/>
               <a:pPr/>
-              <a:t>5/28/2023</a:t>
+              <a:t>5/29/2023</a:t>
             </a:fld>
             <a:endParaRPr lang="en-US"/>
           </a:p>
@@ -5909,11 +5909,7 @@
             </a:r>
             <a:r>
               <a:rPr lang="en-US" altLang="ko-KR" dirty="0" smtClean="0"/>
-              <a:t>//</a:t>
-            </a:r>
-            <a:r>
-              <a:rPr lang="en-US" altLang="ko-KR" dirty="0" smtClean="0"/>
-              <a:t>name</a:t>
+              <a:t>//name</a:t>
             </a:r>
             <a:r>
               <a:rPr lang="ko-KR" altLang="en-US" dirty="0" smtClean="0"/>
@@ -6655,7 +6651,7 @@
         </p:nvGraphicFramePr>
         <p:xfrm>
           <a:off x="342900" y="1143001"/>
-          <a:ext cx="7886699" cy="1470406"/>
+          <a:ext cx="7886699" cy="1597981"/>
         </p:xfrm>
         <a:graphic>
           <a:graphicData uri="http://schemas.openxmlformats.org/drawingml/2006/table">
@@ -10371,40 +10367,61 @@
             <p:ph idx="1"/>
           </p:nvPr>
         </p:nvSpPr>
-        <p:spPr/>
+        <p:spPr>
+          <a:xfrm>
+            <a:off x="609600" y="1277438"/>
+            <a:ext cx="7886700" cy="4908233"/>
+          </a:xfrm>
+        </p:spPr>
         <p:txBody>
           <a:bodyPr/>
           <a:lstStyle/>
           <a:p>
             <a:pPr lvl="0"/>
             <a:r>
-              <a:rPr lang="ko-KR" altLang="ko-KR"/>
+              <a:rPr lang="ko-KR" altLang="ko-KR" dirty="0"/>
               <a:t>동일한 이름으로 파일이 업로드 된다면 기존 파일이 사라지는 문제 </a:t>
             </a:r>
           </a:p>
           <a:p>
             <a:pPr lvl="0"/>
             <a:r>
-              <a:rPr lang="ko-KR" altLang="ko-KR"/>
-              <a:t>이미지 파일의 경우에는 원본 파일의 용량이 큰 경우 섬네일 이미지를 생성해야 하는 문제 </a:t>
+              <a:rPr lang="ko-KR" altLang="ko-KR" dirty="0"/>
+              <a:t>이미지 파일의 경우에는 원본 파일의 용량이 큰 경우 </a:t>
+            </a:r>
+            <a:r>
+              <a:rPr lang="ko-KR" altLang="ko-KR" dirty="0" err="1"/>
+              <a:t>섬네일</a:t>
+            </a:r>
+            <a:r>
+              <a:rPr lang="ko-KR" altLang="ko-KR" dirty="0"/>
+              <a:t> 이미지를 생성해야 하는 문제 </a:t>
             </a:r>
           </a:p>
           <a:p>
             <a:pPr lvl="0"/>
             <a:r>
-              <a:rPr lang="ko-KR" altLang="ko-KR"/>
+              <a:rPr lang="ko-KR" altLang="ko-KR" dirty="0"/>
               <a:t>이미지 파일과 일반 파일을 구분해서 다운로드 혹은 페이지에서 조회 하도록 처리하는 문제</a:t>
             </a:r>
           </a:p>
           <a:p>
             <a:pPr lvl="0"/>
             <a:r>
-              <a:rPr lang="ko-KR" altLang="ko-KR"/>
-              <a:t>첨부파일 공격에 대비하기 위한 업로드 파일의 확장자 제한 </a:t>
-            </a:r>
-          </a:p>
-          <a:p>
-            <a:endParaRPr lang="ko-KR" altLang="en-US"/>
+              <a:rPr lang="ko-KR" altLang="ko-KR" dirty="0"/>
+              <a:t>첨부파일 공격에 대비하기 위한 업로드 파일의 </a:t>
+            </a:r>
+            <a:r>
+              <a:rPr lang="ko-KR" altLang="ko-KR" dirty="0" err="1"/>
+              <a:t>확장자</a:t>
+            </a:r>
+            <a:r>
+              <a:rPr lang="ko-KR" altLang="ko-KR" dirty="0"/>
+              <a:t> 제한 </a:t>
+            </a:r>
+          </a:p>
+          <a:p>
+            <a:endParaRPr lang="ko-KR" altLang="en-US" dirty="0"/>
           </a:p>
         </p:txBody>
       </p:sp>
@@ -10465,25 +10482,25 @@
           <a:lstStyle/>
           <a:p>
             <a:r>
-              <a:rPr lang="en-US" altLang="ko-KR"/>
+              <a:rPr lang="en-US" altLang="ko-KR" dirty="0"/>
               <a:t>22. </a:t>
             </a:r>
             <a:r>
-              <a:rPr lang="ko-KR" altLang="en-US"/>
+              <a:rPr lang="ko-KR" altLang="en-US" dirty="0"/>
               <a:t>파일 업로드 상세 처리  </a:t>
             </a:r>
             <a:r>
-              <a:rPr lang="ko-KR" altLang="ko-KR" sz="2800" b="1"/>
+              <a:rPr lang="ko-KR" altLang="ko-KR" sz="2800" b="1" dirty="0"/>
               <a:t> </a:t>
             </a:r>
             <a:r>
-              <a:rPr lang="ko-KR" altLang="ko-KR" b="1"/>
+              <a:rPr lang="ko-KR" altLang="ko-KR" b="1" dirty="0"/>
               <a:t/>
             </a:r>
             <a:br>
-              <a:rPr lang="ko-KR" altLang="ko-KR" b="1"/>
+              <a:rPr lang="ko-KR" altLang="ko-KR" b="1" dirty="0"/>
             </a:br>
-            <a:endParaRPr lang="ko-KR" altLang="en-US"/>
+            <a:endParaRPr lang="ko-KR" altLang="en-US" dirty="0"/>
           </a:p>
         </p:txBody>
       </p:sp>
@@ -10696,13 +10713,13 @@
               </a:spcAft>
             </a:pPr>
             <a:r>
-              <a:rPr lang="en-US" altLang="ko-KR" sz="1100">
+              <a:rPr lang="en-US" altLang="ko-KR" sz="1100" dirty="0">
                 <a:latin typeface="Consolas" panose="020B0609020204030204" pitchFamily="49" charset="0"/>
                 <a:cs typeface="Consolas" panose="020B0609020204030204" pitchFamily="49" charset="0"/>
               </a:rPr>
               <a:t> </a:t>
             </a:r>
-            <a:endParaRPr lang="ko-KR" altLang="ko-KR" sz="1200">
+            <a:endParaRPr lang="ko-KR" altLang="ko-KR" sz="1200" dirty="0">
               <a:latin typeface="맑은 고딕" panose="020B0503020000020004" pitchFamily="50" charset="-127"/>
               <a:cs typeface="Arial" panose="020B0604020202020204" pitchFamily="34" charset="0"/>
             </a:endParaRPr>
@@ -10717,7 +10734,7 @@
               </a:spcAft>
             </a:pPr>
             <a:r>
-              <a:rPr lang="en-US" altLang="ko-KR" sz="1100" b="1">
+              <a:rPr lang="en-US" altLang="ko-KR" sz="1100" b="1" dirty="0">
                 <a:solidFill>
                   <a:srgbClr val="7F0055"/>
                 </a:solidFill>
@@ -10727,7 +10744,7 @@
               <a:t>var</a:t>
             </a:r>
             <a:r>
-              <a:rPr lang="en-US" altLang="ko-KR" sz="1100">
+              <a:rPr lang="en-US" altLang="ko-KR" sz="1100" dirty="0">
                 <a:solidFill>
                   <a:srgbClr val="000000"/>
                 </a:solidFill>
@@ -10737,7 +10754,7 @@
               <a:t> regex = </a:t>
             </a:r>
             <a:r>
-              <a:rPr lang="en-US" altLang="ko-KR" sz="1100" b="1">
+              <a:rPr lang="en-US" altLang="ko-KR" sz="1100" b="1" dirty="0">
                 <a:solidFill>
                   <a:srgbClr val="7F0055"/>
                 </a:solidFill>
@@ -10747,7 +10764,7 @@
               <a:t>new</a:t>
             </a:r>
             <a:r>
-              <a:rPr lang="en-US" altLang="ko-KR" sz="1100">
+              <a:rPr lang="en-US" altLang="ko-KR" sz="1100" dirty="0">
                 <a:solidFill>
                   <a:srgbClr val="000000"/>
                 </a:solidFill>
@@ -10757,7 +10774,7 @@
               <a:t> RegExp(</a:t>
             </a:r>
             <a:r>
-              <a:rPr lang="en-US" altLang="ko-KR" sz="1100">
+              <a:rPr lang="en-US" altLang="ko-KR" sz="1100" dirty="0">
                 <a:solidFill>
                   <a:srgbClr val="2A00FF"/>
                 </a:solidFill>
@@ -10767,7 +10784,7 @@
               <a:t>"(.*?)\.(exe|sh|zip|alz)$"</a:t>
             </a:r>
             <a:r>
-              <a:rPr lang="en-US" altLang="ko-KR" sz="1100">
+              <a:rPr lang="en-US" altLang="ko-KR" sz="1100" dirty="0">
                 <a:solidFill>
                   <a:srgbClr val="000000"/>
                 </a:solidFill>
@@ -10776,7 +10793,7 @@
               </a:rPr>
               <a:t>);</a:t>
             </a:r>
-            <a:endParaRPr lang="ko-KR" altLang="ko-KR" sz="1200">
+            <a:endParaRPr lang="ko-KR" altLang="ko-KR" sz="1200" dirty="0">
               <a:latin typeface="맑은 고딕" panose="020B0503020000020004" pitchFamily="50" charset="-127"/>
               <a:cs typeface="Arial" panose="020B0604020202020204" pitchFamily="34" charset="0"/>
             </a:endParaRPr>
@@ -10791,7 +10808,7 @@
               </a:spcAft>
             </a:pPr>
             <a:r>
-              <a:rPr lang="en-US" altLang="ko-KR" sz="1100" b="1">
+              <a:rPr lang="en-US" altLang="ko-KR" sz="1100" b="1" dirty="0">
                 <a:solidFill>
                   <a:srgbClr val="7F0055"/>
                 </a:solidFill>
@@ -10801,7 +10818,7 @@
               <a:t>var</a:t>
             </a:r>
             <a:r>
-              <a:rPr lang="en-US" altLang="ko-KR" sz="1100">
+              <a:rPr lang="en-US" altLang="ko-KR" sz="1100" dirty="0">
                 <a:solidFill>
                   <a:srgbClr val="000000"/>
                 </a:solidFill>
@@ -10811,7 +10828,7 @@
               <a:t> maxSize = 5242880; </a:t>
             </a:r>
             <a:r>
-              <a:rPr lang="en-US" altLang="ko-KR" sz="1100">
+              <a:rPr lang="en-US" altLang="ko-KR" sz="1100" dirty="0">
                 <a:solidFill>
                   <a:srgbClr val="3F7F5F"/>
                 </a:solidFill>
@@ -10820,7 +10837,7 @@
               </a:rPr>
               <a:t>//5MB</a:t>
             </a:r>
-            <a:endParaRPr lang="ko-KR" altLang="ko-KR" sz="1200">
+            <a:endParaRPr lang="ko-KR" altLang="ko-KR" sz="1200" dirty="0">
               <a:latin typeface="맑은 고딕" panose="020B0503020000020004" pitchFamily="50" charset="-127"/>
               <a:cs typeface="Arial" panose="020B0604020202020204" pitchFamily="34" charset="0"/>
             </a:endParaRPr>
@@ -10835,13 +10852,13 @@
               </a:spcAft>
             </a:pPr>
             <a:r>
-              <a:rPr lang="en-US" altLang="ko-KR" sz="1100">
+              <a:rPr lang="en-US" altLang="ko-KR" sz="1100" dirty="0">
                 <a:latin typeface="Consolas" panose="020B0609020204030204" pitchFamily="49" charset="0"/>
                 <a:cs typeface="Consolas" panose="020B0609020204030204" pitchFamily="49" charset="0"/>
               </a:rPr>
               <a:t> </a:t>
             </a:r>
-            <a:endParaRPr lang="ko-KR" altLang="ko-KR" sz="1200">
+            <a:endParaRPr lang="ko-KR" altLang="ko-KR" sz="1200" dirty="0">
               <a:latin typeface="맑은 고딕" panose="020B0503020000020004" pitchFamily="50" charset="-127"/>
               <a:cs typeface="Arial" panose="020B0604020202020204" pitchFamily="34" charset="0"/>
             </a:endParaRPr>
@@ -10856,7 +10873,7 @@
               </a:spcAft>
             </a:pPr>
             <a:r>
-              <a:rPr lang="en-US" altLang="ko-KR" sz="1100" b="1">
+              <a:rPr lang="en-US" altLang="ko-KR" sz="1100" b="1" dirty="0">
                 <a:solidFill>
                   <a:srgbClr val="7F0055"/>
                 </a:solidFill>
@@ -10866,7 +10883,7 @@
               <a:t>function</a:t>
             </a:r>
             <a:r>
-              <a:rPr lang="en-US" altLang="ko-KR" sz="1100">
+              <a:rPr lang="en-US" altLang="ko-KR" sz="1100" dirty="0">
                 <a:solidFill>
                   <a:srgbClr val="000000"/>
                 </a:solidFill>
@@ -10875,7 +10892,7 @@
               </a:rPr>
               <a:t> checkExtension(fileName, fileSize){</a:t>
             </a:r>
-            <a:endParaRPr lang="ko-KR" altLang="ko-KR" sz="1200">
+            <a:endParaRPr lang="ko-KR" altLang="ko-KR" sz="1200" dirty="0">
               <a:latin typeface="맑은 고딕" panose="020B0503020000020004" pitchFamily="50" charset="-127"/>
               <a:cs typeface="Arial" panose="020B0604020202020204" pitchFamily="34" charset="0"/>
             </a:endParaRPr>
@@ -10890,7 +10907,7 @@
               </a:spcAft>
             </a:pPr>
             <a:r>
-              <a:rPr lang="en-US" altLang="ko-KR" sz="1100">
+              <a:rPr lang="en-US" altLang="ko-KR" sz="1100" dirty="0">
                 <a:solidFill>
                   <a:srgbClr val="000000"/>
                 </a:solidFill>
@@ -10899,7 +10916,7 @@
               </a:rPr>
               <a:t>  </a:t>
             </a:r>
-            <a:endParaRPr lang="ko-KR" altLang="ko-KR" sz="1200">
+            <a:endParaRPr lang="ko-KR" altLang="ko-KR" sz="1200" dirty="0">
               <a:latin typeface="맑은 고딕" panose="020B0503020000020004" pitchFamily="50" charset="-127"/>
               <a:cs typeface="Arial" panose="020B0604020202020204" pitchFamily="34" charset="0"/>
             </a:endParaRPr>
@@ -10914,7 +10931,7 @@
               </a:spcAft>
             </a:pPr>
             <a:r>
-              <a:rPr lang="en-US" altLang="ko-KR" sz="1100">
+              <a:rPr lang="en-US" altLang="ko-KR" sz="1100" dirty="0">
                 <a:solidFill>
                   <a:srgbClr val="000000"/>
                 </a:solidFill>
@@ -10924,7 +10941,7 @@
               <a:t>  </a:t>
             </a:r>
             <a:r>
-              <a:rPr lang="en-US" altLang="ko-KR" sz="1100" b="1">
+              <a:rPr lang="en-US" altLang="ko-KR" sz="1100" b="1" dirty="0">
                 <a:solidFill>
                   <a:srgbClr val="7F0055"/>
                 </a:solidFill>
@@ -10934,7 +10951,7 @@
               <a:t>if</a:t>
             </a:r>
             <a:r>
-              <a:rPr lang="en-US" altLang="ko-KR" sz="1100">
+              <a:rPr lang="en-US" altLang="ko-KR" sz="1100" dirty="0">
                 <a:solidFill>
                   <a:srgbClr val="000000"/>
                 </a:solidFill>
@@ -10943,7 +10960,7 @@
               </a:rPr>
               <a:t>(fileSize &gt;= maxSize){</a:t>
             </a:r>
-            <a:endParaRPr lang="ko-KR" altLang="ko-KR" sz="1200">
+            <a:endParaRPr lang="ko-KR" altLang="ko-KR" sz="1200" dirty="0">
               <a:latin typeface="맑은 고딕" panose="020B0503020000020004" pitchFamily="50" charset="-127"/>
               <a:cs typeface="Arial" panose="020B0604020202020204" pitchFamily="34" charset="0"/>
             </a:endParaRPr>
@@ -10958,7 +10975,7 @@
               </a:spcAft>
             </a:pPr>
             <a:r>
-              <a:rPr lang="en-US" altLang="ko-KR" sz="1100">
+              <a:rPr lang="en-US" altLang="ko-KR" sz="1100" dirty="0">
                 <a:solidFill>
                   <a:srgbClr val="000000"/>
                 </a:solidFill>
@@ -10968,7 +10985,7 @@
               <a:t>    alert(</a:t>
             </a:r>
             <a:r>
-              <a:rPr lang="en-US" altLang="ko-KR" sz="1100">
+              <a:rPr lang="en-US" altLang="ko-KR" sz="1100" dirty="0">
                 <a:solidFill>
                   <a:srgbClr val="2A00FF"/>
                 </a:solidFill>
@@ -10978,7 +10995,7 @@
               <a:t>"</a:t>
             </a:r>
             <a:r>
-              <a:rPr lang="ko-KR" altLang="ko-KR" sz="1100">
+              <a:rPr lang="ko-KR" altLang="ko-KR" sz="1100" dirty="0">
                 <a:solidFill>
                   <a:srgbClr val="2A00FF"/>
                 </a:solidFill>
@@ -10988,7 +11005,7 @@
               <a:t>파일</a:t>
             </a:r>
             <a:r>
-              <a:rPr lang="ko-KR" altLang="ko-KR" sz="1100">
+              <a:rPr lang="ko-KR" altLang="ko-KR" sz="1100" dirty="0">
                 <a:solidFill>
                   <a:srgbClr val="2A00FF"/>
                 </a:solidFill>
@@ -10999,7 +11016,7 @@
               <a:t> </a:t>
             </a:r>
             <a:r>
-              <a:rPr lang="ko-KR" altLang="ko-KR" sz="1100">
+              <a:rPr lang="ko-KR" altLang="ko-KR" sz="1100" dirty="0">
                 <a:solidFill>
                   <a:srgbClr val="2A00FF"/>
                 </a:solidFill>
@@ -11009,7 +11026,7 @@
               <a:t>사이즈</a:t>
             </a:r>
             <a:r>
-              <a:rPr lang="ko-KR" altLang="ko-KR" sz="1100">
+              <a:rPr lang="ko-KR" altLang="ko-KR" sz="1100" dirty="0">
                 <a:solidFill>
                   <a:srgbClr val="2A00FF"/>
                 </a:solidFill>
@@ -11020,7 +11037,7 @@
               <a:t> </a:t>
             </a:r>
             <a:r>
-              <a:rPr lang="ko-KR" altLang="ko-KR" sz="1100">
+              <a:rPr lang="ko-KR" altLang="ko-KR" sz="1100" dirty="0">
                 <a:solidFill>
                   <a:srgbClr val="2A00FF"/>
                 </a:solidFill>
@@ -11030,7 +11047,7 @@
               <a:t>초과</a:t>
             </a:r>
             <a:r>
-              <a:rPr lang="en-US" altLang="ko-KR" sz="1100">
+              <a:rPr lang="en-US" altLang="ko-KR" sz="1100" dirty="0">
                 <a:solidFill>
                   <a:srgbClr val="2A00FF"/>
                 </a:solidFill>
@@ -11040,7 +11057,7 @@
               <a:t>"</a:t>
             </a:r>
             <a:r>
-              <a:rPr lang="en-US" altLang="ko-KR" sz="1100">
+              <a:rPr lang="en-US" altLang="ko-KR" sz="1100" dirty="0">
                 <a:solidFill>
                   <a:srgbClr val="000000"/>
                 </a:solidFill>
@@ -11049,7 +11066,7 @@
               </a:rPr>
               <a:t>);</a:t>
             </a:r>
-            <a:endParaRPr lang="ko-KR" altLang="ko-KR" sz="1200">
+            <a:endParaRPr lang="ko-KR" altLang="ko-KR" sz="1200" dirty="0">
               <a:latin typeface="맑은 고딕" panose="020B0503020000020004" pitchFamily="50" charset="-127"/>
               <a:cs typeface="Arial" panose="020B0604020202020204" pitchFamily="34" charset="0"/>
             </a:endParaRPr>
@@ -11064,7 +11081,7 @@
               </a:spcAft>
             </a:pPr>
             <a:r>
-              <a:rPr lang="en-US" altLang="ko-KR" sz="1100">
+              <a:rPr lang="en-US" altLang="ko-KR" sz="1100" dirty="0">
                 <a:solidFill>
                   <a:srgbClr val="000000"/>
                 </a:solidFill>
@@ -11074,7 +11091,7 @@
               <a:t>    </a:t>
             </a:r>
             <a:r>
-              <a:rPr lang="en-US" altLang="ko-KR" sz="1100" b="1">
+              <a:rPr lang="en-US" altLang="ko-KR" sz="1100" b="1" dirty="0">
                 <a:solidFill>
                   <a:srgbClr val="7F0055"/>
                 </a:solidFill>
@@ -11084,7 +11101,7 @@
               <a:t>return</a:t>
             </a:r>
             <a:r>
-              <a:rPr lang="en-US" altLang="ko-KR" sz="1100">
+              <a:rPr lang="en-US" altLang="ko-KR" sz="1100" dirty="0">
                 <a:solidFill>
                   <a:srgbClr val="000000"/>
                 </a:solidFill>
@@ -11094,7 +11111,7 @@
               <a:t> </a:t>
             </a:r>
             <a:r>
-              <a:rPr lang="en-US" altLang="ko-KR" sz="1100" b="1">
+              <a:rPr lang="en-US" altLang="ko-KR" sz="1100" b="1" dirty="0">
                 <a:solidFill>
                   <a:srgbClr val="7F0055"/>
                 </a:solidFill>
@@ -11104,7 +11121,7 @@
               <a:t>false</a:t>
             </a:r>
             <a:r>
-              <a:rPr lang="en-US" altLang="ko-KR" sz="1100">
+              <a:rPr lang="en-US" altLang="ko-KR" sz="1100" dirty="0">
                 <a:solidFill>
                   <a:srgbClr val="000000"/>
                 </a:solidFill>
@@ -11113,7 +11130,7 @@
               </a:rPr>
               <a:t>;</a:t>
             </a:r>
-            <a:endParaRPr lang="ko-KR" altLang="ko-KR" sz="1200">
+            <a:endParaRPr lang="ko-KR" altLang="ko-KR" sz="1200" dirty="0">
               <a:latin typeface="맑은 고딕" panose="020B0503020000020004" pitchFamily="50" charset="-127"/>
               <a:cs typeface="Arial" panose="020B0604020202020204" pitchFamily="34" charset="0"/>
             </a:endParaRPr>
@@ -11128,7 +11145,7 @@
               </a:spcAft>
             </a:pPr>
             <a:r>
-              <a:rPr lang="en-US" altLang="ko-KR" sz="1100">
+              <a:rPr lang="en-US" altLang="ko-KR" sz="1100" dirty="0">
                 <a:solidFill>
                   <a:srgbClr val="000000"/>
                 </a:solidFill>
@@ -11137,7 +11154,7 @@
               </a:rPr>
               <a:t>  }</a:t>
             </a:r>
-            <a:endParaRPr lang="ko-KR" altLang="ko-KR" sz="1200">
+            <a:endParaRPr lang="ko-KR" altLang="ko-KR" sz="1200" dirty="0">
               <a:latin typeface="맑은 고딕" panose="020B0503020000020004" pitchFamily="50" charset="-127"/>
               <a:cs typeface="Arial" panose="020B0604020202020204" pitchFamily="34" charset="0"/>
             </a:endParaRPr>
@@ -11152,7 +11169,7 @@
               </a:spcAft>
             </a:pPr>
             <a:r>
-              <a:rPr lang="en-US" altLang="ko-KR" sz="1100">
+              <a:rPr lang="en-US" altLang="ko-KR" sz="1100" dirty="0">
                 <a:solidFill>
                   <a:srgbClr val="000000"/>
                 </a:solidFill>
@@ -11161,7 +11178,7 @@
               </a:rPr>
               <a:t>  </a:t>
             </a:r>
-            <a:endParaRPr lang="ko-KR" altLang="ko-KR" sz="1200">
+            <a:endParaRPr lang="ko-KR" altLang="ko-KR" sz="1200" dirty="0">
               <a:latin typeface="맑은 고딕" panose="020B0503020000020004" pitchFamily="50" charset="-127"/>
               <a:cs typeface="Arial" panose="020B0604020202020204" pitchFamily="34" charset="0"/>
             </a:endParaRPr>
@@ -11176,7 +11193,7 @@
               </a:spcAft>
             </a:pPr>
             <a:r>
-              <a:rPr lang="en-US" altLang="ko-KR" sz="1100">
+              <a:rPr lang="en-US" altLang="ko-KR" sz="1100" dirty="0">
                 <a:solidFill>
                   <a:srgbClr val="000000"/>
                 </a:solidFill>
@@ -11186,7 +11203,7 @@
               <a:t>  </a:t>
             </a:r>
             <a:r>
-              <a:rPr lang="en-US" altLang="ko-KR" sz="1100" b="1">
+              <a:rPr lang="en-US" altLang="ko-KR" sz="1100" b="1" dirty="0">
                 <a:solidFill>
                   <a:srgbClr val="7F0055"/>
                 </a:solidFill>
@@ -11196,7 +11213,7 @@
               <a:t>if</a:t>
             </a:r>
             <a:r>
-              <a:rPr lang="en-US" altLang="ko-KR" sz="1100">
+              <a:rPr lang="en-US" altLang="ko-KR" sz="1100" dirty="0">
                 <a:solidFill>
                   <a:srgbClr val="000000"/>
                 </a:solidFill>
@@ -11205,7 +11222,7 @@
               </a:rPr>
               <a:t>(regex.test(fileName)){</a:t>
             </a:r>
-            <a:endParaRPr lang="ko-KR" altLang="ko-KR" sz="1200">
+            <a:endParaRPr lang="ko-KR" altLang="ko-KR" sz="1200" dirty="0">
               <a:latin typeface="맑은 고딕" panose="020B0503020000020004" pitchFamily="50" charset="-127"/>
               <a:cs typeface="Arial" panose="020B0604020202020204" pitchFamily="34" charset="0"/>
             </a:endParaRPr>
@@ -11220,7 +11237,7 @@
               </a:spcAft>
             </a:pPr>
             <a:r>
-              <a:rPr lang="en-US" altLang="ko-KR" sz="1100">
+              <a:rPr lang="en-US" altLang="ko-KR" sz="1100" dirty="0">
                 <a:solidFill>
                   <a:srgbClr val="000000"/>
                 </a:solidFill>
@@ -11230,7 +11247,7 @@
               <a:t>    alert(</a:t>
             </a:r>
             <a:r>
-              <a:rPr lang="en-US" altLang="ko-KR" sz="1100">
+              <a:rPr lang="en-US" altLang="ko-KR" sz="1100" dirty="0">
                 <a:solidFill>
                   <a:srgbClr val="2A00FF"/>
                 </a:solidFill>
@@ -11240,7 +11257,7 @@
               <a:t>"</a:t>
             </a:r>
             <a:r>
-              <a:rPr lang="ko-KR" altLang="ko-KR" sz="1100">
+              <a:rPr lang="ko-KR" altLang="ko-KR" sz="1100" dirty="0">
                 <a:solidFill>
                   <a:srgbClr val="2A00FF"/>
                 </a:solidFill>
@@ -11250,7 +11267,7 @@
               <a:t>해당</a:t>
             </a:r>
             <a:r>
-              <a:rPr lang="ko-KR" altLang="ko-KR" sz="1100">
+              <a:rPr lang="ko-KR" altLang="ko-KR" sz="1100" dirty="0">
                 <a:solidFill>
                   <a:srgbClr val="2A00FF"/>
                 </a:solidFill>
@@ -11261,7 +11278,7 @@
               <a:t> </a:t>
             </a:r>
             <a:r>
-              <a:rPr lang="ko-KR" altLang="ko-KR" sz="1100">
+              <a:rPr lang="ko-KR" altLang="ko-KR" sz="1100" dirty="0">
                 <a:solidFill>
                   <a:srgbClr val="2A00FF"/>
                 </a:solidFill>
@@ -11271,7 +11288,7 @@
               <a:t>종류의</a:t>
             </a:r>
             <a:r>
-              <a:rPr lang="ko-KR" altLang="ko-KR" sz="1100">
+              <a:rPr lang="ko-KR" altLang="ko-KR" sz="1100" dirty="0">
                 <a:solidFill>
                   <a:srgbClr val="2A00FF"/>
                 </a:solidFill>
@@ -11282,7 +11299,7 @@
               <a:t> </a:t>
             </a:r>
             <a:r>
-              <a:rPr lang="ko-KR" altLang="ko-KR" sz="1100">
+              <a:rPr lang="ko-KR" altLang="ko-KR" sz="1100" dirty="0">
                 <a:solidFill>
                   <a:srgbClr val="2A00FF"/>
                 </a:solidFill>
@@ -11292,7 +11309,7 @@
               <a:t>파일은</a:t>
             </a:r>
             <a:r>
-              <a:rPr lang="ko-KR" altLang="ko-KR" sz="1100">
+              <a:rPr lang="ko-KR" altLang="ko-KR" sz="1100" dirty="0">
                 <a:solidFill>
                   <a:srgbClr val="2A00FF"/>
                 </a:solidFill>
@@ -11303,7 +11320,7 @@
               <a:t> </a:t>
             </a:r>
             <a:r>
-              <a:rPr lang="ko-KR" altLang="ko-KR" sz="1100">
+              <a:rPr lang="ko-KR" altLang="ko-KR" sz="1100" dirty="0">
                 <a:solidFill>
                   <a:srgbClr val="2A00FF"/>
                 </a:solidFill>
@@ -11313,7 +11330,7 @@
               <a:t>업로드할</a:t>
             </a:r>
             <a:r>
-              <a:rPr lang="ko-KR" altLang="ko-KR" sz="1100">
+              <a:rPr lang="ko-KR" altLang="ko-KR" sz="1100" dirty="0">
                 <a:solidFill>
                   <a:srgbClr val="2A00FF"/>
                 </a:solidFill>
@@ -11324,7 +11341,7 @@
               <a:t> </a:t>
             </a:r>
             <a:r>
-              <a:rPr lang="ko-KR" altLang="ko-KR" sz="1100">
+              <a:rPr lang="ko-KR" altLang="ko-KR" sz="1100" dirty="0">
                 <a:solidFill>
                   <a:srgbClr val="2A00FF"/>
                 </a:solidFill>
@@ -11334,7 +11351,7 @@
               <a:t>수</a:t>
             </a:r>
             <a:r>
-              <a:rPr lang="ko-KR" altLang="ko-KR" sz="1100">
+              <a:rPr lang="ko-KR" altLang="ko-KR" sz="1100" dirty="0">
                 <a:solidFill>
                   <a:srgbClr val="2A00FF"/>
                 </a:solidFill>
@@ -11345,7 +11362,7 @@
               <a:t> </a:t>
             </a:r>
             <a:r>
-              <a:rPr lang="ko-KR" altLang="ko-KR" sz="1100">
+              <a:rPr lang="ko-KR" altLang="ko-KR" sz="1100" dirty="0">
                 <a:solidFill>
                   <a:srgbClr val="2A00FF"/>
                 </a:solidFill>
@@ -11355,7 +11372,7 @@
               <a:t>없습니다</a:t>
             </a:r>
             <a:r>
-              <a:rPr lang="en-US" altLang="ko-KR" sz="1100">
+              <a:rPr lang="en-US" altLang="ko-KR" sz="1100" dirty="0">
                 <a:solidFill>
                   <a:srgbClr val="2A00FF"/>
                 </a:solidFill>
@@ -11365,7 +11382,7 @@
               <a:t>."</a:t>
             </a:r>
             <a:r>
-              <a:rPr lang="en-US" altLang="ko-KR" sz="1100">
+              <a:rPr lang="en-US" altLang="ko-KR" sz="1100" dirty="0">
                 <a:solidFill>
                   <a:srgbClr val="000000"/>
                 </a:solidFill>
@@ -11374,7 +11391,7 @@
               </a:rPr>
               <a:t>);</a:t>
             </a:r>
-            <a:endParaRPr lang="ko-KR" altLang="ko-KR" sz="1200">
+            <a:endParaRPr lang="ko-KR" altLang="ko-KR" sz="1200" dirty="0">
               <a:latin typeface="맑은 고딕" panose="020B0503020000020004" pitchFamily="50" charset="-127"/>
               <a:cs typeface="Arial" panose="020B0604020202020204" pitchFamily="34" charset="0"/>
             </a:endParaRPr>
@@ -11389,7 +11406,7 @@
               </a:spcAft>
             </a:pPr>
             <a:r>
-              <a:rPr lang="en-US" altLang="ko-KR" sz="1100">
+              <a:rPr lang="en-US" altLang="ko-KR" sz="1100" dirty="0">
                 <a:solidFill>
                   <a:srgbClr val="000000"/>
                 </a:solidFill>
@@ -11399,7 +11416,7 @@
               <a:t>    </a:t>
             </a:r>
             <a:r>
-              <a:rPr lang="en-US" altLang="ko-KR" sz="1100" b="1">
+              <a:rPr lang="en-US" altLang="ko-KR" sz="1100" b="1" dirty="0">
                 <a:solidFill>
                   <a:srgbClr val="7F0055"/>
                 </a:solidFill>
@@ -11409,7 +11426,7 @@
               <a:t>return</a:t>
             </a:r>
             <a:r>
-              <a:rPr lang="en-US" altLang="ko-KR" sz="1100">
+              <a:rPr lang="en-US" altLang="ko-KR" sz="1100" dirty="0">
                 <a:solidFill>
                   <a:srgbClr val="000000"/>
                 </a:solidFill>
@@ -11419,7 +11436,7 @@
               <a:t> </a:t>
             </a:r>
             <a:r>
-              <a:rPr lang="en-US" altLang="ko-KR" sz="1100" b="1">
+              <a:rPr lang="en-US" altLang="ko-KR" sz="1100" b="1" dirty="0">
                 <a:solidFill>
                   <a:srgbClr val="7F0055"/>
                 </a:solidFill>
@@ -11429,7 +11446,7 @@
               <a:t>false</a:t>
             </a:r>
             <a:r>
-              <a:rPr lang="en-US" altLang="ko-KR" sz="1100">
+              <a:rPr lang="en-US" altLang="ko-KR" sz="1100" dirty="0">
                 <a:solidFill>
                   <a:srgbClr val="000000"/>
                 </a:solidFill>
@@ -11438,7 +11455,7 @@
               </a:rPr>
               <a:t>;</a:t>
             </a:r>
-            <a:endParaRPr lang="ko-KR" altLang="ko-KR" sz="1200">
+            <a:endParaRPr lang="ko-KR" altLang="ko-KR" sz="1200" dirty="0">
               <a:latin typeface="맑은 고딕" panose="020B0503020000020004" pitchFamily="50" charset="-127"/>
               <a:cs typeface="Arial" panose="020B0604020202020204" pitchFamily="34" charset="0"/>
             </a:endParaRPr>
@@ -11453,7 +11470,7 @@
               </a:spcAft>
             </a:pPr>
             <a:r>
-              <a:rPr lang="en-US" altLang="ko-KR" sz="1100">
+              <a:rPr lang="en-US" altLang="ko-KR" sz="1100" dirty="0">
                 <a:solidFill>
                   <a:srgbClr val="000000"/>
                 </a:solidFill>
@@ -11462,7 +11479,7 @@
               </a:rPr>
               <a:t>  }</a:t>
             </a:r>
-            <a:endParaRPr lang="ko-KR" altLang="ko-KR" sz="1200">
+            <a:endParaRPr lang="ko-KR" altLang="ko-KR" sz="1200" dirty="0">
               <a:latin typeface="맑은 고딕" panose="020B0503020000020004" pitchFamily="50" charset="-127"/>
               <a:cs typeface="Arial" panose="020B0604020202020204" pitchFamily="34" charset="0"/>
             </a:endParaRPr>
@@ -11477,7 +11494,7 @@
               </a:spcAft>
             </a:pPr>
             <a:r>
-              <a:rPr lang="en-US" altLang="ko-KR" sz="1100">
+              <a:rPr lang="en-US" altLang="ko-KR" sz="1100" dirty="0">
                 <a:solidFill>
                   <a:srgbClr val="000000"/>
                 </a:solidFill>
@@ -11487,7 +11504,7 @@
               <a:t>  </a:t>
             </a:r>
             <a:r>
-              <a:rPr lang="en-US" altLang="ko-KR" sz="1100" b="1">
+              <a:rPr lang="en-US" altLang="ko-KR" sz="1100" b="1" dirty="0">
                 <a:solidFill>
                   <a:srgbClr val="7F0055"/>
                 </a:solidFill>
@@ -11497,7 +11514,7 @@
               <a:t>return</a:t>
             </a:r>
             <a:r>
-              <a:rPr lang="en-US" altLang="ko-KR" sz="1100">
+              <a:rPr lang="en-US" altLang="ko-KR" sz="1100" dirty="0">
                 <a:solidFill>
                   <a:srgbClr val="000000"/>
                 </a:solidFill>
@@ -11507,7 +11524,7 @@
               <a:t> </a:t>
             </a:r>
             <a:r>
-              <a:rPr lang="en-US" altLang="ko-KR" sz="1100" b="1">
+              <a:rPr lang="en-US" altLang="ko-KR" sz="1100" b="1" dirty="0">
                 <a:solidFill>
                   <a:srgbClr val="7F0055"/>
                 </a:solidFill>
@@ -11517,7 +11534,7 @@
               <a:t>true</a:t>
             </a:r>
             <a:r>
-              <a:rPr lang="en-US" altLang="ko-KR" sz="1100">
+              <a:rPr lang="en-US" altLang="ko-KR" sz="1100" dirty="0">
                 <a:solidFill>
                   <a:srgbClr val="000000"/>
                 </a:solidFill>
@@ -11526,7 +11543,7 @@
               </a:rPr>
               <a:t>;</a:t>
             </a:r>
-            <a:endParaRPr lang="ko-KR" altLang="ko-KR" sz="1200">
+            <a:endParaRPr lang="ko-KR" altLang="ko-KR" sz="1200" dirty="0">
               <a:latin typeface="맑은 고딕" panose="020B0503020000020004" pitchFamily="50" charset="-127"/>
               <a:cs typeface="Arial" panose="020B0604020202020204" pitchFamily="34" charset="0"/>
             </a:endParaRPr>
@@ -11541,7 +11558,7 @@
               </a:spcAft>
             </a:pPr>
             <a:r>
-              <a:rPr lang="en-US" altLang="ko-KR" sz="1100">
+              <a:rPr lang="en-US" altLang="ko-KR" sz="1100" dirty="0">
                 <a:solidFill>
                   <a:srgbClr val="000000"/>
                 </a:solidFill>
@@ -11550,7 +11567,7 @@
               </a:rPr>
               <a:t>}</a:t>
             </a:r>
-            <a:endParaRPr lang="ko-KR" altLang="ko-KR" sz="1200">
+            <a:endParaRPr lang="ko-KR" altLang="ko-KR" sz="1200" dirty="0">
               <a:latin typeface="맑은 고딕" panose="020B0503020000020004" pitchFamily="50" charset="-127"/>
               <a:cs typeface="Arial" panose="020B0604020202020204" pitchFamily="34" charset="0"/>
             </a:endParaRPr>
@@ -15336,53 +15353,65 @@
           <a:lstStyle/>
           <a:p>
             <a:r>
-              <a:rPr lang="ko-KR" altLang="en-US" smtClean="0"/>
+              <a:rPr lang="ko-KR" altLang="en-US" dirty="0" smtClean="0"/>
               <a:t>업로드 이후에 반환해야 하는 정보 </a:t>
             </a:r>
-            <a:endParaRPr lang="en-US" altLang="ko-KR" smtClean="0"/>
+            <a:endParaRPr lang="en-US" altLang="ko-KR" dirty="0" smtClean="0"/>
           </a:p>
           <a:p>
             <a:pPr lvl="1"/>
             <a:r>
-              <a:rPr lang="ko-KR" altLang="ko-KR" sz="1600" smtClean="0"/>
-              <a:t>업로드된 파일의 이름과 원본 파일의 이름 </a:t>
+              <a:rPr lang="ko-KR" altLang="ko-KR" sz="1600" dirty="0" err="1" smtClean="0"/>
+              <a:t>업로드된</a:t>
+            </a:r>
+            <a:r>
+              <a:rPr lang="ko-KR" altLang="ko-KR" sz="1600" dirty="0" smtClean="0"/>
+              <a:t> 파일의 이름과 원본 파일의 이름 </a:t>
             </a:r>
           </a:p>
           <a:p>
             <a:pPr lvl="1"/>
             <a:r>
-              <a:rPr lang="ko-KR" altLang="ko-KR" sz="1600" smtClean="0"/>
+              <a:rPr lang="ko-KR" altLang="ko-KR" sz="1600" dirty="0" smtClean="0"/>
               <a:t>파일이 저장된 경로 </a:t>
             </a:r>
           </a:p>
           <a:p>
             <a:pPr lvl="1"/>
             <a:r>
-              <a:rPr lang="ko-KR" altLang="ko-KR" sz="1600" smtClean="0"/>
-              <a:t>업로드된 파일이 이미지인지 아닌지에 대한 정보 </a:t>
-            </a:r>
-            <a:endParaRPr lang="en-US" altLang="ko-KR" sz="1600" smtClean="0"/>
-          </a:p>
-          <a:p>
-            <a:r>
-              <a:rPr lang="ko-KR" altLang="en-US" sz="1900" smtClean="0"/>
+              <a:rPr lang="ko-KR" altLang="ko-KR" sz="1600" dirty="0" err="1" smtClean="0"/>
+              <a:t>업로드된</a:t>
+            </a:r>
+            <a:r>
+              <a:rPr lang="ko-KR" altLang="ko-KR" sz="1600" dirty="0" smtClean="0"/>
+              <a:t> 파일이 이미지인지 아닌지에 대한 정보 </a:t>
+            </a:r>
+            <a:endParaRPr lang="en-US" altLang="ko-KR" sz="1600" dirty="0" smtClean="0"/>
+          </a:p>
+          <a:p>
+            <a:r>
+              <a:rPr lang="ko-KR" altLang="en-US" sz="1900" dirty="0" smtClean="0"/>
               <a:t>정보들을 객체로 처리하고 </a:t>
             </a:r>
             <a:r>
-              <a:rPr lang="en-US" altLang="ko-KR" sz="1900" smtClean="0"/>
+              <a:rPr lang="en-US" altLang="ko-KR" sz="1900" dirty="0" smtClean="0"/>
               <a:t>JSON</a:t>
             </a:r>
             <a:r>
-              <a:rPr lang="ko-KR" altLang="en-US" sz="1900" smtClean="0"/>
-              <a:t>으로 전송 </a:t>
-            </a:r>
-            <a:endParaRPr lang="en-US" altLang="ko-KR" sz="1900" smtClean="0"/>
-          </a:p>
-          <a:p>
-            <a:endParaRPr lang="en-US" altLang="ko-KR" sz="1900" smtClean="0"/>
-          </a:p>
-          <a:p>
-            <a:endParaRPr lang="ko-KR" altLang="ko-KR" sz="1900"/>
+              <a:rPr lang="ko-KR" altLang="en-US" sz="1900" dirty="0" err="1" smtClean="0"/>
+              <a:t>으로</a:t>
+            </a:r>
+            <a:r>
+              <a:rPr lang="ko-KR" altLang="en-US" sz="1900" dirty="0" smtClean="0"/>
+              <a:t> 전송 </a:t>
+            </a:r>
+            <a:endParaRPr lang="en-US" altLang="ko-KR" sz="1900" dirty="0" smtClean="0"/>
+          </a:p>
+          <a:p>
+            <a:endParaRPr lang="en-US" altLang="ko-KR" sz="1900" dirty="0" smtClean="0"/>
+          </a:p>
+          <a:p>
+            <a:endParaRPr lang="ko-KR" altLang="ko-KR" sz="1900" dirty="0"/>
           </a:p>
         </p:txBody>
       </p:sp>
@@ -15653,7 +15682,7 @@
               </a:spcAft>
             </a:pPr>
             <a:r>
-              <a:rPr lang="en-US" altLang="ko-KR" sz="1100">
+              <a:rPr lang="en-US" altLang="ko-KR" sz="1100" dirty="0">
                 <a:solidFill>
                   <a:srgbClr val="6A3E3E"/>
                 </a:solidFill>
@@ -15662,7 +15691,7 @@
               </a:rPr>
               <a:t>@Data</a:t>
             </a:r>
-            <a:endParaRPr lang="ko-KR" altLang="ko-KR" sz="1200">
+            <a:endParaRPr lang="ko-KR" altLang="ko-KR" sz="1200" dirty="0">
               <a:latin typeface="맑은 고딕" panose="020B0503020000020004" pitchFamily="50" charset="-127"/>
               <a:cs typeface="Arial" panose="020B0604020202020204" pitchFamily="34" charset="0"/>
             </a:endParaRPr>
@@ -15677,7 +15706,7 @@
               </a:spcAft>
             </a:pPr>
             <a:r>
-              <a:rPr lang="en-US" altLang="ko-KR" sz="1100" b="1">
+              <a:rPr lang="en-US" altLang="ko-KR" sz="1100" b="1" dirty="0">
                 <a:solidFill>
                   <a:srgbClr val="7F0055"/>
                 </a:solidFill>
@@ -15687,7 +15716,7 @@
               <a:t>public</a:t>
             </a:r>
             <a:r>
-              <a:rPr lang="en-US" altLang="ko-KR" sz="1100">
+              <a:rPr lang="en-US" altLang="ko-KR" sz="1100" dirty="0">
                 <a:solidFill>
                   <a:srgbClr val="000000"/>
                 </a:solidFill>
@@ -15697,7 +15726,7 @@
               <a:t> </a:t>
             </a:r>
             <a:r>
-              <a:rPr lang="en-US" altLang="ko-KR" sz="1100" b="1">
+              <a:rPr lang="en-US" altLang="ko-KR" sz="1100" b="1" dirty="0">
                 <a:solidFill>
                   <a:srgbClr val="7F0055"/>
                 </a:solidFill>
@@ -15707,7 +15736,7 @@
               <a:t>class</a:t>
             </a:r>
             <a:r>
-              <a:rPr lang="en-US" altLang="ko-KR" sz="1100">
+              <a:rPr lang="en-US" altLang="ko-KR" sz="1100" dirty="0">
                 <a:solidFill>
                   <a:srgbClr val="000000"/>
                 </a:solidFill>
@@ -15716,7 +15745,7 @@
               </a:rPr>
               <a:t> AttachFileDTO {</a:t>
             </a:r>
-            <a:endParaRPr lang="ko-KR" altLang="ko-KR" sz="1200">
+            <a:endParaRPr lang="ko-KR" altLang="ko-KR" sz="1200" dirty="0">
               <a:latin typeface="맑은 고딕" panose="020B0503020000020004" pitchFamily="50" charset="-127"/>
               <a:cs typeface="Arial" panose="020B0604020202020204" pitchFamily="34" charset="0"/>
             </a:endParaRPr>
@@ -15731,13 +15760,13 @@
               </a:spcAft>
             </a:pPr>
             <a:r>
-              <a:rPr lang="en-US" altLang="ko-KR" sz="1100">
+              <a:rPr lang="en-US" altLang="ko-KR" sz="1100" dirty="0">
                 <a:latin typeface="Consolas" panose="020B0609020204030204" pitchFamily="49" charset="0"/>
                 <a:cs typeface="Consolas" panose="020B0609020204030204" pitchFamily="49" charset="0"/>
               </a:rPr>
               <a:t> </a:t>
             </a:r>
-            <a:endParaRPr lang="ko-KR" altLang="ko-KR" sz="1200">
+            <a:endParaRPr lang="ko-KR" altLang="ko-KR" sz="1200" dirty="0">
               <a:latin typeface="맑은 고딕" panose="020B0503020000020004" pitchFamily="50" charset="-127"/>
               <a:cs typeface="Arial" panose="020B0604020202020204" pitchFamily="34" charset="0"/>
             </a:endParaRPr>
@@ -15752,7 +15781,7 @@
               </a:spcAft>
             </a:pPr>
             <a:r>
-              <a:rPr lang="en-US" altLang="ko-KR" sz="1100">
+              <a:rPr lang="en-US" altLang="ko-KR" sz="1100" dirty="0">
                 <a:solidFill>
                   <a:srgbClr val="000000"/>
                 </a:solidFill>
@@ -15762,7 +15791,7 @@
               <a:t>  </a:t>
             </a:r>
             <a:r>
-              <a:rPr lang="en-US" altLang="ko-KR" sz="1100" b="1">
+              <a:rPr lang="en-US" altLang="ko-KR" sz="1100" b="1" dirty="0">
                 <a:solidFill>
                   <a:srgbClr val="7F0055"/>
                 </a:solidFill>
@@ -15772,7 +15801,7 @@
               <a:t>private</a:t>
             </a:r>
             <a:r>
-              <a:rPr lang="en-US" altLang="ko-KR" sz="1100">
+              <a:rPr lang="en-US" altLang="ko-KR" sz="1100" dirty="0">
                 <a:solidFill>
                   <a:srgbClr val="000000"/>
                 </a:solidFill>
@@ -15782,7 +15811,7 @@
               <a:t> String </a:t>
             </a:r>
             <a:r>
-              <a:rPr lang="en-US" altLang="ko-KR" sz="1100">
+              <a:rPr lang="en-US" altLang="ko-KR" sz="1100" dirty="0">
                 <a:solidFill>
                   <a:srgbClr val="0000C0"/>
                 </a:solidFill>
@@ -15792,7 +15821,7 @@
               <a:t>fileName</a:t>
             </a:r>
             <a:r>
-              <a:rPr lang="en-US" altLang="ko-KR" sz="1100">
+              <a:rPr lang="en-US" altLang="ko-KR" sz="1100" dirty="0">
                 <a:solidFill>
                   <a:srgbClr val="000000"/>
                 </a:solidFill>
@@ -15801,7 +15830,7 @@
               </a:rPr>
               <a:t>;</a:t>
             </a:r>
-            <a:endParaRPr lang="ko-KR" altLang="ko-KR" sz="1200">
+            <a:endParaRPr lang="ko-KR" altLang="ko-KR" sz="1200" dirty="0">
               <a:latin typeface="맑은 고딕" panose="020B0503020000020004" pitchFamily="50" charset="-127"/>
               <a:cs typeface="Arial" panose="020B0604020202020204" pitchFamily="34" charset="0"/>
             </a:endParaRPr>
@@ -15816,7 +15845,7 @@
               </a:spcAft>
             </a:pPr>
             <a:r>
-              <a:rPr lang="en-US" altLang="ko-KR" sz="1100">
+              <a:rPr lang="en-US" altLang="ko-KR" sz="1100" dirty="0">
                 <a:solidFill>
                   <a:srgbClr val="000000"/>
                 </a:solidFill>
@@ -15826,7 +15855,7 @@
               <a:t>  </a:t>
             </a:r>
             <a:r>
-              <a:rPr lang="en-US" altLang="ko-KR" sz="1100" b="1">
+              <a:rPr lang="en-US" altLang="ko-KR" sz="1100" b="1" dirty="0">
                 <a:solidFill>
                   <a:srgbClr val="7F0055"/>
                 </a:solidFill>
@@ -15836,7 +15865,7 @@
               <a:t>private</a:t>
             </a:r>
             <a:r>
-              <a:rPr lang="en-US" altLang="ko-KR" sz="1100">
+              <a:rPr lang="en-US" altLang="ko-KR" sz="1100" dirty="0">
                 <a:solidFill>
                   <a:srgbClr val="000000"/>
                 </a:solidFill>
@@ -15846,7 +15875,7 @@
               <a:t> String </a:t>
             </a:r>
             <a:r>
-              <a:rPr lang="en-US" altLang="ko-KR" sz="1100">
+              <a:rPr lang="en-US" altLang="ko-KR" sz="1100" dirty="0">
                 <a:solidFill>
                   <a:srgbClr val="0000C0"/>
                 </a:solidFill>
@@ -15856,7 +15885,7 @@
               <a:t>uploadPath</a:t>
             </a:r>
             <a:r>
-              <a:rPr lang="en-US" altLang="ko-KR" sz="1100">
+              <a:rPr lang="en-US" altLang="ko-KR" sz="1100" dirty="0">
                 <a:solidFill>
                   <a:srgbClr val="000000"/>
                 </a:solidFill>
@@ -15865,7 +15894,7 @@
               </a:rPr>
               <a:t>;</a:t>
             </a:r>
-            <a:endParaRPr lang="ko-KR" altLang="ko-KR" sz="1200">
+            <a:endParaRPr lang="ko-KR" altLang="ko-KR" sz="1200" dirty="0">
               <a:latin typeface="맑은 고딕" panose="020B0503020000020004" pitchFamily="50" charset="-127"/>
               <a:cs typeface="Arial" panose="020B0604020202020204" pitchFamily="34" charset="0"/>
             </a:endParaRPr>
@@ -15880,7 +15909,7 @@
               </a:spcAft>
             </a:pPr>
             <a:r>
-              <a:rPr lang="en-US" altLang="ko-KR" sz="1100">
+              <a:rPr lang="en-US" altLang="ko-KR" sz="1100" dirty="0">
                 <a:solidFill>
                   <a:srgbClr val="000000"/>
                 </a:solidFill>
@@ -15890,7 +15919,7 @@
               <a:t>  </a:t>
             </a:r>
             <a:r>
-              <a:rPr lang="en-US" altLang="ko-KR" sz="1100" b="1">
+              <a:rPr lang="en-US" altLang="ko-KR" sz="1100" b="1" dirty="0">
                 <a:solidFill>
                   <a:srgbClr val="7F0055"/>
                 </a:solidFill>
@@ -15900,7 +15929,7 @@
               <a:t>private</a:t>
             </a:r>
             <a:r>
-              <a:rPr lang="en-US" altLang="ko-KR" sz="1100">
+              <a:rPr lang="en-US" altLang="ko-KR" sz="1100" dirty="0">
                 <a:solidFill>
                   <a:srgbClr val="000000"/>
                 </a:solidFill>
@@ -15910,7 +15939,7 @@
               <a:t> String </a:t>
             </a:r>
             <a:r>
-              <a:rPr lang="en-US" altLang="ko-KR" sz="1100">
+              <a:rPr lang="en-US" altLang="ko-KR" sz="1100" dirty="0">
                 <a:solidFill>
                   <a:srgbClr val="0000C0"/>
                 </a:solidFill>
@@ -15920,7 +15949,7 @@
               <a:t>uuid</a:t>
             </a:r>
             <a:r>
-              <a:rPr lang="en-US" altLang="ko-KR" sz="1100">
+              <a:rPr lang="en-US" altLang="ko-KR" sz="1100" dirty="0">
                 <a:solidFill>
                   <a:srgbClr val="000000"/>
                 </a:solidFill>
@@ -15929,7 +15958,7 @@
               </a:rPr>
               <a:t>;</a:t>
             </a:r>
-            <a:endParaRPr lang="ko-KR" altLang="ko-KR" sz="1200">
+            <a:endParaRPr lang="ko-KR" altLang="ko-KR" sz="1200" dirty="0">
               <a:latin typeface="맑은 고딕" panose="020B0503020000020004" pitchFamily="50" charset="-127"/>
               <a:cs typeface="Arial" panose="020B0604020202020204" pitchFamily="34" charset="0"/>
             </a:endParaRPr>
@@ -15944,7 +15973,7 @@
               </a:spcAft>
             </a:pPr>
             <a:r>
-              <a:rPr lang="en-US" altLang="ko-KR" sz="1100">
+              <a:rPr lang="en-US" altLang="ko-KR" sz="1100" dirty="0">
                 <a:solidFill>
                   <a:srgbClr val="000000"/>
                 </a:solidFill>
@@ -15954,7 +15983,7 @@
               <a:t>  </a:t>
             </a:r>
             <a:r>
-              <a:rPr lang="en-US" altLang="ko-KR" sz="1100" b="1">
+              <a:rPr lang="en-US" altLang="ko-KR" sz="1100" b="1" dirty="0">
                 <a:solidFill>
                   <a:srgbClr val="7F0055"/>
                 </a:solidFill>
@@ -15964,7 +15993,7 @@
               <a:t>private</a:t>
             </a:r>
             <a:r>
-              <a:rPr lang="en-US" altLang="ko-KR" sz="1100">
+              <a:rPr lang="en-US" altLang="ko-KR" sz="1100" dirty="0">
                 <a:solidFill>
                   <a:srgbClr val="000000"/>
                 </a:solidFill>
@@ -15974,7 +16003,7 @@
               <a:t> </a:t>
             </a:r>
             <a:r>
-              <a:rPr lang="en-US" altLang="ko-KR" sz="1100" b="1">
+              <a:rPr lang="en-US" altLang="ko-KR" sz="1100" b="1" dirty="0">
                 <a:solidFill>
                   <a:srgbClr val="7F0055"/>
                 </a:solidFill>
@@ -15984,7 +16013,7 @@
               <a:t>boolean</a:t>
             </a:r>
             <a:r>
-              <a:rPr lang="en-US" altLang="ko-KR" sz="1100">
+              <a:rPr lang="en-US" altLang="ko-KR" sz="1100" dirty="0">
                 <a:solidFill>
                   <a:srgbClr val="000000"/>
                 </a:solidFill>
@@ -15994,7 +16023,7 @@
               <a:t> </a:t>
             </a:r>
             <a:r>
-              <a:rPr lang="en-US" altLang="ko-KR" sz="1100">
+              <a:rPr lang="en-US" altLang="ko-KR" sz="1100" dirty="0">
                 <a:solidFill>
                   <a:srgbClr val="0000C0"/>
                 </a:solidFill>
@@ -16004,7 +16033,7 @@
               <a:t>image</a:t>
             </a:r>
             <a:r>
-              <a:rPr lang="en-US" altLang="ko-KR" sz="1100">
+              <a:rPr lang="en-US" altLang="ko-KR" sz="1100" dirty="0">
                 <a:solidFill>
                   <a:srgbClr val="000000"/>
                 </a:solidFill>
@@ -16013,7 +16042,7 @@
               </a:rPr>
               <a:t>;</a:t>
             </a:r>
-            <a:endParaRPr lang="ko-KR" altLang="ko-KR" sz="1200">
+            <a:endParaRPr lang="ko-KR" altLang="ko-KR" sz="1200" dirty="0">
               <a:latin typeface="맑은 고딕" panose="020B0503020000020004" pitchFamily="50" charset="-127"/>
               <a:cs typeface="Arial" panose="020B0604020202020204" pitchFamily="34" charset="0"/>
             </a:endParaRPr>
@@ -16028,13 +16057,13 @@
               </a:spcAft>
             </a:pPr>
             <a:r>
-              <a:rPr lang="en-US" altLang="ko-KR" sz="1100">
+              <a:rPr lang="en-US" altLang="ko-KR" sz="1100" dirty="0">
                 <a:latin typeface="Consolas" panose="020B0609020204030204" pitchFamily="49" charset="0"/>
                 <a:cs typeface="Consolas" panose="020B0609020204030204" pitchFamily="49" charset="0"/>
               </a:rPr>
               <a:t> </a:t>
             </a:r>
-            <a:endParaRPr lang="ko-KR" altLang="ko-KR" sz="1200">
+            <a:endParaRPr lang="ko-KR" altLang="ko-KR" sz="1200" dirty="0">
               <a:latin typeface="맑은 고딕" panose="020B0503020000020004" pitchFamily="50" charset="-127"/>
               <a:cs typeface="Arial" panose="020B0604020202020204" pitchFamily="34" charset="0"/>
             </a:endParaRPr>
@@ -16049,7 +16078,7 @@
               </a:spcAft>
             </a:pPr>
             <a:r>
-              <a:rPr lang="en-US" altLang="ko-KR" sz="1100">
+              <a:rPr lang="en-US" altLang="ko-KR" sz="1100" dirty="0">
                 <a:solidFill>
                   <a:srgbClr val="000000"/>
                 </a:solidFill>
@@ -16058,7 +16087,7 @@
               </a:rPr>
               <a:t>}</a:t>
             </a:r>
-            <a:endParaRPr lang="ko-KR" altLang="ko-KR" sz="1200">
+            <a:endParaRPr lang="ko-KR" altLang="ko-KR" sz="1200" dirty="0">
               <a:latin typeface="맑은 고딕" panose="020B0503020000020004" pitchFamily="50" charset="-127"/>
               <a:cs typeface="Arial" panose="020B0604020202020204" pitchFamily="34" charset="0"/>
             </a:endParaRPr>
@@ -16609,7 +16638,7 @@
               </a:spcAft>
             </a:pPr>
             <a:r>
-              <a:rPr lang="en-US" altLang="ko-KR" sz="1050">
+              <a:rPr lang="en-US" altLang="ko-KR" sz="1050" dirty="0">
                 <a:solidFill>
                   <a:srgbClr val="000000"/>
                 </a:solidFill>
@@ -16618,7 +16647,7 @@
               </a:rPr>
               <a:t>$.ajax({</a:t>
             </a:r>
-            <a:endParaRPr lang="ko-KR" altLang="ko-KR" sz="1100">
+            <a:endParaRPr lang="ko-KR" altLang="ko-KR" sz="1100" dirty="0">
               <a:latin typeface="맑은 고딕" panose="020B0503020000020004" pitchFamily="50" charset="-127"/>
               <a:cs typeface="Arial" panose="020B0604020202020204" pitchFamily="34" charset="0"/>
             </a:endParaRPr>
@@ -16633,7 +16662,7 @@
               </a:spcAft>
             </a:pPr>
             <a:r>
-              <a:rPr lang="en-US" altLang="ko-KR" sz="1050">
+              <a:rPr lang="en-US" altLang="ko-KR" sz="1050" dirty="0">
                 <a:solidFill>
                   <a:srgbClr val="000000"/>
                 </a:solidFill>
@@ -16643,7 +16672,7 @@
               <a:t>      url: </a:t>
             </a:r>
             <a:r>
-              <a:rPr lang="en-US" altLang="ko-KR" sz="1050">
+              <a:rPr lang="en-US" altLang="ko-KR" sz="1050" dirty="0">
                 <a:solidFill>
                   <a:srgbClr val="2A00FF"/>
                 </a:solidFill>
@@ -16653,7 +16682,7 @@
               <a:t>'/uploadAjaxAction'</a:t>
             </a:r>
             <a:r>
-              <a:rPr lang="en-US" altLang="ko-KR" sz="1050">
+              <a:rPr lang="en-US" altLang="ko-KR" sz="1050" dirty="0">
                 <a:solidFill>
                   <a:srgbClr val="000000"/>
                 </a:solidFill>
@@ -16662,7 +16691,7 @@
               </a:rPr>
               <a:t>,</a:t>
             </a:r>
-            <a:endParaRPr lang="ko-KR" altLang="ko-KR" sz="1100">
+            <a:endParaRPr lang="ko-KR" altLang="ko-KR" sz="1100" dirty="0">
               <a:latin typeface="맑은 고딕" panose="020B0503020000020004" pitchFamily="50" charset="-127"/>
               <a:cs typeface="Arial" panose="020B0604020202020204" pitchFamily="34" charset="0"/>
             </a:endParaRPr>
@@ -16677,7 +16706,7 @@
               </a:spcAft>
             </a:pPr>
             <a:r>
-              <a:rPr lang="en-US" altLang="ko-KR" sz="1050">
+              <a:rPr lang="en-US" altLang="ko-KR" sz="1050" dirty="0">
                 <a:solidFill>
                   <a:srgbClr val="000000"/>
                 </a:solidFill>
@@ -16687,7 +16716,7 @@
               <a:t>      processData: </a:t>
             </a:r>
             <a:r>
-              <a:rPr lang="en-US" altLang="ko-KR" sz="1050" b="1">
+              <a:rPr lang="en-US" altLang="ko-KR" sz="1050" b="1" dirty="0">
                 <a:solidFill>
                   <a:srgbClr val="7F0055"/>
                 </a:solidFill>
@@ -16697,7 +16726,7 @@
               <a:t>false</a:t>
             </a:r>
             <a:r>
-              <a:rPr lang="en-US" altLang="ko-KR" sz="1050">
+              <a:rPr lang="en-US" altLang="ko-KR" sz="1050" dirty="0">
                 <a:solidFill>
                   <a:srgbClr val="000000"/>
                 </a:solidFill>
@@ -16706,7 +16735,7 @@
               </a:rPr>
               <a:t>, </a:t>
             </a:r>
-            <a:endParaRPr lang="ko-KR" altLang="ko-KR" sz="1100">
+            <a:endParaRPr lang="ko-KR" altLang="ko-KR" sz="1100" dirty="0">
               <a:latin typeface="맑은 고딕" panose="020B0503020000020004" pitchFamily="50" charset="-127"/>
               <a:cs typeface="Arial" panose="020B0604020202020204" pitchFamily="34" charset="0"/>
             </a:endParaRPr>
@@ -16721,7 +16750,7 @@
               </a:spcAft>
             </a:pPr>
             <a:r>
-              <a:rPr lang="en-US" altLang="ko-KR" sz="1050">
+              <a:rPr lang="en-US" altLang="ko-KR" sz="1050" dirty="0">
                 <a:solidFill>
                   <a:srgbClr val="000000"/>
                 </a:solidFill>
@@ -16731,7 +16760,7 @@
               <a:t>      contentType: </a:t>
             </a:r>
             <a:r>
-              <a:rPr lang="en-US" altLang="ko-KR" sz="1050" b="1">
+              <a:rPr lang="en-US" altLang="ko-KR" sz="1050" b="1" dirty="0">
                 <a:solidFill>
                   <a:srgbClr val="7F0055"/>
                 </a:solidFill>
@@ -16741,7 +16770,7 @@
               <a:t>false</a:t>
             </a:r>
             <a:r>
-              <a:rPr lang="en-US" altLang="ko-KR" sz="1050">
+              <a:rPr lang="en-US" altLang="ko-KR" sz="1050" dirty="0">
                 <a:solidFill>
                   <a:srgbClr val="000000"/>
                 </a:solidFill>
@@ -16750,7 +16779,7 @@
               </a:rPr>
               <a:t>,</a:t>
             </a:r>
-            <a:endParaRPr lang="ko-KR" altLang="ko-KR" sz="1100">
+            <a:endParaRPr lang="ko-KR" altLang="ko-KR" sz="1100" dirty="0">
               <a:latin typeface="맑은 고딕" panose="020B0503020000020004" pitchFamily="50" charset="-127"/>
               <a:cs typeface="Arial" panose="020B0604020202020204" pitchFamily="34" charset="0"/>
             </a:endParaRPr>
@@ -16765,7 +16794,7 @@
               </a:spcAft>
             </a:pPr>
             <a:r>
-              <a:rPr lang="en-US" altLang="ko-KR" sz="1050">
+              <a:rPr lang="en-US" altLang="ko-KR" sz="1050" dirty="0">
                 <a:solidFill>
                   <a:srgbClr val="000000"/>
                 </a:solidFill>
@@ -16774,7 +16803,7 @@
               </a:rPr>
               <a:t>      data: formData,</a:t>
             </a:r>
-            <a:endParaRPr lang="ko-KR" altLang="ko-KR" sz="1100">
+            <a:endParaRPr lang="ko-KR" altLang="ko-KR" sz="1100" dirty="0">
               <a:latin typeface="맑은 고딕" panose="020B0503020000020004" pitchFamily="50" charset="-127"/>
               <a:cs typeface="Arial" panose="020B0604020202020204" pitchFamily="34" charset="0"/>
             </a:endParaRPr>
@@ -16789,7 +16818,7 @@
               </a:spcAft>
             </a:pPr>
             <a:r>
-              <a:rPr lang="en-US" altLang="ko-KR" sz="1050">
+              <a:rPr lang="en-US" altLang="ko-KR" sz="1050" dirty="0">
                 <a:solidFill>
                   <a:srgbClr val="000000"/>
                 </a:solidFill>
@@ -16799,7 +16828,7 @@
               <a:t>         type: </a:t>
             </a:r>
             <a:r>
-              <a:rPr lang="en-US" altLang="ko-KR" sz="1050">
+              <a:rPr lang="en-US" altLang="ko-KR" sz="1050" dirty="0">
                 <a:solidFill>
                   <a:srgbClr val="2A00FF"/>
                 </a:solidFill>
@@ -16809,7 +16838,7 @@
               <a:t>'POST'</a:t>
             </a:r>
             <a:r>
-              <a:rPr lang="en-US" altLang="ko-KR" sz="1050">
+              <a:rPr lang="en-US" altLang="ko-KR" sz="1050" dirty="0">
                 <a:solidFill>
                   <a:srgbClr val="000000"/>
                 </a:solidFill>
@@ -16818,7 +16847,7 @@
               </a:rPr>
               <a:t>,</a:t>
             </a:r>
-            <a:endParaRPr lang="ko-KR" altLang="ko-KR" sz="1100">
+            <a:endParaRPr lang="ko-KR" altLang="ko-KR" sz="1100" dirty="0">
               <a:latin typeface="맑은 고딕" panose="020B0503020000020004" pitchFamily="50" charset="-127"/>
               <a:cs typeface="Arial" panose="020B0604020202020204" pitchFamily="34" charset="0"/>
             </a:endParaRPr>
@@ -16833,7 +16862,7 @@
               </a:spcAft>
             </a:pPr>
             <a:r>
-              <a:rPr lang="en-US" altLang="ko-KR" sz="1050">
+              <a:rPr lang="en-US" altLang="ko-KR" sz="1050" dirty="0">
                 <a:solidFill>
                   <a:srgbClr val="000000"/>
                 </a:solidFill>
@@ -16843,7 +16872,7 @@
               <a:t>         dataType:</a:t>
             </a:r>
             <a:r>
-              <a:rPr lang="en-US" altLang="ko-KR" sz="1050">
+              <a:rPr lang="en-US" altLang="ko-KR" sz="1050" dirty="0">
                 <a:solidFill>
                   <a:srgbClr val="2A00FF"/>
                 </a:solidFill>
@@ -16853,7 +16882,7 @@
               <a:t>'json'</a:t>
             </a:r>
             <a:r>
-              <a:rPr lang="en-US" altLang="ko-KR" sz="1050">
+              <a:rPr lang="en-US" altLang="ko-KR" sz="1050" dirty="0">
                 <a:solidFill>
                   <a:srgbClr val="000000"/>
                 </a:solidFill>
@@ -16862,7 +16891,7 @@
               </a:rPr>
               <a:t>,</a:t>
             </a:r>
-            <a:endParaRPr lang="ko-KR" altLang="ko-KR" sz="1100">
+            <a:endParaRPr lang="ko-KR" altLang="ko-KR" sz="1100" dirty="0">
               <a:latin typeface="맑은 고딕" panose="020B0503020000020004" pitchFamily="50" charset="-127"/>
               <a:cs typeface="Arial" panose="020B0604020202020204" pitchFamily="34" charset="0"/>
             </a:endParaRPr>
@@ -16877,7 +16906,7 @@
               </a:spcAft>
             </a:pPr>
             <a:r>
-              <a:rPr lang="en-US" altLang="ko-KR" sz="1050">
+              <a:rPr lang="en-US" altLang="ko-KR" sz="1050" dirty="0">
                 <a:solidFill>
                   <a:srgbClr val="000000"/>
                 </a:solidFill>
@@ -16887,7 +16916,7 @@
               <a:t>         success: </a:t>
             </a:r>
             <a:r>
-              <a:rPr lang="en-US" altLang="ko-KR" sz="1050" b="1">
+              <a:rPr lang="en-US" altLang="ko-KR" sz="1050" b="1" dirty="0">
                 <a:solidFill>
                   <a:srgbClr val="7F0055"/>
                 </a:solidFill>
@@ -16897,7 +16926,7 @@
               <a:t>function</a:t>
             </a:r>
             <a:r>
-              <a:rPr lang="en-US" altLang="ko-KR" sz="1050">
+              <a:rPr lang="en-US" altLang="ko-KR" sz="1050" dirty="0">
                 <a:solidFill>
                   <a:srgbClr val="000000"/>
                 </a:solidFill>
@@ -16906,7 +16935,7 @@
               </a:rPr>
               <a:t>(result){</a:t>
             </a:r>
-            <a:endParaRPr lang="ko-KR" altLang="ko-KR" sz="1100">
+            <a:endParaRPr lang="ko-KR" altLang="ko-KR" sz="1100" dirty="0">
               <a:latin typeface="맑은 고딕" panose="020B0503020000020004" pitchFamily="50" charset="-127"/>
               <a:cs typeface="Arial" panose="020B0604020202020204" pitchFamily="34" charset="0"/>
             </a:endParaRPr>
@@ -16921,7 +16950,7 @@
               </a:spcAft>
             </a:pPr>
             <a:r>
-              <a:rPr lang="en-US" altLang="ko-KR" sz="1050">
+              <a:rPr lang="en-US" altLang="ko-KR" sz="1050" dirty="0">
                 <a:solidFill>
                   <a:srgbClr val="000000"/>
                 </a:solidFill>
@@ -16930,7 +16959,7 @@
               </a:rPr>
               <a:t>    </a:t>
             </a:r>
-            <a:endParaRPr lang="ko-KR" altLang="ko-KR" sz="1100">
+            <a:endParaRPr lang="ko-KR" altLang="ko-KR" sz="1100" dirty="0">
               <a:latin typeface="맑은 고딕" panose="020B0503020000020004" pitchFamily="50" charset="-127"/>
               <a:cs typeface="Arial" panose="020B0604020202020204" pitchFamily="34" charset="0"/>
             </a:endParaRPr>
@@ -16945,7 +16974,7 @@
               </a:spcAft>
             </a:pPr>
             <a:r>
-              <a:rPr lang="en-US" altLang="ko-KR" sz="1050">
+              <a:rPr lang="en-US" altLang="ko-KR" sz="1050" dirty="0">
                 <a:solidFill>
                   <a:srgbClr val="000000"/>
                 </a:solidFill>
@@ -16954,7 +16983,7 @@
               </a:rPr>
               <a:t>           console.log(result);</a:t>
             </a:r>
-            <a:endParaRPr lang="ko-KR" altLang="ko-KR" sz="1100">
+            <a:endParaRPr lang="ko-KR" altLang="ko-KR" sz="1100" dirty="0">
               <a:latin typeface="맑은 고딕" panose="020B0503020000020004" pitchFamily="50" charset="-127"/>
               <a:cs typeface="Arial" panose="020B0604020202020204" pitchFamily="34" charset="0"/>
             </a:endParaRPr>
@@ -16969,7 +16998,7 @@
               </a:spcAft>
             </a:pPr>
             <a:r>
-              <a:rPr lang="en-US" altLang="ko-KR" sz="1050">
+              <a:rPr lang="en-US" altLang="ko-KR" sz="1050" dirty="0">
                 <a:solidFill>
                   <a:srgbClr val="000000"/>
                 </a:solidFill>
@@ -16978,7 +17007,7 @@
               </a:rPr>
               <a:t>    </a:t>
             </a:r>
-            <a:endParaRPr lang="ko-KR" altLang="ko-KR" sz="1100">
+            <a:endParaRPr lang="ko-KR" altLang="ko-KR" sz="1100" dirty="0">
               <a:latin typeface="맑은 고딕" panose="020B0503020000020004" pitchFamily="50" charset="-127"/>
               <a:cs typeface="Arial" panose="020B0604020202020204" pitchFamily="34" charset="0"/>
             </a:endParaRPr>
@@ -16993,7 +17022,7 @@
               </a:spcAft>
             </a:pPr>
             <a:r>
-              <a:rPr lang="en-US" altLang="ko-KR" sz="1050">
+              <a:rPr lang="en-US" altLang="ko-KR" sz="1050" dirty="0">
                 <a:solidFill>
                   <a:srgbClr val="000000"/>
                 </a:solidFill>
@@ -17002,14 +17031,14 @@
               </a:rPr>
               <a:t>         }</a:t>
             </a:r>
-            <a:endParaRPr lang="ko-KR" altLang="ko-KR" sz="1100">
+            <a:endParaRPr lang="ko-KR" altLang="ko-KR" sz="1100" dirty="0">
               <a:latin typeface="맑은 고딕" panose="020B0503020000020004" pitchFamily="50" charset="-127"/>
               <a:cs typeface="Arial" panose="020B0604020202020204" pitchFamily="34" charset="0"/>
             </a:endParaRPr>
           </a:p>
           <a:p>
             <a:r>
-              <a:rPr lang="en-US" altLang="ko-KR" sz="1100">
+              <a:rPr lang="en-US" altLang="ko-KR" sz="1100" dirty="0">
                 <a:latin typeface="맑은 고딕" panose="020B0503020000020004" pitchFamily="50" charset="-127"/>
                 <a:ea typeface="나눔명조"/>
                 <a:cs typeface="Arial" panose="020B0604020202020204" pitchFamily="34" charset="0"/>
@@ -17017,7 +17046,7 @@
               <a:t>    }); </a:t>
             </a:r>
             <a:r>
-              <a:rPr lang="en-US" altLang="ko-KR" sz="1100">
+              <a:rPr lang="en-US" altLang="ko-KR" sz="1100" dirty="0">
                 <a:solidFill>
                   <a:srgbClr val="3F7F5F"/>
                 </a:solidFill>
@@ -17028,14 +17057,14 @@
               <a:t>//$.ajax</a:t>
             </a:r>
             <a:r>
-              <a:rPr lang="en-US" altLang="ko-KR" sz="1100">
+              <a:rPr lang="en-US" altLang="ko-KR" sz="1100" dirty="0">
                 <a:latin typeface="맑은 고딕" panose="020B0503020000020004" pitchFamily="50" charset="-127"/>
                 <a:ea typeface="나눔명조"/>
                 <a:cs typeface="Arial" panose="020B0604020202020204" pitchFamily="34" charset="0"/>
               </a:rPr>
               <a:t> </a:t>
             </a:r>
-            <a:endParaRPr lang="ko-KR" altLang="en-US" sz="1050"/>
+            <a:endParaRPr lang="ko-KR" altLang="en-US" sz="1050" dirty="0"/>
           </a:p>
         </p:txBody>
       </p:sp>
@@ -19356,88 +19385,100 @@
               <a:t>일반 파일의 경우 </a:t>
             </a:r>
             <a:r>
-              <a:rPr lang="ko-KR" altLang="en-US" err="1"/>
+              <a:rPr lang="ko-KR" altLang="en-US" dirty="0" err="1"/>
               <a:t>클릭시에</a:t>
             </a:r>
             <a:r>
-              <a:rPr lang="ko-KR" altLang="en-US"/>
+              <a:rPr lang="ko-KR" altLang="en-US" dirty="0"/>
               <a:t> </a:t>
             </a:r>
             <a:r>
-              <a:rPr lang="ko-KR" altLang="en-US" smtClean="0"/>
+              <a:rPr lang="ko-KR" altLang="en-US" dirty="0" smtClean="0"/>
               <a:t>다운로드 파일의 이름으로 </a:t>
             </a:r>
             <a:r>
-              <a:rPr lang="en-US" altLang="ko-KR" smtClean="0"/>
+              <a:rPr lang="en-US" altLang="ko-KR" dirty="0" smtClean="0"/>
               <a:t/>
             </a:r>
             <a:br>
-              <a:rPr lang="en-US" altLang="ko-KR" smtClean="0"/>
+              <a:rPr lang="en-US" altLang="ko-KR" dirty="0" smtClean="0"/>
             </a:br>
             <a:r>
-              <a:rPr lang="ko-KR" altLang="en-US" smtClean="0"/>
+              <a:rPr lang="ko-KR" altLang="en-US" dirty="0" smtClean="0"/>
               <a:t>다운로드 처리</a:t>
             </a:r>
-            <a:endParaRPr lang="en-US" altLang="ko-KR" smtClean="0"/>
-          </a:p>
-          <a:p>
-            <a:r>
-              <a:rPr lang="ko-KR" altLang="en-US" smtClean="0"/>
-              <a:t>이미지 파일은 클릭시 원본 파일로 보여줌</a:t>
-            </a:r>
-            <a:r>
-              <a:rPr lang="en-US" altLang="ko-KR" smtClean="0"/>
+            <a:endParaRPr lang="en-US" altLang="ko-KR" dirty="0" smtClean="0"/>
+          </a:p>
+          <a:p>
+            <a:r>
+              <a:rPr lang="ko-KR" altLang="en-US" dirty="0" smtClean="0"/>
+              <a:t>이미지 파일은 </a:t>
+            </a:r>
+            <a:r>
+              <a:rPr lang="ko-KR" altLang="en-US" dirty="0" err="1" smtClean="0"/>
+              <a:t>클릭시</a:t>
+            </a:r>
+            <a:r>
+              <a:rPr lang="ko-KR" altLang="en-US" dirty="0" smtClean="0"/>
+              <a:t> 원본 파일로 보여줌</a:t>
+            </a:r>
+            <a:r>
+              <a:rPr lang="en-US" altLang="ko-KR" dirty="0" smtClean="0"/>
               <a:t/>
             </a:r>
             <a:br>
-              <a:rPr lang="en-US" altLang="ko-KR" smtClean="0"/>
+              <a:rPr lang="en-US" altLang="ko-KR" dirty="0" smtClean="0"/>
             </a:br>
             <a:r>
-              <a:rPr lang="en-US" altLang="ko-KR" smtClean="0"/>
+              <a:rPr lang="en-US" altLang="ko-KR" dirty="0" smtClean="0"/>
               <a:t>-</a:t>
             </a:r>
             <a:r>
-              <a:rPr lang="ko-KR" altLang="en-US" smtClean="0"/>
+              <a:rPr lang="ko-KR" altLang="en-US" dirty="0" smtClean="0"/>
               <a:t>브라우져에서 새로운 </a:t>
             </a:r>
             <a:r>
-              <a:rPr lang="en-US" altLang="ko-KR" smtClean="0"/>
+              <a:rPr lang="en-US" altLang="ko-KR" dirty="0" smtClean="0"/>
               <a:t>&lt;div&gt;</a:t>
             </a:r>
             <a:r>
-              <a:rPr lang="ko-KR" altLang="en-US" smtClean="0"/>
+              <a:rPr lang="ko-KR" altLang="en-US" dirty="0" smtClean="0"/>
               <a:t>등을 생성하여 처리 또는</a:t>
             </a:r>
             <a:r>
-              <a:rPr lang="en-US" altLang="ko-KR" smtClean="0"/>
+              <a:rPr lang="en-US" altLang="ko-KR" dirty="0" smtClean="0"/>
               <a:t/>
             </a:r>
             <a:br>
-              <a:rPr lang="en-US" altLang="ko-KR" smtClean="0"/>
+              <a:rPr lang="en-US" altLang="ko-KR" dirty="0" smtClean="0"/>
             </a:br>
             <a:r>
-              <a:rPr lang="ko-KR" altLang="en-US" smtClean="0"/>
-              <a:t>모달로 처리</a:t>
-            </a:r>
-            <a:r>
-              <a:rPr lang="en-US" altLang="ko-KR" smtClean="0"/>
+              <a:rPr lang="ko-KR" altLang="en-US" dirty="0" err="1" smtClean="0"/>
+              <a:t>모달로</a:t>
+            </a:r>
+            <a:r>
+              <a:rPr lang="ko-KR" altLang="en-US" dirty="0" smtClean="0"/>
+              <a:t> 처리</a:t>
+            </a:r>
+            <a:r>
+              <a:rPr lang="en-US" altLang="ko-KR" dirty="0" smtClean="0"/>
               <a:t>(light box</a:t>
             </a:r>
             <a:r>
-              <a:rPr lang="ko-KR" altLang="en-US" smtClean="0"/>
+              <a:rPr lang="ko-KR" altLang="en-US" dirty="0" smtClean="0"/>
               <a:t>라 함</a:t>
             </a:r>
             <a:r>
-              <a:rPr lang="en-US" altLang="ko-KR" smtClean="0"/>
+              <a:rPr lang="en-US" altLang="ko-KR" dirty="0" smtClean="0"/>
               <a:t>)</a:t>
             </a:r>
           </a:p>
           <a:p>
-            <a:endParaRPr lang="en-US" altLang="ko-KR"/>
-          </a:p>
-          <a:p>
-            <a:r>
-              <a:rPr lang="ko-KR" altLang="en-US" sz="2400" smtClean="0">
+            <a:endParaRPr lang="en-US" altLang="ko-KR" dirty="0"/>
+          </a:p>
+          <a:p>
+            <a:r>
+              <a:rPr lang="ko-KR" altLang="en-US" sz="2400" dirty="0" smtClean="0">
                 <a:solidFill>
                   <a:srgbClr val="FF0000"/>
                 </a:solidFill>
@@ -19445,7 +19486,7 @@
               <a:t>첨부 파일 다운로드</a:t>
             </a:r>
             <a:r>
-              <a:rPr lang="en-US" altLang="ko-KR" sz="2400" smtClean="0">
+              <a:rPr lang="en-US" altLang="ko-KR" sz="2400" dirty="0" smtClean="0">
                 <a:solidFill>
                   <a:srgbClr val="FF0000"/>
                 </a:solidFill>
@@ -19453,155 +19494,155 @@
               <a:t>(p530)</a:t>
             </a:r>
             <a:br>
-              <a:rPr lang="en-US" altLang="ko-KR" sz="2400" smtClean="0">
+              <a:rPr lang="en-US" altLang="ko-KR" sz="2400" dirty="0" smtClean="0">
                 <a:solidFill>
                   <a:srgbClr val="FF0000"/>
                 </a:solidFill>
               </a:rPr>
             </a:br>
             <a:r>
-              <a:rPr lang="en-US" altLang="ko-KR" sz="1800" smtClean="0"/>
+              <a:rPr lang="en-US" altLang="ko-KR" sz="1800" dirty="0" smtClean="0"/>
               <a:t>-</a:t>
             </a:r>
             <a:r>
-              <a:rPr lang="ko-KR" altLang="en-US" sz="1800" smtClean="0"/>
+              <a:rPr lang="ko-KR" altLang="en-US" sz="1800" dirty="0" smtClean="0"/>
               <a:t>서버에서 </a:t>
             </a:r>
             <a:r>
-              <a:rPr lang="en-US" altLang="ko-KR" sz="1800" smtClean="0"/>
+              <a:rPr lang="en-US" altLang="ko-KR" sz="1800" dirty="0" smtClean="0"/>
               <a:t>MIME</a:t>
             </a:r>
             <a:r>
-              <a:rPr lang="ko-KR" altLang="en-US" sz="1800" smtClean="0"/>
+              <a:rPr lang="ko-KR" altLang="en-US" sz="1800" dirty="0" smtClean="0"/>
               <a:t>타입을 다운로드 타입으로 지정</a:t>
             </a:r>
             <a:r>
-              <a:rPr lang="en-US" altLang="ko-KR" sz="1800" smtClean="0"/>
+              <a:rPr lang="en-US" altLang="ko-KR" sz="1800" dirty="0" smtClean="0"/>
               <a:t/>
             </a:r>
             <a:br>
-              <a:rPr lang="en-US" altLang="ko-KR" sz="1800" smtClean="0"/>
+              <a:rPr lang="en-US" altLang="ko-KR" sz="1800" dirty="0" smtClean="0"/>
             </a:br>
             <a:r>
-              <a:rPr lang="en-US" altLang="ko-KR" sz="1800" smtClean="0"/>
+              <a:rPr lang="en-US" altLang="ko-KR" sz="1800" dirty="0" smtClean="0"/>
               <a:t>(application/octet-stream)</a:t>
             </a:r>
             <a:br>
-              <a:rPr lang="en-US" altLang="ko-KR" sz="1800" smtClean="0"/>
+              <a:rPr lang="en-US" altLang="ko-KR" sz="1800" dirty="0" smtClean="0"/>
             </a:br>
             <a:r>
-              <a:rPr lang="en-US" altLang="ko-KR" sz="1800" smtClean="0"/>
+              <a:rPr lang="en-US" altLang="ko-KR" sz="1800" dirty="0" smtClean="0"/>
               <a:t>- </a:t>
             </a:r>
             <a:r>
-              <a:rPr lang="ko-KR" altLang="en-US" sz="1800" smtClean="0"/>
+              <a:rPr lang="ko-KR" altLang="en-US" sz="1800" dirty="0" smtClean="0"/>
               <a:t>이미지는 </a:t>
             </a:r>
             <a:r>
-              <a:rPr lang="en-US" altLang="ko-KR" sz="1800" smtClean="0"/>
+              <a:rPr lang="en-US" altLang="ko-KR" sz="1800" dirty="0" smtClean="0"/>
               <a:t>MIME</a:t>
             </a:r>
             <a:r>
-              <a:rPr lang="ko-KR" altLang="en-US" sz="1800" smtClean="0"/>
+              <a:rPr lang="ko-KR" altLang="en-US" sz="1800" dirty="0" smtClean="0"/>
               <a:t>타입이 </a:t>
             </a:r>
             <a:r>
-              <a:rPr lang="en-US" altLang="ko-KR" sz="1800" smtClean="0"/>
+              <a:rPr lang="en-US" altLang="ko-KR" sz="1800" dirty="0" smtClean="0"/>
               <a:t>png,jpg</a:t>
             </a:r>
             <a:r>
-              <a:rPr lang="ko-KR" altLang="en-US" sz="1800" smtClean="0"/>
+              <a:rPr lang="ko-KR" altLang="en-US" sz="1800" dirty="0" smtClean="0"/>
               <a:t>등으로 변경이 되나 다운로드는 </a:t>
             </a:r>
             <a:r>
-              <a:rPr lang="en-US" altLang="ko-KR" sz="1800" smtClean="0"/>
+              <a:rPr lang="en-US" altLang="ko-KR" sz="1800" dirty="0" smtClean="0"/>
               <a:t/>
             </a:r>
             <a:br>
-              <a:rPr lang="en-US" altLang="ko-KR" sz="1800" smtClean="0"/>
+              <a:rPr lang="en-US" altLang="ko-KR" sz="1800" dirty="0" smtClean="0"/>
             </a:br>
             <a:r>
-              <a:rPr lang="en-US" altLang="ko-KR" sz="1800" smtClean="0"/>
+              <a:rPr lang="en-US" altLang="ko-KR" sz="1800" dirty="0" smtClean="0"/>
               <a:t> application/octet-stream</a:t>
             </a:r>
             <a:r>
-              <a:rPr lang="ko-KR" altLang="en-US" sz="1800" smtClean="0"/>
+              <a:rPr lang="ko-KR" altLang="en-US" sz="1800" dirty="0" smtClean="0"/>
               <a:t>로 고정</a:t>
             </a:r>
             <a:r>
-              <a:rPr lang="en-US" altLang="ko-KR" sz="1800" smtClean="0"/>
+              <a:rPr lang="en-US" altLang="ko-KR" sz="1800" dirty="0" smtClean="0"/>
               <a:t/>
             </a:r>
             <a:br>
-              <a:rPr lang="en-US" altLang="ko-KR" sz="1800" smtClean="0"/>
+              <a:rPr lang="en-US" altLang="ko-KR" sz="1800" dirty="0" smtClean="0"/>
             </a:br>
             <a:r>
-              <a:rPr lang="en-US" altLang="ko-KR" sz="1800" smtClean="0"/>
+              <a:rPr lang="en-US" altLang="ko-KR" sz="1800" dirty="0" smtClean="0"/>
               <a:t>-</a:t>
             </a:r>
             <a:r>
-              <a:rPr lang="en-US" altLang="ko-KR" sz="1800"/>
+              <a:rPr lang="en-US" altLang="ko-KR" sz="1800" dirty="0"/>
               <a:t> </a:t>
             </a:r>
             <a:r>
-              <a:rPr lang="en-US" altLang="ko-KR" sz="1800" smtClean="0"/>
+              <a:rPr lang="en-US" altLang="ko-KR" sz="1800" dirty="0" smtClean="0"/>
               <a:t>content-disposition</a:t>
             </a:r>
             <a:r>
-              <a:rPr lang="ko-KR" altLang="en-US" sz="1800" smtClean="0"/>
+              <a:rPr lang="ko-KR" altLang="en-US" sz="1800" dirty="0" smtClean="0"/>
               <a:t>헤더 메시지 속성으로 다운로드 이름 지정</a:t>
             </a:r>
             <a:r>
-              <a:rPr lang="en-US" altLang="ko-KR" sz="1800" smtClean="0"/>
+              <a:rPr lang="en-US" altLang="ko-KR" sz="1800" dirty="0" smtClean="0"/>
               <a:t/>
             </a:r>
             <a:br>
-              <a:rPr lang="en-US" altLang="ko-KR" sz="1800" smtClean="0"/>
+              <a:rPr lang="en-US" altLang="ko-KR" sz="1800" dirty="0" smtClean="0"/>
             </a:br>
             <a:r>
-              <a:rPr lang="en-US" altLang="ko-KR" sz="1800" smtClean="0"/>
+              <a:rPr lang="en-US" altLang="ko-KR" sz="1800" dirty="0" smtClean="0"/>
               <a:t/>
             </a:r>
             <a:br>
-              <a:rPr lang="en-US" altLang="ko-KR" sz="1800" smtClean="0"/>
+              <a:rPr lang="en-US" altLang="ko-KR" sz="1800" dirty="0" smtClean="0"/>
             </a:br>
             <a:r>
-              <a:rPr lang="ko-KR" altLang="en-US" sz="1800" smtClean="0"/>
+              <a:rPr lang="ko-KR" altLang="en-US" sz="1800" dirty="0" smtClean="0"/>
               <a:t>반환하는 </a:t>
             </a:r>
             <a:r>
-              <a:rPr lang="en-US" altLang="ko-KR" sz="1800" smtClean="0"/>
+              <a:rPr lang="en-US" altLang="ko-KR" sz="1800" dirty="0" smtClean="0"/>
               <a:t>ResponseEntity</a:t>
             </a:r>
             <a:r>
-              <a:rPr lang="ko-KR" altLang="en-US" sz="1800" smtClean="0"/>
+              <a:rPr lang="ko-KR" altLang="en-US" sz="1800" dirty="0" smtClean="0"/>
               <a:t>의 요소를 </a:t>
             </a:r>
             <a:r>
-              <a:rPr lang="en-US" altLang="ko-KR" sz="1800" smtClean="0"/>
+              <a:rPr lang="en-US" altLang="ko-KR" sz="1800" dirty="0" smtClean="0"/>
               <a:t>byte</a:t>
             </a:r>
             <a:r>
-              <a:rPr lang="ko-KR" altLang="en-US" sz="1800" smtClean="0"/>
+              <a:rPr lang="ko-KR" altLang="en-US" sz="1800" dirty="0" smtClean="0"/>
               <a:t>배열이 아닌</a:t>
             </a:r>
             <a:r>
-              <a:rPr lang="en-US" altLang="ko-KR" sz="1800" smtClean="0"/>
+              <a:rPr lang="en-US" altLang="ko-KR" sz="1800" dirty="0" smtClean="0"/>
               <a:t/>
             </a:r>
             <a:br>
-              <a:rPr lang="en-US" altLang="ko-KR" sz="1800" smtClean="0"/>
+              <a:rPr lang="en-US" altLang="ko-KR" sz="1800" dirty="0" smtClean="0"/>
             </a:br>
             <a:r>
-              <a:rPr lang="en-US" altLang="ko-KR" sz="1800" smtClean="0"/>
+              <a:rPr lang="en-US" altLang="ko-KR" sz="1800" dirty="0" smtClean="0"/>
               <a:t>Resource</a:t>
             </a:r>
             <a:r>
-              <a:rPr lang="ko-KR" altLang="en-US" sz="1800" smtClean="0"/>
+              <a:rPr lang="ko-KR" altLang="en-US" sz="1800" dirty="0" smtClean="0"/>
               <a:t>객체를 이용</a:t>
             </a:r>
             <a:r>
-              <a:rPr lang="en-US" altLang="ko-KR" sz="2400" smtClean="0">
+              <a:rPr lang="en-US" altLang="ko-KR" sz="2400" dirty="0" smtClean="0">
                 <a:solidFill>
                   <a:srgbClr val="FF0000"/>
                 </a:solidFill>
@@ -19609,24 +19650,24 @@
               <a:t/>
             </a:r>
             <a:br>
-              <a:rPr lang="en-US" altLang="ko-KR" sz="2400" smtClean="0">
+              <a:rPr lang="en-US" altLang="ko-KR" sz="2400" dirty="0" smtClean="0">
                 <a:solidFill>
                   <a:srgbClr val="FF0000"/>
                 </a:solidFill>
               </a:rPr>
             </a:br>
             <a:r>
-              <a:rPr lang="en-US" altLang="ko-KR" smtClean="0"/>
+              <a:rPr lang="en-US" altLang="ko-KR" dirty="0" smtClean="0"/>
               <a:t/>
             </a:r>
             <a:br>
-              <a:rPr lang="en-US" altLang="ko-KR" smtClean="0"/>
+              <a:rPr lang="en-US" altLang="ko-KR" dirty="0" smtClean="0"/>
             </a:br>
             <a:r>
-              <a:rPr lang="en-US" altLang="ko-KR" b="1"/>
+              <a:rPr lang="en-US" altLang="ko-KR" b="1" dirty="0"/>
               <a:t>import org.springframework.core.io.Resource;</a:t>
             </a:r>
-            <a:endParaRPr lang="en-US" altLang="ko-KR" smtClean="0"/>
+            <a:endParaRPr lang="en-US" altLang="ko-KR" dirty="0" smtClean="0"/>
           </a:p>
           <a:p>
             <a:endParaRPr lang="ko-KR" altLang="en-US" dirty="0"/>
@@ -22326,12 +22367,20 @@
           <a:lstStyle/>
           <a:p>
             <a:r>
-              <a:rPr lang="ko-KR" altLang="en-US" smtClean="0"/>
-              <a:t>일반파일 업로드된후 다운로드 </a:t>
+              <a:rPr lang="ko-KR" altLang="en-US" dirty="0" err="1" smtClean="0"/>
+              <a:t>일반파일</a:t>
             </a:r>
             <a:r>
               <a:rPr lang="ko-KR" altLang="en-US" dirty="0" smtClean="0"/>
-              <a:t>처리</a:t>
+              <a:t> </a:t>
+            </a:r>
+            <a:r>
+              <a:rPr lang="ko-KR" altLang="en-US" dirty="0" err="1" smtClean="0"/>
+              <a:t>업로드된후</a:t>
+            </a:r>
+            <a:r>
+              <a:rPr lang="ko-KR" altLang="en-US" dirty="0" smtClean="0"/>
+              <a:t> 다운로드 처리</a:t>
             </a:r>
             <a:r>
               <a:rPr lang="en-US" altLang="ko-KR" dirty="0" smtClean="0"/>
@@ -22375,15 +22424,15 @@
           <a:lstStyle/>
           <a:p>
             <a:r>
-              <a:rPr lang="ko-KR" altLang="en-US"/>
+              <a:rPr lang="ko-KR" altLang="en-US" dirty="0"/>
               <a:t>화면에서는 </a:t>
             </a:r>
             <a:r>
-              <a:rPr lang="en-US" altLang="ko-KR"/>
+              <a:rPr lang="en-US" altLang="ko-KR" dirty="0"/>
               <a:t>‘/download’ </a:t>
             </a:r>
             <a:r>
-              <a:rPr lang="ko-KR" altLang="en-US"/>
+              <a:rPr lang="ko-KR" altLang="en-US" dirty="0"/>
               <a:t>경로로 요청 </a:t>
             </a:r>
           </a:p>
@@ -22439,7 +22488,7 @@
               </a:spcAft>
             </a:pPr>
             <a:r>
-              <a:rPr lang="en-US" altLang="ko-KR" sz="1050" b="1">
+              <a:rPr lang="en-US" altLang="ko-KR" sz="1050" b="1" dirty="0">
                 <a:solidFill>
                   <a:srgbClr val="7F0055"/>
                 </a:solidFill>
@@ -22449,7 +22498,7 @@
               <a:t>if</a:t>
             </a:r>
             <a:r>
-              <a:rPr lang="en-US" altLang="ko-KR" sz="1050">
+              <a:rPr lang="en-US" altLang="ko-KR" sz="1050" dirty="0">
                 <a:solidFill>
                   <a:srgbClr val="000000"/>
                 </a:solidFill>
@@ -22458,7 +22507,7 @@
               </a:rPr>
               <a:t>(!obj.image){</a:t>
             </a:r>
-            <a:endParaRPr lang="ko-KR" altLang="ko-KR" sz="1100">
+            <a:endParaRPr lang="ko-KR" altLang="ko-KR" sz="1100" dirty="0">
               <a:latin typeface="맑은 고딕" panose="020B0503020000020004" pitchFamily="50" charset="-127"/>
               <a:cs typeface="Arial" panose="020B0604020202020204" pitchFamily="34" charset="0"/>
             </a:endParaRPr>
@@ -22473,7 +22522,7 @@
               </a:spcAft>
             </a:pPr>
             <a:r>
-              <a:rPr lang="en-US" altLang="ko-KR" sz="1050">
+              <a:rPr lang="en-US" altLang="ko-KR" sz="1050" dirty="0">
                 <a:solidFill>
                   <a:srgbClr val="000000"/>
                 </a:solidFill>
@@ -22482,7 +22531,7 @@
               </a:rPr>
               <a:t>              </a:t>
             </a:r>
-            <a:endParaRPr lang="ko-KR" altLang="ko-KR" sz="1100">
+            <a:endParaRPr lang="ko-KR" altLang="ko-KR" sz="1100" dirty="0">
               <a:latin typeface="맑은 고딕" panose="020B0503020000020004" pitchFamily="50" charset="-127"/>
               <a:cs typeface="Arial" panose="020B0604020202020204" pitchFamily="34" charset="0"/>
             </a:endParaRPr>
@@ -22497,7 +22546,7 @@
               </a:spcAft>
             </a:pPr>
             <a:r>
-              <a:rPr lang="en-US" altLang="ko-KR" sz="1050">
+              <a:rPr lang="en-US" altLang="ko-KR" sz="1050" dirty="0">
                 <a:solidFill>
                   <a:srgbClr val="000000"/>
                 </a:solidFill>
@@ -22507,7 +22556,7 @@
               <a:t>   </a:t>
             </a:r>
             <a:r>
-              <a:rPr lang="en-US" altLang="ko-KR" sz="1050" b="1">
+              <a:rPr lang="en-US" altLang="ko-KR" sz="1050" b="1" dirty="0">
                 <a:solidFill>
                   <a:srgbClr val="7F0055"/>
                 </a:solidFill>
@@ -22517,7 +22566,7 @@
               <a:t>var</a:t>
             </a:r>
             <a:r>
-              <a:rPr lang="en-US" altLang="ko-KR" sz="1050">
+              <a:rPr lang="en-US" altLang="ko-KR" sz="1050" dirty="0">
                 <a:solidFill>
                   <a:srgbClr val="000000"/>
                 </a:solidFill>
@@ -22527,7 +22576,7 @@
               <a:t> fileCallPath =  encodeURIComponent( obj.uploadPath+</a:t>
             </a:r>
             <a:r>
-              <a:rPr lang="en-US" altLang="ko-KR" sz="1050">
+              <a:rPr lang="en-US" altLang="ko-KR" sz="1050" dirty="0">
                 <a:solidFill>
                   <a:srgbClr val="2A00FF"/>
                 </a:solidFill>
@@ -22537,7 +22586,7 @@
               <a:t>"/"</a:t>
             </a:r>
             <a:r>
-              <a:rPr lang="en-US" altLang="ko-KR" sz="1050">
+              <a:rPr lang="en-US" altLang="ko-KR" sz="1050" dirty="0">
                 <a:solidFill>
                   <a:srgbClr val="000000"/>
                 </a:solidFill>
@@ -22547,7 +22596,7 @@
               <a:t>+ obj.uuid +</a:t>
             </a:r>
             <a:r>
-              <a:rPr lang="en-US" altLang="ko-KR" sz="1050">
+              <a:rPr lang="en-US" altLang="ko-KR" sz="1050" dirty="0">
                 <a:solidFill>
                   <a:srgbClr val="2A00FF"/>
                 </a:solidFill>
@@ -22557,7 +22606,7 @@
               <a:t>"_"</a:t>
             </a:r>
             <a:r>
-              <a:rPr lang="en-US" altLang="ko-KR" sz="1050">
+              <a:rPr lang="en-US" altLang="ko-KR" sz="1050" dirty="0">
                 <a:solidFill>
                   <a:srgbClr val="000000"/>
                 </a:solidFill>
@@ -22566,7 +22615,7 @@
               </a:rPr>
               <a:t>+obj.fileName);</a:t>
             </a:r>
-            <a:endParaRPr lang="ko-KR" altLang="ko-KR" sz="1100">
+            <a:endParaRPr lang="ko-KR" altLang="ko-KR" sz="1100" dirty="0">
               <a:latin typeface="맑은 고딕" panose="020B0503020000020004" pitchFamily="50" charset="-127"/>
               <a:cs typeface="Arial" panose="020B0604020202020204" pitchFamily="34" charset="0"/>
             </a:endParaRPr>
@@ -22581,7 +22630,7 @@
               </a:spcAft>
             </a:pPr>
             <a:r>
-              <a:rPr lang="en-US" altLang="ko-KR" sz="1050">
+              <a:rPr lang="en-US" altLang="ko-KR" sz="1050" dirty="0">
                 <a:solidFill>
                   <a:srgbClr val="000000"/>
                 </a:solidFill>
@@ -22590,7 +22639,7 @@
               </a:rPr>
               <a:t>              </a:t>
             </a:r>
-            <a:endParaRPr lang="ko-KR" altLang="ko-KR" sz="1100">
+            <a:endParaRPr lang="ko-KR" altLang="ko-KR" sz="1100" dirty="0">
               <a:latin typeface="맑은 고딕" panose="020B0503020000020004" pitchFamily="50" charset="-127"/>
               <a:cs typeface="Arial" panose="020B0604020202020204" pitchFamily="34" charset="0"/>
             </a:endParaRPr>
@@ -22605,7 +22654,7 @@
               </a:spcAft>
             </a:pPr>
             <a:r>
-              <a:rPr lang="en-US" altLang="ko-KR" sz="1050">
+              <a:rPr lang="en-US" altLang="ko-KR" sz="1050" dirty="0">
                 <a:solidFill>
                   <a:srgbClr val="000000"/>
                 </a:solidFill>
@@ -22615,7 +22664,7 @@
               <a:t>  str += </a:t>
             </a:r>
             <a:r>
-              <a:rPr lang="en-US" altLang="ko-KR" sz="1050">
+              <a:rPr lang="en-US" altLang="ko-KR" sz="1050" dirty="0">
                 <a:solidFill>
                   <a:srgbClr val="2A00FF"/>
                 </a:solidFill>
@@ -22625,7 +22674,7 @@
               <a:t>"&lt;li&gt;&lt;a href='/download?fileName="</a:t>
             </a:r>
             <a:r>
-              <a:rPr lang="en-US" altLang="ko-KR" sz="1050">
+              <a:rPr lang="en-US" altLang="ko-KR" sz="1050" dirty="0">
                 <a:solidFill>
                   <a:srgbClr val="000000"/>
                 </a:solidFill>
@@ -22635,7 +22684,7 @@
               <a:t>+fileCallPath+</a:t>
             </a:r>
             <a:r>
-              <a:rPr lang="en-US" altLang="ko-KR" sz="1050">
+              <a:rPr lang="en-US" altLang="ko-KR" sz="1050" dirty="0">
                 <a:solidFill>
                   <a:srgbClr val="2A00FF"/>
                 </a:solidFill>
@@ -22645,7 +22694,7 @@
               <a:t>"'&gt;"</a:t>
             </a:r>
             <a:r>
-              <a:rPr lang="en-US" altLang="ko-KR" sz="1050">
+              <a:rPr lang="en-US" altLang="ko-KR" sz="1050" dirty="0">
                 <a:solidFill>
                   <a:srgbClr val="000000"/>
                 </a:solidFill>
@@ -22654,7 +22703,7 @@
               </a:rPr>
               <a:t> </a:t>
             </a:r>
-            <a:endParaRPr lang="ko-KR" altLang="ko-KR" sz="1100">
+            <a:endParaRPr lang="ko-KR" altLang="ko-KR" sz="1100" dirty="0">
               <a:latin typeface="맑은 고딕" panose="020B0503020000020004" pitchFamily="50" charset="-127"/>
               <a:cs typeface="Arial" panose="020B0604020202020204" pitchFamily="34" charset="0"/>
             </a:endParaRPr>
@@ -22669,7 +22718,7 @@
               </a:spcAft>
             </a:pPr>
             <a:r>
-              <a:rPr lang="en-US" altLang="ko-KR" sz="1050">
+              <a:rPr lang="en-US" altLang="ko-KR" sz="1050" dirty="0">
                 <a:solidFill>
                   <a:srgbClr val="000000"/>
                 </a:solidFill>
@@ -22679,7 +22728,7 @@
               <a:t>      +</a:t>
             </a:r>
             <a:r>
-              <a:rPr lang="en-US" altLang="ko-KR" sz="1050">
+              <a:rPr lang="en-US" altLang="ko-KR" sz="1050" dirty="0">
                 <a:solidFill>
                   <a:srgbClr val="2A00FF"/>
                 </a:solidFill>
@@ -22689,7 +22738,7 @@
               <a:t>"&lt;img src='/resources/img/attach.png'&gt;"</a:t>
             </a:r>
             <a:r>
-              <a:rPr lang="en-US" altLang="ko-KR" sz="1050">
+              <a:rPr lang="en-US" altLang="ko-KR" sz="1050" dirty="0">
                 <a:solidFill>
                   <a:srgbClr val="000000"/>
                 </a:solidFill>
@@ -22699,7 +22748,7 @@
               <a:t>+obj.fileName+</a:t>
             </a:r>
             <a:r>
-              <a:rPr lang="en-US" altLang="ko-KR" sz="1050">
+              <a:rPr lang="en-US" altLang="ko-KR" sz="1050" dirty="0">
                 <a:solidFill>
                   <a:srgbClr val="2A00FF"/>
                 </a:solidFill>
@@ -22708,7 +22757,7 @@
               </a:rPr>
               <a:t>"&lt;/a&gt;&lt;/li&gt;"</a:t>
             </a:r>
-            <a:endParaRPr lang="ko-KR" altLang="ko-KR" sz="1100">
+            <a:endParaRPr lang="ko-KR" altLang="ko-KR" sz="1100" dirty="0">
               <a:latin typeface="맑은 고딕" panose="020B0503020000020004" pitchFamily="50" charset="-127"/>
               <a:cs typeface="Arial" panose="020B0604020202020204" pitchFamily="34" charset="0"/>
             </a:endParaRPr>
@@ -23819,64 +23868,72 @@
           <a:lstStyle/>
           <a:p>
             <a:r>
-              <a:rPr lang="ko-KR" altLang="en-US"/>
+              <a:rPr lang="ko-KR" altLang="en-US" dirty="0"/>
               <a:t>첨부파일은 삭제했지만</a:t>
             </a:r>
             <a:r>
-              <a:rPr lang="en-US" altLang="ko-KR"/>
+              <a:rPr lang="en-US" altLang="ko-KR" dirty="0"/>
               <a:t>, </a:t>
             </a:r>
             <a:r>
-              <a:rPr lang="ko-KR" altLang="en-US"/>
-              <a:t>원래의 게시글을 수정</a:t>
-            </a:r>
-            <a:r>
-              <a:rPr lang="en-US" altLang="ko-KR"/>
+              <a:rPr lang="ko-KR" altLang="en-US" dirty="0"/>
+              <a:t>원래의 </a:t>
+            </a:r>
+            <a:r>
+              <a:rPr lang="ko-KR" altLang="en-US" dirty="0" err="1"/>
+              <a:t>게시글을</a:t>
+            </a:r>
+            <a:r>
+              <a:rPr lang="ko-KR" altLang="en-US" dirty="0"/>
+              <a:t> 수정</a:t>
+            </a:r>
+            <a:r>
+              <a:rPr lang="en-US" altLang="ko-KR" dirty="0"/>
               <a:t>/</a:t>
             </a:r>
             <a:r>
-              <a:rPr lang="ko-KR" altLang="en-US"/>
+              <a:rPr lang="ko-KR" altLang="en-US" dirty="0"/>
               <a:t>삭제하지 않은 경우 </a:t>
             </a:r>
-            <a:endParaRPr lang="en-US" altLang="ko-KR"/>
-          </a:p>
-          <a:p>
-            <a:r>
-              <a:rPr lang="ko-KR" altLang="en-US"/>
+            <a:endParaRPr lang="en-US" altLang="ko-KR" dirty="0"/>
+          </a:p>
+          <a:p>
+            <a:r>
+              <a:rPr lang="ko-KR" altLang="en-US" dirty="0"/>
               <a:t>비정상적으로 수정</a:t>
             </a:r>
             <a:r>
-              <a:rPr lang="en-US" altLang="ko-KR"/>
+              <a:rPr lang="en-US" altLang="ko-KR" dirty="0"/>
               <a:t>/</a:t>
             </a:r>
             <a:r>
-              <a:rPr lang="ko-KR" altLang="en-US"/>
+              <a:rPr lang="ko-KR" altLang="en-US" dirty="0"/>
               <a:t>삭제 중에 브라우저가 종료된 경우 </a:t>
             </a:r>
-            <a:endParaRPr lang="en-US" altLang="ko-KR"/>
-          </a:p>
-          <a:p>
-            <a:r>
-              <a:rPr lang="ko-KR" altLang="en-US"/>
+            <a:endParaRPr lang="en-US" altLang="ko-KR" dirty="0"/>
+          </a:p>
+          <a:p>
+            <a:r>
+              <a:rPr lang="ko-KR" altLang="en-US" dirty="0"/>
               <a:t>무난한 방식은 </a:t>
             </a:r>
             <a:r>
-              <a:rPr lang="en-US" altLang="ko-KR"/>
+              <a:rPr lang="en-US" altLang="ko-KR" dirty="0"/>
               <a:t>DB</a:t>
             </a:r>
             <a:r>
-              <a:rPr lang="ko-KR" altLang="en-US"/>
+              <a:rPr lang="ko-KR" altLang="en-US" dirty="0"/>
               <a:t>에 있는 첨부파일의 목록과 실제 업로드 폴더에 있는 파일의 목록을 비교해서 처리하는 작업을 주기적으로 처리 </a:t>
             </a:r>
-            <a:endParaRPr lang="en-US" altLang="ko-KR"/>
-          </a:p>
-          <a:p>
-            <a:r>
-              <a:rPr lang="en-US" altLang="ko-KR"/>
+            <a:endParaRPr lang="en-US" altLang="ko-KR" dirty="0"/>
+          </a:p>
+          <a:p>
+            <a:r>
+              <a:rPr lang="en-US" altLang="ko-KR" dirty="0"/>
               <a:t>Quartz</a:t>
             </a:r>
             <a:r>
-              <a:rPr lang="ko-KR" altLang="en-US"/>
+              <a:rPr lang="ko-KR" altLang="en-US" dirty="0"/>
               <a:t>라이브러리를 이용해서 스프링에서 주기적으로 처리</a:t>
             </a:r>
           </a:p>
@@ -25350,37 +25407,49 @@
           <a:lstStyle/>
           <a:p>
             <a:r>
-              <a:rPr lang="ko-KR" altLang="en-US" smtClean="0"/>
-              <a:t>첨부물은 수정의 의미가 없으므로 </a:t>
-            </a:r>
-            <a:r>
-              <a:rPr lang="en-US" altLang="ko-KR" smtClean="0"/>
+              <a:rPr lang="ko-KR" altLang="en-US" dirty="0" err="1" smtClean="0"/>
+              <a:t>첨부물은</a:t>
+            </a:r>
+            <a:r>
+              <a:rPr lang="ko-KR" altLang="en-US" dirty="0" smtClean="0"/>
+              <a:t> 수정의 의미가 없으므로 </a:t>
+            </a:r>
+            <a:r>
+              <a:rPr lang="en-US" altLang="ko-KR" dirty="0" smtClean="0"/>
               <a:t>update</a:t>
             </a:r>
             <a:r>
-              <a:rPr lang="ko-KR" altLang="en-US" smtClean="0"/>
+              <a:rPr lang="ko-KR" altLang="en-US" dirty="0" smtClean="0"/>
               <a:t>는 없고 </a:t>
             </a:r>
             <a:r>
-              <a:rPr lang="en-US" altLang="ko-KR" smtClean="0"/>
+              <a:rPr lang="en-US" altLang="ko-KR" dirty="0" smtClean="0"/>
               <a:t>insert,delete,</a:t>
             </a:r>
             <a:br>
-              <a:rPr lang="en-US" altLang="ko-KR" smtClean="0"/>
+              <a:rPr lang="en-US" altLang="ko-KR" dirty="0" smtClean="0"/>
             </a:br>
             <a:r>
-              <a:rPr lang="ko-KR" altLang="en-US" smtClean="0"/>
-              <a:t>게시물 번호로 첨부물의 목록을 찾는 </a:t>
-            </a:r>
-            <a:r>
-              <a:rPr lang="en-US" altLang="ko-KR" smtClean="0"/>
+              <a:rPr lang="ko-KR" altLang="en-US" dirty="0" smtClean="0"/>
+              <a:t>게시물 번호로 </a:t>
+            </a:r>
+            <a:r>
+              <a:rPr lang="ko-KR" altLang="en-US" dirty="0" err="1" smtClean="0"/>
+              <a:t>첨부물의</a:t>
+            </a:r>
+            <a:r>
+              <a:rPr lang="ko-KR" altLang="en-US" dirty="0" smtClean="0"/>
+              <a:t> 목록을 찾는 </a:t>
+            </a:r>
+            <a:r>
+              <a:rPr lang="en-US" altLang="ko-KR" dirty="0" smtClean="0"/>
               <a:t>findByBno</a:t>
             </a:r>
             <a:r>
-              <a:rPr lang="ko-KR" altLang="en-US" smtClean="0"/>
+              <a:rPr lang="ko-KR" altLang="en-US" dirty="0" smtClean="0"/>
               <a:t>만 처리</a:t>
             </a:r>
-            <a:endParaRPr lang="ko-KR" altLang="en-US"/>
+            <a:endParaRPr lang="ko-KR" altLang="en-US" dirty="0"/>
           </a:p>
         </p:txBody>
       </p:sp>
@@ -26299,18 +26368,18 @@
           <a:lstStyle/>
           <a:p>
             <a:r>
-              <a:rPr lang="en-US" altLang="ko-KR" smtClean="0"/>
+              <a:rPr lang="en-US" altLang="ko-KR" dirty="0" smtClean="0"/>
               <a:t>javascript</a:t>
             </a:r>
             <a:r>
-              <a:rPr lang="ko-KR" altLang="en-US" smtClean="0"/>
+              <a:rPr lang="ko-KR" altLang="en-US" dirty="0" smtClean="0"/>
               <a:t>처리</a:t>
             </a:r>
             <a:r>
-              <a:rPr lang="en-US" altLang="ko-KR" smtClean="0"/>
+              <a:rPr lang="en-US" altLang="ko-KR" dirty="0" smtClean="0"/>
               <a:t>(p556)</a:t>
             </a:r>
-            <a:endParaRPr lang="ko-KR" altLang="en-US"/>
+            <a:endParaRPr lang="ko-KR" altLang="en-US" dirty="0"/>
           </a:p>
         </p:txBody>
       </p:sp>
@@ -26330,59 +26399,67 @@
           <a:lstStyle/>
           <a:p>
             <a:r>
-              <a:rPr lang="en-US" altLang="ko-KR" smtClean="0"/>
+              <a:rPr lang="en-US" altLang="ko-KR" dirty="0" smtClean="0"/>
               <a:t>submit</a:t>
             </a:r>
             <a:r>
-              <a:rPr lang="ko-KR" altLang="en-US" smtClean="0"/>
-              <a:t>버튼 클릭시 첨부파일 관련 작업을 먼저 하도록 </a:t>
-            </a:r>
-            <a:r>
-              <a:rPr lang="en-US" altLang="ko-KR" smtClean="0"/>
+              <a:rPr lang="ko-KR" altLang="en-US" dirty="0" smtClean="0"/>
+              <a:t>버튼 </a:t>
+            </a:r>
+            <a:r>
+              <a:rPr lang="ko-KR" altLang="en-US" dirty="0" err="1" smtClean="0"/>
+              <a:t>클릭시</a:t>
+            </a:r>
+            <a:r>
+              <a:rPr lang="ko-KR" altLang="en-US" dirty="0" smtClean="0"/>
+              <a:t> 첨부파일 관련 작업을 먼저 하도록 </a:t>
+            </a:r>
+            <a:r>
+              <a:rPr lang="en-US" altLang="ko-KR" dirty="0" smtClean="0"/>
               <a:t/>
             </a:r>
             <a:br>
-              <a:rPr lang="en-US" altLang="ko-KR" smtClean="0"/>
+              <a:rPr lang="en-US" altLang="ko-KR" dirty="0" smtClean="0"/>
             </a:br>
             <a:r>
-              <a:rPr lang="ko-KR" altLang="en-US" smtClean="0"/>
+              <a:rPr lang="ko-KR" altLang="en-US" dirty="0" smtClean="0"/>
               <a:t>기본동작을 막는다</a:t>
             </a:r>
             <a:r>
-              <a:rPr lang="en-US" altLang="ko-KR" smtClean="0"/>
+              <a:rPr lang="en-US" altLang="ko-KR" dirty="0" smtClean="0"/>
               <a:t>.</a:t>
             </a:r>
           </a:p>
           <a:p>
-            <a:endParaRPr lang="en-US" altLang="ko-KR"/>
-          </a:p>
-          <a:p>
-            <a:endParaRPr lang="en-US" altLang="ko-KR" smtClean="0"/>
-          </a:p>
-          <a:p>
-            <a:endParaRPr lang="en-US" altLang="ko-KR"/>
-          </a:p>
-          <a:p>
-            <a:endParaRPr lang="en-US" altLang="ko-KR" smtClean="0"/>
-          </a:p>
-          <a:p>
-            <a:r>
-              <a:rPr lang="en-US" altLang="ko-KR" smtClean="0"/>
+            <a:endParaRPr lang="en-US" altLang="ko-KR" dirty="0"/>
+          </a:p>
+          <a:p>
+            <a:endParaRPr lang="en-US" altLang="ko-KR" dirty="0" smtClean="0"/>
+          </a:p>
+          <a:p>
+            <a:endParaRPr lang="en-US" altLang="ko-KR" dirty="0"/>
+          </a:p>
+          <a:p>
+            <a:endParaRPr lang="en-US" altLang="ko-KR" dirty="0" smtClean="0"/>
+          </a:p>
+          <a:p>
+            <a:r>
+              <a:rPr lang="en-US" altLang="ko-KR" dirty="0" smtClean="0"/>
               <a:t>input type=“file”</a:t>
             </a:r>
             <a:r>
-              <a:rPr lang="ko-KR" altLang="en-US" smtClean="0"/>
+              <a:rPr lang="ko-KR" altLang="en-US" dirty="0" smtClean="0"/>
               <a:t>의 이벤트는 </a:t>
             </a:r>
             <a:r>
-              <a:rPr lang="en-US" altLang="ko-KR" smtClean="0"/>
+              <a:rPr lang="en-US" altLang="ko-KR" dirty="0" smtClean="0"/>
               <a:t>change</a:t>
             </a:r>
             <a:r>
-              <a:rPr lang="ko-KR" altLang="en-US" smtClean="0"/>
+              <a:rPr lang="ko-KR" altLang="en-US" dirty="0" smtClean="0"/>
               <a:t>이벤트를 적용</a:t>
             </a:r>
-            <a:endParaRPr lang="ko-KR" altLang="en-US"/>
+            <a:endParaRPr lang="ko-KR" altLang="en-US" dirty="0"/>
           </a:p>
         </p:txBody>
       </p:sp>
@@ -26825,82 +26902,90 @@
           <a:lstStyle/>
           <a:p>
             <a:r>
-              <a:rPr lang="en-US" altLang="ko-KR" smtClean="0"/>
+              <a:rPr lang="en-US" altLang="ko-KR" dirty="0" smtClean="0"/>
               <a:t>&lt;input type=‘hidden’&gt;</a:t>
             </a:r>
             <a:r>
-              <a:rPr lang="ko-KR" altLang="en-US" smtClean="0"/>
+              <a:rPr lang="ko-KR" altLang="en-US" dirty="0" smtClean="0"/>
               <a:t>은 첨부 파일 하나당 </a:t>
             </a:r>
             <a:r>
-              <a:rPr lang="en-US" altLang="ko-KR" smtClean="0"/>
+              <a:rPr lang="en-US" altLang="ko-KR" dirty="0" smtClean="0"/>
               <a:t>1</a:t>
             </a:r>
             <a:r>
-              <a:rPr lang="ko-KR" altLang="en-US" smtClean="0"/>
+              <a:rPr lang="ko-KR" altLang="en-US" dirty="0" smtClean="0"/>
               <a:t>개를 만들며</a:t>
             </a:r>
             <a:r>
-              <a:rPr lang="en-US" altLang="ko-KR" smtClean="0"/>
+              <a:rPr lang="en-US" altLang="ko-KR" dirty="0" smtClean="0"/>
               <a:t/>
             </a:r>
             <a:br>
-              <a:rPr lang="en-US" altLang="ko-KR" smtClean="0"/>
+              <a:rPr lang="en-US" altLang="ko-KR" dirty="0" smtClean="0"/>
             </a:br>
             <a:r>
-              <a:rPr lang="ko-KR" altLang="en-US" smtClean="0"/>
+              <a:rPr lang="ko-KR" altLang="en-US" dirty="0" smtClean="0"/>
               <a:t>정보는 </a:t>
             </a:r>
             <a:r>
-              <a:rPr lang="en-US" altLang="ko-KR" smtClean="0"/>
+              <a:rPr lang="en-US" altLang="ko-KR" dirty="0" smtClean="0"/>
               <a:t>BoardVO</a:t>
             </a:r>
             <a:r>
-              <a:rPr lang="ko-KR" altLang="en-US" smtClean="0"/>
+              <a:rPr lang="ko-KR" altLang="en-US" dirty="0" smtClean="0"/>
               <a:t>로 수집된다</a:t>
             </a:r>
             <a:r>
-              <a:rPr lang="en-US" altLang="ko-KR" smtClean="0"/>
+              <a:rPr lang="en-US" altLang="ko-KR" dirty="0" smtClean="0"/>
               <a:t>.</a:t>
             </a:r>
             <a:br>
-              <a:rPr lang="en-US" altLang="ko-KR" smtClean="0"/>
+              <a:rPr lang="en-US" altLang="ko-KR" dirty="0" smtClean="0"/>
             </a:br>
             <a:r>
-              <a:rPr lang="en-US" altLang="ko-KR" smtClean="0"/>
+              <a:rPr lang="en-US" altLang="ko-KR" dirty="0" smtClean="0"/>
               <a:t>List&lt;BoardAttachVO&gt; attachList</a:t>
             </a:r>
             <a:r>
-              <a:rPr lang="ko-KR" altLang="en-US" smtClean="0"/>
+              <a:rPr lang="ko-KR" altLang="en-US" dirty="0" smtClean="0"/>
               <a:t>변수로 수집되므로 </a:t>
             </a:r>
             <a:r>
-              <a:rPr lang="en-US" altLang="ko-KR" smtClean="0"/>
+              <a:rPr lang="en-US" altLang="ko-KR" dirty="0" smtClean="0"/>
               <a:t/>
             </a:r>
             <a:br>
-              <a:rPr lang="en-US" altLang="ko-KR" smtClean="0"/>
+              <a:rPr lang="en-US" altLang="ko-KR" dirty="0" smtClean="0"/>
             </a:br>
             <a:r>
-              <a:rPr lang="en-US" altLang="ko-KR" smtClean="0"/>
+              <a:rPr lang="en-US" altLang="ko-KR" dirty="0" smtClean="0"/>
               <a:t>name</a:t>
             </a:r>
             <a:r>
-              <a:rPr lang="ko-KR" altLang="en-US" smtClean="0"/>
-              <a:t>속성은 동일한 이름의 배열형 변수로 만들어 준다</a:t>
-            </a:r>
-            <a:r>
-              <a:rPr lang="en-US" altLang="ko-KR" smtClean="0"/>
+              <a:rPr lang="ko-KR" altLang="en-US" dirty="0" smtClean="0"/>
+              <a:t>속성은 동일한 이름의 </a:t>
+            </a:r>
+            <a:r>
+              <a:rPr lang="ko-KR" altLang="en-US" dirty="0" err="1" smtClean="0"/>
+              <a:t>배열형</a:t>
+            </a:r>
+            <a:r>
+              <a:rPr lang="ko-KR" altLang="en-US" dirty="0" smtClean="0"/>
+              <a:t> 변수로 만들어 준다</a:t>
+            </a:r>
+            <a:r>
+              <a:rPr lang="en-US" altLang="ko-KR" dirty="0" smtClean="0"/>
               <a:t/>
             </a:r>
             <a:br>
-              <a:rPr lang="en-US" altLang="ko-KR" smtClean="0"/>
+              <a:rPr lang="en-US" altLang="ko-KR" dirty="0" smtClean="0"/>
             </a:br>
             <a:r>
-              <a:rPr lang="en-US" altLang="ko-KR" smtClean="0"/>
+              <a:rPr lang="en-US" altLang="ko-KR" dirty="0" smtClean="0"/>
               <a:t>(attachList[i])</a:t>
             </a:r>
-            <a:endParaRPr lang="ko-KR" altLang="en-US"/>
+            <a:endParaRPr lang="ko-KR" altLang="en-US" dirty="0"/>
           </a:p>
         </p:txBody>
       </p:sp>
@@ -28557,46 +28642,54 @@
           <a:lstStyle/>
           <a:p>
             <a:r>
-              <a:rPr lang="ko-KR" altLang="en-US"/>
-              <a:t>게시물 조회시에는 게시물의 정보와 첨부파일들의 정보를 같이 가져오도록 해야 함 </a:t>
-            </a:r>
-            <a:endParaRPr lang="en-US" altLang="ko-KR"/>
+              <a:rPr lang="ko-KR" altLang="en-US" dirty="0"/>
+              <a:t>게시물 </a:t>
+            </a:r>
+            <a:r>
+              <a:rPr lang="ko-KR" altLang="en-US" dirty="0" err="1"/>
+              <a:t>조회시에는</a:t>
+            </a:r>
+            <a:r>
+              <a:rPr lang="ko-KR" altLang="en-US" dirty="0"/>
+              <a:t> 게시물의 정보와 첨부파일들의 정보를 같이 가져오도록 해야 함 </a:t>
+            </a:r>
+            <a:endParaRPr lang="en-US" altLang="ko-KR" dirty="0"/>
           </a:p>
           <a:p>
             <a:pPr lvl="1"/>
             <a:r>
-              <a:rPr lang="en-US" altLang="ko-KR"/>
+              <a:rPr lang="en-US" altLang="ko-KR" dirty="0"/>
               <a:t>Ajax</a:t>
             </a:r>
             <a:r>
-              <a:rPr lang="ko-KR" altLang="en-US"/>
+              <a:rPr lang="ko-KR" altLang="en-US" dirty="0"/>
               <a:t>로 해당 게시물의 첨부파일들만 조회하는 </a:t>
             </a:r>
             <a:r>
-              <a:rPr lang="ko-KR" altLang="en-US" smtClean="0"/>
+              <a:rPr lang="ko-KR" altLang="en-US" dirty="0" smtClean="0"/>
               <a:t>방식</a:t>
             </a:r>
-            <a:endParaRPr lang="en-US" altLang="ko-KR" smtClean="0"/>
+            <a:endParaRPr lang="en-US" altLang="ko-KR" dirty="0" smtClean="0"/>
           </a:p>
           <a:p>
             <a:pPr lvl="1"/>
             <a:r>
-              <a:rPr lang="en-US" altLang="ko-KR" smtClean="0"/>
+              <a:rPr lang="en-US" altLang="ko-KR" dirty="0" smtClean="0"/>
               <a:t>join</a:t>
             </a:r>
             <a:r>
-              <a:rPr lang="ko-KR" altLang="en-US" smtClean="0"/>
+              <a:rPr lang="ko-KR" altLang="en-US" dirty="0" smtClean="0"/>
               <a:t>을</a:t>
             </a:r>
             <a:r>
-              <a:rPr lang="en-US" altLang="ko-KR" smtClean="0"/>
+              <a:rPr lang="en-US" altLang="ko-KR" dirty="0" smtClean="0"/>
               <a:t> </a:t>
             </a:r>
             <a:r>
-              <a:rPr lang="ko-KR" altLang="en-US" smtClean="0"/>
+              <a:rPr lang="ko-KR" altLang="en-US" dirty="0" smtClean="0"/>
               <a:t>통해 한번에 가져오는 방식  </a:t>
             </a:r>
-            <a:endParaRPr lang="ko-KR" altLang="en-US"/>
+            <a:endParaRPr lang="ko-KR" altLang="en-US" dirty="0"/>
           </a:p>
         </p:txBody>
       </p:sp>
@@ -31262,20 +31355,20 @@
               <a:t>   </a:t>
             </a:r>
             <a:r>
-              <a:rPr lang="en-US" altLang="ko-KR"/>
+              <a:rPr lang="en-US" altLang="ko-KR" dirty="0"/>
               <a:t>})(); </a:t>
             </a:r>
             <a:r>
-              <a:rPr lang="en-US" altLang="ko-KR" smtClean="0"/>
+              <a:rPr lang="en-US" altLang="ko-KR" dirty="0" smtClean="0"/>
               <a:t>//</a:t>
             </a:r>
             <a:r>
-              <a:rPr lang="ko-KR" altLang="en-US" smtClean="0"/>
-              <a:t>즉시실행 </a:t>
+              <a:rPr lang="ko-KR" altLang="en-US" dirty="0" err="1" smtClean="0"/>
+              <a:t>즉시실행</a:t>
             </a:r>
             <a:r>
               <a:rPr lang="ko-KR" altLang="en-US" dirty="0" smtClean="0"/>
-              <a:t>함수</a:t>
+              <a:t> 함수</a:t>
             </a:r>
             <a:endParaRPr lang="en-US" altLang="ko-KR" dirty="0" smtClean="0"/>
           </a:p>
@@ -31290,76 +31383,108 @@
               <a:buNone/>
             </a:pPr>
             <a:r>
-              <a:rPr lang="en-US" altLang="ko-KR" smtClean="0"/>
+              <a:rPr lang="en-US" altLang="ko-KR" dirty="0" smtClean="0"/>
               <a:t>.getJSON</a:t>
             </a:r>
             <a:r>
-              <a:rPr lang="ko-KR" altLang="en-US" smtClean="0"/>
-              <a:t>으로 가져온 첨부물을 등록시 화면 처리 처럼</a:t>
-            </a:r>
-            <a:r>
-              <a:rPr lang="en-US" altLang="ko-KR" smtClean="0"/>
+              <a:rPr lang="ko-KR" altLang="en-US" dirty="0" err="1" smtClean="0"/>
+              <a:t>으로</a:t>
+            </a:r>
+            <a:r>
+              <a:rPr lang="ko-KR" altLang="en-US" dirty="0" smtClean="0"/>
+              <a:t> 가져온 </a:t>
+            </a:r>
+            <a:r>
+              <a:rPr lang="ko-KR" altLang="en-US" dirty="0" err="1" smtClean="0"/>
+              <a:t>첨부물을</a:t>
+            </a:r>
+            <a:r>
+              <a:rPr lang="ko-KR" altLang="en-US" dirty="0" smtClean="0"/>
+              <a:t> </a:t>
+            </a:r>
+            <a:r>
+              <a:rPr lang="ko-KR" altLang="en-US" dirty="0" err="1" smtClean="0"/>
+              <a:t>등록시</a:t>
+            </a:r>
+            <a:r>
+              <a:rPr lang="ko-KR" altLang="en-US" dirty="0" smtClean="0"/>
+              <a:t> 화면 처리 </a:t>
+            </a:r>
+            <a:r>
+              <a:rPr lang="ko-KR" altLang="en-US" dirty="0" err="1" smtClean="0"/>
+              <a:t>처럼</a:t>
+            </a:r>
+            <a:r>
+              <a:rPr lang="en-US" altLang="ko-KR" dirty="0" smtClean="0"/>
               <a:t/>
             </a:r>
             <a:br>
-              <a:rPr lang="en-US" altLang="ko-KR" smtClean="0"/>
+              <a:rPr lang="en-US" altLang="ko-KR" dirty="0" smtClean="0"/>
             </a:br>
             <a:r>
-              <a:rPr lang="en-US" altLang="ko-KR" smtClean="0"/>
+              <a:rPr lang="en-US" altLang="ko-KR" dirty="0" smtClean="0"/>
               <a:t>card</a:t>
             </a:r>
             <a:r>
-              <a:rPr lang="ko-KR" altLang="en-US" smtClean="0"/>
-              <a:t>를 사용하여 처리</a:t>
-            </a:r>
-            <a:r>
-              <a:rPr lang="en-US" altLang="ko-KR" smtClean="0"/>
+              <a:rPr lang="ko-KR" altLang="en-US" dirty="0" err="1" smtClean="0"/>
+              <a:t>를</a:t>
+            </a:r>
+            <a:r>
+              <a:rPr lang="ko-KR" altLang="en-US" dirty="0" smtClean="0"/>
+              <a:t> 사용하여 처리</a:t>
+            </a:r>
+            <a:r>
+              <a:rPr lang="en-US" altLang="ko-KR" dirty="0" smtClean="0"/>
               <a:t>(</a:t>
             </a:r>
             <a:r>
-              <a:rPr lang="ko-KR" altLang="en-US" smtClean="0"/>
-              <a:t>등록시 화면 처리 복사 사용</a:t>
-            </a:r>
-            <a:r>
-              <a:rPr lang="en-US" altLang="ko-KR" smtClean="0"/>
+              <a:rPr lang="ko-KR" altLang="en-US" dirty="0" err="1" smtClean="0"/>
+              <a:t>등록시</a:t>
+            </a:r>
+            <a:r>
+              <a:rPr lang="ko-KR" altLang="en-US" dirty="0" smtClean="0"/>
+              <a:t> 화면 처리 복사 사용</a:t>
+            </a:r>
+            <a:r>
+              <a:rPr lang="en-US" altLang="ko-KR" dirty="0" smtClean="0"/>
               <a:t>)</a:t>
             </a:r>
             <a:br>
-              <a:rPr lang="en-US" altLang="ko-KR" smtClean="0"/>
+              <a:rPr lang="en-US" altLang="ko-KR" dirty="0" smtClean="0"/>
             </a:br>
             <a:r>
-              <a:rPr lang="en-US" altLang="ko-KR" smtClean="0"/>
+              <a:rPr lang="en-US" altLang="ko-KR" dirty="0" smtClean="0"/>
               <a:t>class=uploadResult</a:t>
             </a:r>
             <a:r>
-              <a:rPr lang="ko-KR" altLang="en-US" smtClean="0"/>
+              <a:rPr lang="ko-KR" altLang="en-US" dirty="0" smtClean="0"/>
               <a:t>의 후손인 </a:t>
             </a:r>
             <a:r>
-              <a:rPr lang="en-US" altLang="ko-KR" smtClean="0"/>
+              <a:rPr lang="en-US" altLang="ko-KR" dirty="0" smtClean="0"/>
               <a:t>&lt;</a:t>
             </a:r>
             <a:r>
-              <a:rPr lang="en-US" altLang="ko-KR"/>
+              <a:rPr lang="en-US" altLang="ko-KR" dirty="0"/>
               <a:t>div class='row' id='card</a:t>
             </a:r>
             <a:r>
-              <a:rPr lang="en-US" altLang="ko-KR" smtClean="0"/>
+              <a:rPr lang="en-US" altLang="ko-KR" dirty="0" smtClean="0"/>
               <a:t>'&gt;</a:t>
             </a:r>
             <a:r>
-              <a:rPr lang="ko-KR" altLang="en-US" smtClean="0"/>
+              <a:rPr lang="ko-KR" altLang="en-US" dirty="0" smtClean="0"/>
               <a:t>에</a:t>
             </a:r>
             <a:r>
-              <a:rPr lang="en-US" altLang="ko-KR" smtClean="0"/>
+              <a:rPr lang="en-US" altLang="ko-KR" dirty="0" smtClean="0"/>
               <a:t/>
             </a:r>
             <a:br>
-              <a:rPr lang="en-US" altLang="ko-KR" smtClean="0"/>
+              <a:rPr lang="en-US" altLang="ko-KR" dirty="0" smtClean="0"/>
             </a:br>
             <a:r>
-              <a:rPr lang="ko-KR" altLang="en-US" smtClean="0"/>
+              <a:rPr lang="ko-KR" altLang="en-US" dirty="0" smtClean="0"/>
               <a:t>처리</a:t>
             </a:r>
             <a:endParaRPr lang="ko-KR" altLang="en-US" dirty="0"/>
@@ -31521,7 +31646,12 @@
             <p:ph type="title"/>
           </p:nvPr>
         </p:nvSpPr>
-        <p:spPr/>
+        <p:spPr>
+          <a:xfrm>
+            <a:off x="628650" y="490856"/>
+            <a:ext cx="7886700" cy="777874"/>
+          </a:xfrm>
+        </p:spPr>
         <p:txBody>
           <a:bodyPr/>
           <a:lstStyle/>
@@ -31550,14 +31680,14 @@
           <a:lstStyle/>
           <a:p>
             <a:r>
-              <a:rPr lang="en-US" altLang="ko-KR" smtClean="0"/>
+              <a:rPr lang="en-US" altLang="ko-KR" dirty="0" smtClean="0"/>
               <a:t>modal</a:t>
             </a:r>
             <a:r>
-              <a:rPr lang="ko-KR" altLang="en-US" smtClean="0"/>
+              <a:rPr lang="ko-KR" altLang="en-US" dirty="0" smtClean="0"/>
               <a:t>창을 이용</a:t>
             </a:r>
-            <a:endParaRPr lang="ko-KR" altLang="en-US"/>
+            <a:endParaRPr lang="ko-KR" altLang="en-US" dirty="0"/>
           </a:p>
         </p:txBody>
       </p:sp>

--- a/spring - 학습자료/코드로 배우는 스프링 웹 프로젝트 (개정판) 학습자료/PART6.pptx
+++ b/spring - 학습자료/코드로 배우는 스프링 웹 프로젝트 (개정판) 학습자료/PART6.pptx
@@ -2495,7 +2495,7 @@
           <a:p>
             <a:fld id="{48A87A34-81AB-432B-8DAE-1953F412C126}" type="datetimeFigureOut">
               <a:rPr lang="en-US" smtClean="0"/>
-              <a:t>5/29/2023</a:t>
+              <a:t>5/31/2023</a:t>
             </a:fld>
             <a:endParaRPr lang="en-US"/>
           </a:p>
@@ -2693,7 +2693,7 @@
           <a:p>
             <a:fld id="{48A87A34-81AB-432B-8DAE-1953F412C126}" type="datetimeFigureOut">
               <a:rPr lang="en-US" smtClean="0"/>
-              <a:t>5/29/2023</a:t>
+              <a:t>5/31/2023</a:t>
             </a:fld>
             <a:endParaRPr lang="en-US"/>
           </a:p>
@@ -2901,7 +2901,7 @@
           <a:p>
             <a:fld id="{48A87A34-81AB-432B-8DAE-1953F412C126}" type="datetimeFigureOut">
               <a:rPr lang="en-US" smtClean="0"/>
-              <a:t>5/29/2023</a:t>
+              <a:t>5/31/2023</a:t>
             </a:fld>
             <a:endParaRPr lang="en-US"/>
           </a:p>
@@ -3109,7 +3109,7 @@
           <a:p>
             <a:fld id="{48A87A34-81AB-432B-8DAE-1953F412C126}" type="datetimeFigureOut">
               <a:rPr lang="en-US" smtClean="0"/>
-              <a:t>5/29/2023</a:t>
+              <a:t>5/31/2023</a:t>
             </a:fld>
             <a:endParaRPr lang="en-US"/>
           </a:p>
@@ -3384,7 +3384,7 @@
           <a:p>
             <a:fld id="{48A87A34-81AB-432B-8DAE-1953F412C126}" type="datetimeFigureOut">
               <a:rPr lang="en-US" smtClean="0"/>
-              <a:t>5/29/2023</a:t>
+              <a:t>5/31/2023</a:t>
             </a:fld>
             <a:endParaRPr lang="en-US"/>
           </a:p>
@@ -3650,7 +3650,7 @@
             <a:fld id="{48A87A34-81AB-432B-8DAE-1953F412C126}" type="datetimeFigureOut">
               <a:rPr lang="en-US" smtClean="0"/>
               <a:pPr/>
-              <a:t>5/29/2023</a:t>
+              <a:t>5/31/2023</a:t>
             </a:fld>
             <a:endParaRPr lang="en-US"/>
           </a:p>
@@ -4063,7 +4063,7 @@
           <a:p>
             <a:fld id="{48A87A34-81AB-432B-8DAE-1953F412C126}" type="datetimeFigureOut">
               <a:rPr lang="en-US" smtClean="0"/>
-              <a:t>5/29/2023</a:t>
+              <a:t>5/31/2023</a:t>
             </a:fld>
             <a:endParaRPr lang="en-US"/>
           </a:p>
@@ -4204,7 +4204,7 @@
           <a:p>
             <a:fld id="{48A87A34-81AB-432B-8DAE-1953F412C126}" type="datetimeFigureOut">
               <a:rPr lang="en-US" smtClean="0"/>
-              <a:t>5/29/2023</a:t>
+              <a:t>5/31/2023</a:t>
             </a:fld>
             <a:endParaRPr lang="en-US"/>
           </a:p>
@@ -4317,7 +4317,7 @@
           <a:p>
             <a:fld id="{48A87A34-81AB-432B-8DAE-1953F412C126}" type="datetimeFigureOut">
               <a:rPr lang="en-US" smtClean="0"/>
-              <a:t>5/29/2023</a:t>
+              <a:t>5/31/2023</a:t>
             </a:fld>
             <a:endParaRPr lang="en-US"/>
           </a:p>
@@ -4628,7 +4628,7 @@
           <a:p>
             <a:fld id="{48A87A34-81AB-432B-8DAE-1953F412C126}" type="datetimeFigureOut">
               <a:rPr lang="en-US" smtClean="0"/>
-              <a:t>5/29/2023</a:t>
+              <a:t>5/31/2023</a:t>
             </a:fld>
             <a:endParaRPr lang="en-US"/>
           </a:p>
@@ -4917,7 +4917,7 @@
             <a:fld id="{48A87A34-81AB-432B-8DAE-1953F412C126}" type="datetimeFigureOut">
               <a:rPr lang="en-US" smtClean="0"/>
               <a:pPr/>
-              <a:t>5/29/2023</a:t>
+              <a:t>5/31/2023</a:t>
             </a:fld>
             <a:endParaRPr lang="en-US"/>
           </a:p>
@@ -5160,7 +5160,7 @@
             <a:fld id="{48A87A34-81AB-432B-8DAE-1953F412C126}" type="datetimeFigureOut">
               <a:rPr lang="en-US" smtClean="0"/>
               <a:pPr/>
-              <a:t>5/29/2023</a:t>
+              <a:t>5/31/2023</a:t>
             </a:fld>
             <a:endParaRPr lang="en-US"/>
           </a:p>
@@ -22376,11 +22376,15 @@
             </a:r>
             <a:r>
               <a:rPr lang="ko-KR" altLang="en-US" dirty="0" err="1" smtClean="0"/>
-              <a:t>업로드된후</a:t>
+              <a:t>업로드된</a:t>
             </a:r>
             <a:r>
               <a:rPr lang="ko-KR" altLang="en-US" dirty="0" smtClean="0"/>
-              <a:t> 다운로드 처리</a:t>
+              <a:t> 후 </a:t>
+            </a:r>
+            <a:r>
+              <a:rPr lang="ko-KR" altLang="en-US" dirty="0" smtClean="0"/>
+              <a:t>다운로드 처리</a:t>
             </a:r>
             <a:r>
               <a:rPr lang="en-US" altLang="ko-KR" dirty="0" smtClean="0"/>
@@ -24470,7 +24474,7 @@
         </p:blipFill>
         <p:spPr>
           <a:xfrm>
-            <a:off x="367264" y="1077321"/>
+            <a:off x="457949" y="843053"/>
             <a:ext cx="7805775" cy="5928357"/>
           </a:xfrm>
           <a:prstGeom prst="rect">
@@ -34005,95 +34009,111 @@
           <a:lstStyle/>
           <a:p>
             <a:r>
-              <a:rPr lang="en-US" altLang="ko-KR" smtClean="0"/>
+              <a:rPr lang="en-US" altLang="ko-KR" dirty="0" err="1" smtClean="0"/>
               <a:t>BoardAttachMapper</a:t>
             </a:r>
             <a:r>
-              <a:rPr lang="ko-KR" altLang="en-US" smtClean="0"/>
+              <a:rPr lang="ko-KR" altLang="en-US" dirty="0" smtClean="0"/>
               <a:t>에 삭제</a:t>
             </a:r>
             <a:r>
-              <a:rPr lang="en-US" altLang="ko-KR" smtClean="0"/>
+              <a:rPr lang="en-US" altLang="ko-KR" dirty="0" smtClean="0"/>
               <a:t> </a:t>
             </a:r>
             <a:r>
-              <a:rPr lang="ko-KR" altLang="en-US" smtClean="0"/>
+              <a:rPr lang="ko-KR" altLang="en-US" dirty="0" smtClean="0"/>
               <a:t>메서드</a:t>
             </a:r>
             <a:r>
-              <a:rPr lang="en-US" altLang="ko-KR"/>
+              <a:rPr lang="en-US" altLang="ko-KR" dirty="0"/>
               <a:t/>
             </a:r>
             <a:br>
-              <a:rPr lang="en-US" altLang="ko-KR"/>
+              <a:rPr lang="en-US" altLang="ko-KR" dirty="0"/>
             </a:br>
             <a:r>
-              <a:rPr lang="en-US" altLang="ko-KR"/>
-              <a:t>public void delete(String uuid</a:t>
-            </a:r>
-            <a:r>
-              <a:rPr lang="en-US" altLang="ko-KR" smtClean="0"/>
+              <a:rPr lang="en-US" altLang="ko-KR" dirty="0"/>
+              <a:t>public void delete(String </a:t>
+            </a:r>
+            <a:r>
+              <a:rPr lang="en-US" altLang="ko-KR" dirty="0" err="1"/>
+              <a:t>uuid</a:t>
+            </a:r>
+            <a:r>
+              <a:rPr lang="en-US" altLang="ko-KR" dirty="0" smtClean="0"/>
               <a:t>);</a:t>
             </a:r>
             <a:br>
-              <a:rPr lang="en-US" altLang="ko-KR" smtClean="0"/>
+              <a:rPr lang="en-US" altLang="ko-KR" dirty="0" smtClean="0"/>
             </a:br>
             <a:r>
-              <a:rPr lang="en-US" altLang="ko-KR" b="1"/>
-              <a:t>public void deleteAll(Long bno</a:t>
-            </a:r>
-            <a:r>
-              <a:rPr lang="en-US" altLang="ko-KR" b="1" smtClean="0"/>
+              <a:rPr lang="en-US" altLang="ko-KR" b="1" dirty="0"/>
+              <a:t>public void </a:t>
+            </a:r>
+            <a:r>
+              <a:rPr lang="en-US" altLang="ko-KR" b="1" dirty="0" err="1"/>
+              <a:t>deleteAll</a:t>
+            </a:r>
+            <a:r>
+              <a:rPr lang="en-US" altLang="ko-KR" b="1" dirty="0"/>
+              <a:t>(Long </a:t>
+            </a:r>
+            <a:r>
+              <a:rPr lang="en-US" altLang="ko-KR" b="1" dirty="0" err="1"/>
+              <a:t>bno</a:t>
+            </a:r>
+            <a:r>
+              <a:rPr lang="en-US" altLang="ko-KR" b="1" dirty="0" smtClean="0"/>
               <a:t>);</a:t>
             </a:r>
           </a:p>
           <a:p>
             <a:r>
-              <a:rPr lang="en-US" altLang="ko-KR" b="1" smtClean="0"/>
+              <a:rPr lang="en-US" altLang="ko-KR" b="1" dirty="0" smtClean="0"/>
               <a:t>Xml</a:t>
             </a:r>
             <a:r>
-              <a:rPr lang="ko-KR" altLang="en-US" b="1" smtClean="0"/>
+              <a:rPr lang="ko-KR" altLang="en-US" b="1" dirty="0" smtClean="0"/>
               <a:t>도 추가</a:t>
             </a:r>
-            <a:endParaRPr lang="en-US" altLang="ko-KR" b="1" smtClean="0"/>
-          </a:p>
-          <a:p>
-            <a:r>
-              <a:rPr lang="en-US" altLang="ko-KR" smtClean="0"/>
+            <a:endParaRPr lang="en-US" altLang="ko-KR" b="1" dirty="0" smtClean="0"/>
+          </a:p>
+          <a:p>
+            <a:r>
+              <a:rPr lang="en-US" altLang="ko-KR" dirty="0" smtClean="0"/>
               <a:t>Service</a:t>
             </a:r>
             <a:r>
-              <a:rPr lang="ko-KR" altLang="en-US" smtClean="0"/>
+              <a:rPr lang="ko-KR" altLang="en-US" dirty="0" smtClean="0"/>
               <a:t>는 게시물 삭제와 파일 삭제를 </a:t>
             </a:r>
             <a:r>
-              <a:rPr lang="en-US" altLang="ko-KR" smtClean="0"/>
+              <a:rPr lang="en-US" altLang="ko-KR" dirty="0" smtClean="0"/>
               <a:t>transaction</a:t>
             </a:r>
             <a:r>
-              <a:rPr lang="ko-KR" altLang="en-US" smtClean="0"/>
+              <a:rPr lang="ko-KR" altLang="en-US" dirty="0" smtClean="0"/>
               <a:t>으로 처리</a:t>
             </a:r>
             <a:r>
-              <a:rPr lang="en-US" altLang="ko-KR" smtClean="0"/>
+              <a:rPr lang="en-US" altLang="ko-KR" dirty="0" smtClean="0"/>
               <a:t/>
             </a:r>
             <a:br>
-              <a:rPr lang="en-US" altLang="ko-KR" smtClean="0"/>
+              <a:rPr lang="en-US" altLang="ko-KR" dirty="0" smtClean="0"/>
             </a:br>
-            <a:endParaRPr lang="en-US" altLang="ko-KR" smtClean="0"/>
+            <a:endParaRPr lang="en-US" altLang="ko-KR" dirty="0" smtClean="0"/>
           </a:p>
           <a:p>
             <a:pPr marL="0" indent="0">
               <a:buNone/>
             </a:pPr>
             <a:r>
-              <a:rPr lang="en-US" altLang="ko-KR" smtClean="0"/>
+              <a:rPr lang="en-US" altLang="ko-KR" dirty="0" smtClean="0"/>
               <a:t>        @</a:t>
             </a:r>
             <a:r>
-              <a:rPr lang="en-US" altLang="ko-KR"/>
+              <a:rPr lang="en-US" altLang="ko-KR" dirty="0"/>
               <a:t>Transactional</a:t>
             </a:r>
           </a:p>
@@ -34102,7 +34122,7 @@
               <a:buNone/>
             </a:pPr>
             <a:r>
-              <a:rPr lang="en-US" altLang="ko-KR"/>
+              <a:rPr lang="en-US" altLang="ko-KR" dirty="0"/>
               <a:t>	@Override</a:t>
             </a:r>
           </a:p>
@@ -34111,53 +34131,109 @@
               <a:buNone/>
             </a:pPr>
             <a:r>
-              <a:rPr lang="en-US" altLang="ko-KR"/>
-              <a:t>	public boolean remove(Long bno) {</a:t>
+              <a:rPr lang="en-US" altLang="ko-KR" dirty="0"/>
+              <a:t>	public </a:t>
+            </a:r>
+            <a:r>
+              <a:rPr lang="en-US" altLang="ko-KR" dirty="0" err="1"/>
+              <a:t>boolean</a:t>
+            </a:r>
+            <a:r>
+              <a:rPr lang="en-US" altLang="ko-KR" dirty="0"/>
+              <a:t> remove(Long </a:t>
+            </a:r>
+            <a:r>
+              <a:rPr lang="en-US" altLang="ko-KR" dirty="0" err="1"/>
+              <a:t>bno</a:t>
+            </a:r>
+            <a:r>
+              <a:rPr lang="en-US" altLang="ko-KR" dirty="0"/>
+              <a:t>) {</a:t>
             </a:r>
           </a:p>
           <a:p>
             <a:pPr marL="0" indent="0">
               <a:buNone/>
             </a:pPr>
-            <a:endParaRPr lang="en-US" altLang="ko-KR"/>
+            <a:endParaRPr lang="en-US" altLang="ko-KR" dirty="0"/>
           </a:p>
           <a:p>
             <a:pPr marL="0" indent="0">
               <a:buNone/>
             </a:pPr>
             <a:r>
-              <a:rPr lang="en-US" altLang="ko-KR"/>
-              <a:t>		log.info("remove...." + bno);</a:t>
+              <a:rPr lang="en-US" altLang="ko-KR" dirty="0"/>
+              <a:t>		log.info("remove...." + </a:t>
+            </a:r>
+            <a:r>
+              <a:rPr lang="en-US" altLang="ko-KR" dirty="0" err="1"/>
+              <a:t>bno</a:t>
+            </a:r>
+            <a:r>
+              <a:rPr lang="en-US" altLang="ko-KR" dirty="0"/>
+              <a:t>);</a:t>
             </a:r>
           </a:p>
           <a:p>
             <a:pPr marL="0" indent="0">
               <a:buNone/>
             </a:pPr>
-            <a:endParaRPr lang="en-US" altLang="ko-KR"/>
+            <a:endParaRPr lang="en-US" altLang="ko-KR" dirty="0"/>
           </a:p>
           <a:p>
             <a:pPr marL="0" indent="0">
               <a:buNone/>
             </a:pPr>
             <a:r>
-              <a:rPr lang="en-US" altLang="ko-KR"/>
-              <a:t>		attachMapper.deleteAll(bno);</a:t>
+              <a:rPr lang="en-US" altLang="ko-KR" dirty="0"/>
+              <a:t>		</a:t>
+            </a:r>
+            <a:r>
+              <a:rPr lang="en-US" altLang="ko-KR" dirty="0" err="1"/>
+              <a:t>attachMapper.deleteAll</a:t>
+            </a:r>
+            <a:r>
+              <a:rPr lang="en-US" altLang="ko-KR" dirty="0"/>
+              <a:t>(</a:t>
+            </a:r>
+            <a:r>
+              <a:rPr lang="en-US" altLang="ko-KR" dirty="0" err="1"/>
+              <a:t>bno</a:t>
+            </a:r>
+            <a:r>
+              <a:rPr lang="en-US" altLang="ko-KR" dirty="0"/>
+              <a:t>);</a:t>
             </a:r>
           </a:p>
           <a:p>
             <a:pPr marL="0" indent="0">
               <a:buNone/>
             </a:pPr>
-            <a:endParaRPr lang="en-US" altLang="ko-KR"/>
+            <a:endParaRPr lang="en-US" altLang="ko-KR" dirty="0"/>
           </a:p>
           <a:p>
             <a:pPr marL="0" indent="0">
               <a:buNone/>
             </a:pPr>
             <a:r>
-              <a:rPr lang="en-US" altLang="ko-KR"/>
-              <a:t>		return mapper.delete(bno) == 1;</a:t>
+              <a:rPr lang="en-US" altLang="ko-KR" dirty="0"/>
+              <a:t>		return </a:t>
+            </a:r>
+            <a:r>
+              <a:rPr lang="en-US" altLang="ko-KR" dirty="0" err="1"/>
+              <a:t>mapper.delete</a:t>
+            </a:r>
+            <a:r>
+              <a:rPr lang="en-US" altLang="ko-KR" dirty="0"/>
+              <a:t>(</a:t>
+            </a:r>
+            <a:r>
+              <a:rPr lang="en-US" altLang="ko-KR" dirty="0" err="1"/>
+              <a:t>bno</a:t>
+            </a:r>
+            <a:r>
+              <a:rPr lang="en-US" altLang="ko-KR" dirty="0"/>
+              <a:t>) == 1;</a:t>
             </a:r>
           </a:p>
           <a:p>
@@ -34165,12 +34241,12 @@
               <a:buNone/>
             </a:pPr>
             <a:r>
-              <a:rPr lang="en-US" altLang="ko-KR"/>
+              <a:rPr lang="en-US" altLang="ko-KR" dirty="0"/>
               <a:t>	}</a:t>
             </a:r>
           </a:p>
           <a:p>
-            <a:endParaRPr lang="ko-KR" altLang="en-US"/>
+            <a:endParaRPr lang="ko-KR" altLang="en-US" dirty="0"/>
           </a:p>
         </p:txBody>
       </p:sp>
